--- a/Tutorials/images/qa_resources-v3.pptx
+++ b/Tutorials/images/qa_resources-v3.pptx
@@ -240,7 +240,7 @@
               <a:rPr lang="fr-FR" smtClean="0">
                 <a:latin typeface="Calibri Regular" charset="0"/>
               </a:rPr>
-              <a:t>28/09/2020</a:t>
+              <a:t>29/09/2020</a:t>
             </a:fld>
             <a:endParaRPr lang="en-US" dirty="0">
               <a:latin typeface="Calibri Regular" charset="0"/>
@@ -428,7 +428,7 @@
           <a:p>
             <a:fld id="{D125E8DA-58CB-F841-A404-E11EC1E2C988}" type="datetime1">
               <a:rPr lang="fr-FR" smtClean="0"/>
-              <a:t>28/09/2020</a:t>
+              <a:t>29/09/2020</a:t>
             </a:fld>
             <a:endParaRPr lang="en-US" dirty="0"/>
           </a:p>
@@ -33584,8 +33584,8 @@
         </p:nvSpPr>
         <p:spPr>
           <a:xfrm>
-            <a:off x="2855639" y="3026233"/>
-            <a:ext cx="1872209" cy="324374"/>
+            <a:off x="2855638" y="3025295"/>
+            <a:ext cx="1872209" cy="809435"/>
           </a:xfrm>
           <a:prstGeom prst="roundRect">
             <a:avLst>
@@ -33630,10 +33630,13 @@
                 <a:ea typeface="Source Sans Pro Semibold" charset="0"/>
                 <a:cs typeface="Source Sans Pro Light" charset="0"/>
               </a:rPr>
-              <a:t>Module</a:t>
-            </a:r>
-            <a:r>
-              <a:rPr lang="en-US" sz="1400" b="1" i="1">
+              <a:t>MicroEJ Module</a:t>
+            </a:r>
+          </a:p>
+          <a:p>
+            <a:pPr algn="ctr"/>
+            <a:r>
+              <a:rPr lang="en-US" sz="1400" b="1">
                 <a:solidFill>
                   <a:schemeClr val="bg1"/>
                 </a:solidFill>
@@ -33641,8 +33644,11 @@
                 <a:ea typeface="Source Sans Pro Semibold" charset="0"/>
                 <a:cs typeface="Source Sans Pro Light" charset="0"/>
               </a:rPr>
-              <a:t> </a:t>
-            </a:r>
+              <a:t>Manager</a:t>
+            </a:r>
+          </a:p>
+          <a:p>
+            <a:pPr algn="ctr"/>
             <a:r>
               <a:rPr lang="en-US" sz="1400" b="1">
                 <a:solidFill>
@@ -33652,7 +33658,7 @@
                 <a:ea typeface="Source Sans Pro Semibold" charset="0"/>
                 <a:cs typeface="Source Sans Pro Light" charset="0"/>
               </a:rPr>
-              <a:t>Repository</a:t>
+              <a:t>(MMM)</a:t>
             </a:r>
           </a:p>
         </p:txBody>
@@ -33695,71 +33701,6 @@
       </p:pic>
       <p:sp>
         <p:nvSpPr>
-          <p:cNvPr id="104" name="Rounded Rectangle 114">
-            <a:extLst>
-              <a:ext uri="{FF2B5EF4-FFF2-40B4-BE49-F238E27FC236}">
-                <a16:creationId xmlns:a16="http://schemas.microsoft.com/office/drawing/2014/main" id="{E5EAF111-F798-4E7F-9EAD-FE8DE1482D14}"/>
-              </a:ext>
-            </a:extLst>
-          </p:cNvPr>
-          <p:cNvSpPr/>
-          <p:nvPr/>
-        </p:nvSpPr>
-        <p:spPr>
-          <a:xfrm>
-            <a:off x="2855639" y="3480730"/>
-            <a:ext cx="1872209" cy="324374"/>
-          </a:xfrm>
-          <a:prstGeom prst="roundRect">
-            <a:avLst>
-              <a:gd name="adj" fmla="val 19644"/>
-            </a:avLst>
-          </a:prstGeom>
-          <a:noFill/>
-          <a:ln w="28575">
-            <a:solidFill>
-              <a:srgbClr val="EE502E"/>
-            </a:solidFill>
-          </a:ln>
-          <a:effectLst/>
-        </p:spPr>
-        <p:style>
-          <a:lnRef idx="2">
-            <a:schemeClr val="dk1"/>
-          </a:lnRef>
-          <a:fillRef idx="1">
-            <a:schemeClr val="lt1"/>
-          </a:fillRef>
-          <a:effectRef idx="0">
-            <a:schemeClr val="dk1"/>
-          </a:effectRef>
-          <a:fontRef idx="minor">
-            <a:schemeClr val="dk1"/>
-          </a:fontRef>
-        </p:style>
-        <p:txBody>
-          <a:bodyPr wrap="square" tIns="36000" bIns="36000" rtlCol="0" anchor="ctr">
-            <a:spAutoFit/>
-          </a:bodyPr>
-          <a:lstStyle/>
-          <a:p>
-            <a:pPr algn="ctr"/>
-            <a:r>
-              <a:rPr lang="en-US" sz="1400" b="1">
-                <a:solidFill>
-                  <a:schemeClr val="bg1"/>
-                </a:solidFill>
-                <a:latin typeface="Source Sans Pro Semibold" charset="0"/>
-                <a:ea typeface="Source Sans Pro Semibold" charset="0"/>
-                <a:cs typeface="Source Sans Pro Light" charset="0"/>
-              </a:rPr>
-              <a:t>Ivy Settings</a:t>
-            </a:r>
-          </a:p>
-        </p:txBody>
-      </p:sp>
-      <p:sp>
-        <p:nvSpPr>
           <p:cNvPr id="117" name="TextBox 116">
             <a:extLst>
               <a:ext uri="{FF2B5EF4-FFF2-40B4-BE49-F238E27FC236}">
@@ -34436,14 +34377,15 @@
             </a:extLst>
           </p:cNvPr>
           <p:cNvCxnSpPr>
+            <a:cxnSpLocks/>
             <a:stCxn id="25" idx="1"/>
           </p:cNvCxnSpPr>
           <p:nvPr/>
         </p:nvCxnSpPr>
         <p:spPr>
-          <a:xfrm flipH="1" flipV="1">
-            <a:off x="4747505" y="3259228"/>
-            <a:ext cx="3267424" cy="96170"/>
+          <a:xfrm flipH="1">
+            <a:off x="4776509" y="3355398"/>
+            <a:ext cx="3238420" cy="0"/>
           </a:xfrm>
           <a:prstGeom prst="straightConnector1">
             <a:avLst/>
@@ -34657,8 +34599,8 @@
         </p:nvSpPr>
         <p:spPr>
           <a:xfrm>
-            <a:off x="4968865" y="3047221"/>
-            <a:ext cx="1969074" cy="446276"/>
+            <a:off x="5192691" y="3123006"/>
+            <a:ext cx="2822238" cy="184666"/>
           </a:xfrm>
           <a:prstGeom prst="rect">
             <a:avLst/>
@@ -34671,7 +34613,7 @@
           </a:bodyPr>
           <a:lstStyle/>
           <a:p>
-            <a:pPr algn="ctr">
+            <a:pPr>
               <a:spcBef>
                 <a:spcPts val="0"/>
               </a:spcBef>
@@ -34691,18 +34633,8 @@
                 <a:ea typeface="Source Sans Pro Light" charset="0"/>
                 <a:cs typeface="Source Sans Pro Light" charset="0"/>
               </a:rPr>
-              <a:t>Import offline repository</a:t>
-            </a:r>
-          </a:p>
-          <a:p>
-            <a:pPr algn="ctr">
-              <a:spcBef>
-                <a:spcPts val="0"/>
-              </a:spcBef>
-              <a:spcAft>
-                <a:spcPts val="600"/>
-              </a:spcAft>
-            </a:pPr>
+              <a:t>Import offline repository </a:t>
+            </a:r>
             <a:r>
               <a:rPr lang="en-US" sz="1200" b="1">
                 <a:solidFill>
@@ -34742,7 +34674,7 @@
         </p:nvSpPr>
         <p:spPr>
           <a:xfrm>
-            <a:off x="6104223" y="3798656"/>
+            <a:off x="5976868" y="4139978"/>
             <a:ext cx="1969074" cy="184666"/>
           </a:xfrm>
           <a:prstGeom prst="rect">
@@ -34888,18 +34820,17 @@
           </p:cNvPr>
           <p:cNvCxnSpPr>
             <a:cxnSpLocks/>
-            <a:stCxn id="25" idx="1"/>
           </p:cNvCxnSpPr>
           <p:nvPr/>
         </p:nvCxnSpPr>
         <p:spPr>
           <a:xfrm rot="10800000" flipV="1">
-            <a:off x="4776509" y="3355398"/>
-            <a:ext cx="3238421" cy="284378"/>
+            <a:off x="4776510" y="3471644"/>
+            <a:ext cx="3264258" cy="168131"/>
           </a:xfrm>
           <a:prstGeom prst="bentConnector3">
             <a:avLst>
-              <a:gd name="adj1" fmla="val 48235"/>
+              <a:gd name="adj1" fmla="val 42243"/>
             </a:avLst>
           </a:prstGeom>
           <a:ln w="28575">
@@ -34937,12 +34868,12 @@
         </p:nvCxnSpPr>
         <p:spPr>
           <a:xfrm rot="10800000">
-            <a:off x="4776511" y="3642917"/>
-            <a:ext cx="3773167" cy="446632"/>
+            <a:off x="4776509" y="3644681"/>
+            <a:ext cx="3773170" cy="444869"/>
           </a:xfrm>
           <a:prstGeom prst="bentConnector3">
             <a:avLst>
-              <a:gd name="adj1" fmla="val 55617"/>
+              <a:gd name="adj1" fmla="val 50000"/>
             </a:avLst>
           </a:prstGeom>
           <a:ln w="28575">

--- a/Tutorials/images/qa_resources-v3.pptx
+++ b/Tutorials/images/qa_resources-v3.pptx
@@ -138,11 +138,7 @@
 <file path=ppt/commentAuthors.xml><?xml version="1.0" encoding="utf-8"?>
 <p:cmAuthorLst xmlns:a="http://schemas.openxmlformats.org/drawingml/2006/main" xmlns:r="http://schemas.openxmlformats.org/officeDocument/2006/relationships" xmlns:p="http://schemas.openxmlformats.org/presentationml/2006/main">
   <p:cmAuthor id="1" name="Jérôme Leroux" initials="JL" lastIdx="10" clrIdx="0">
-    <p:extLst>
-      <p:ext uri="{19B8F6BF-5375-455C-9EA6-DF929625EA0E}">
-        <p15:presenceInfo xmlns:p15="http://schemas.microsoft.com/office/powerpoint/2012/main" userId="be9668c8704a2840" providerId="Windows Live"/>
-      </p:ext>
-    </p:extLst>
+    <p:extLst/>
   </p:cmAuthor>
   <p:cmAuthor id="2" name="Rémy Louedec" initials="" lastIdx="0" clrIdx="1"/>
 </p:cmAuthorLst>
@@ -28056,7 +28052,7 @@
           <p:cNvPr id="14" name="Slide Number Placeholder 5">
             <a:extLst>
               <a:ext uri="{FF2B5EF4-FFF2-40B4-BE49-F238E27FC236}">
-                <a16:creationId xmlns:a16="http://schemas.microsoft.com/office/drawing/2014/main" id="{D6A5EA0A-9DA9-564F-8F7D-CF263DB84C39}"/>
+                <a16:creationId xmlns="" xmlns:a16="http://schemas.microsoft.com/office/drawing/2014/main" id="{D6A5EA0A-9DA9-564F-8F7D-CF263DB84C39}"/>
               </a:ext>
             </a:extLst>
           </p:cNvPr>
@@ -28224,7 +28220,7 @@
           <p:cNvPr id="21" name="Straight Connector 20">
             <a:extLst>
               <a:ext uri="{FF2B5EF4-FFF2-40B4-BE49-F238E27FC236}">
-                <a16:creationId xmlns:a16="http://schemas.microsoft.com/office/drawing/2014/main" id="{F4443C96-B82D-F449-A71B-02134B6BB207}"/>
+                <a16:creationId xmlns="" xmlns:a16="http://schemas.microsoft.com/office/drawing/2014/main" id="{F4443C96-B82D-F449-A71B-02134B6BB207}"/>
               </a:ext>
             </a:extLst>
           </p:cNvPr>
@@ -28890,7 +28886,7 @@
           <p:cNvPr id="14" name="Slide Number Placeholder 5">
             <a:extLst>
               <a:ext uri="{FF2B5EF4-FFF2-40B4-BE49-F238E27FC236}">
-                <a16:creationId xmlns:a16="http://schemas.microsoft.com/office/drawing/2014/main" id="{D6A5EA0A-9DA9-564F-8F7D-CF263DB84C39}"/>
+                <a16:creationId xmlns="" xmlns:a16="http://schemas.microsoft.com/office/drawing/2014/main" id="{D6A5EA0A-9DA9-564F-8F7D-CF263DB84C39}"/>
               </a:ext>
             </a:extLst>
           </p:cNvPr>
@@ -29058,7 +29054,7 @@
           <p:cNvPr id="21" name="Straight Connector 20">
             <a:extLst>
               <a:ext uri="{FF2B5EF4-FFF2-40B4-BE49-F238E27FC236}">
-                <a16:creationId xmlns:a16="http://schemas.microsoft.com/office/drawing/2014/main" id="{F4443C96-B82D-F449-A71B-02134B6BB207}"/>
+                <a16:creationId xmlns="" xmlns:a16="http://schemas.microsoft.com/office/drawing/2014/main" id="{F4443C96-B82D-F449-A71B-02134B6BB207}"/>
               </a:ext>
             </a:extLst>
           </p:cNvPr>
@@ -29144,7 +29140,7 @@
           <p:cNvPr id="6" name="Slide Number Placeholder 5">
             <a:extLst>
               <a:ext uri="{FF2B5EF4-FFF2-40B4-BE49-F238E27FC236}">
-                <a16:creationId xmlns:a16="http://schemas.microsoft.com/office/drawing/2014/main" id="{D6A5EA0A-9DA9-564F-8F7D-CF263DB84C39}"/>
+                <a16:creationId xmlns="" xmlns:a16="http://schemas.microsoft.com/office/drawing/2014/main" id="{D6A5EA0A-9DA9-564F-8F7D-CF263DB84C39}"/>
               </a:ext>
             </a:extLst>
           </p:cNvPr>
@@ -29312,7 +29308,7 @@
           <p:cNvPr id="8" name="Straight Connector 7">
             <a:extLst>
               <a:ext uri="{FF2B5EF4-FFF2-40B4-BE49-F238E27FC236}">
-                <a16:creationId xmlns:a16="http://schemas.microsoft.com/office/drawing/2014/main" id="{F4443C96-B82D-F449-A71B-02134B6BB207}"/>
+                <a16:creationId xmlns="" xmlns:a16="http://schemas.microsoft.com/office/drawing/2014/main" id="{F4443C96-B82D-F449-A71B-02134B6BB207}"/>
               </a:ext>
             </a:extLst>
           </p:cNvPr>
@@ -30146,7 +30142,7 @@
           <p:cNvPr id="14" name="Slide Number Placeholder 5">
             <a:extLst>
               <a:ext uri="{FF2B5EF4-FFF2-40B4-BE49-F238E27FC236}">
-                <a16:creationId xmlns:a16="http://schemas.microsoft.com/office/drawing/2014/main" id="{D6A5EA0A-9DA9-564F-8F7D-CF263DB84C39}"/>
+                <a16:creationId xmlns="" xmlns:a16="http://schemas.microsoft.com/office/drawing/2014/main" id="{D6A5EA0A-9DA9-564F-8F7D-CF263DB84C39}"/>
               </a:ext>
             </a:extLst>
           </p:cNvPr>
@@ -30314,7 +30310,7 @@
           <p:cNvPr id="21" name="Straight Connector 20">
             <a:extLst>
               <a:ext uri="{FF2B5EF4-FFF2-40B4-BE49-F238E27FC236}">
-                <a16:creationId xmlns:a16="http://schemas.microsoft.com/office/drawing/2014/main" id="{F4443C96-B82D-F449-A71B-02134B6BB207}"/>
+                <a16:creationId xmlns="" xmlns:a16="http://schemas.microsoft.com/office/drawing/2014/main" id="{F4443C96-B82D-F449-A71B-02134B6BB207}"/>
               </a:ext>
             </a:extLst>
           </p:cNvPr>
@@ -30400,7 +30396,7 @@
           <p:cNvPr id="6" name="Slide Number Placeholder 5">
             <a:extLst>
               <a:ext uri="{FF2B5EF4-FFF2-40B4-BE49-F238E27FC236}">
-                <a16:creationId xmlns:a16="http://schemas.microsoft.com/office/drawing/2014/main" id="{D6A5EA0A-9DA9-564F-8F7D-CF263DB84C39}"/>
+                <a16:creationId xmlns="" xmlns:a16="http://schemas.microsoft.com/office/drawing/2014/main" id="{D6A5EA0A-9DA9-564F-8F7D-CF263DB84C39}"/>
               </a:ext>
             </a:extLst>
           </p:cNvPr>
@@ -30568,7 +30564,7 @@
           <p:cNvPr id="8" name="Straight Connector 7">
             <a:extLst>
               <a:ext uri="{FF2B5EF4-FFF2-40B4-BE49-F238E27FC236}">
-                <a16:creationId xmlns:a16="http://schemas.microsoft.com/office/drawing/2014/main" id="{F4443C96-B82D-F449-A71B-02134B6BB207}"/>
+                <a16:creationId xmlns="" xmlns:a16="http://schemas.microsoft.com/office/drawing/2014/main" id="{F4443C96-B82D-F449-A71B-02134B6BB207}"/>
               </a:ext>
             </a:extLst>
           </p:cNvPr>
@@ -31402,7 +31398,7 @@
           <p:cNvPr id="14" name="Slide Number Placeholder 5">
             <a:extLst>
               <a:ext uri="{FF2B5EF4-FFF2-40B4-BE49-F238E27FC236}">
-                <a16:creationId xmlns:a16="http://schemas.microsoft.com/office/drawing/2014/main" id="{D6A5EA0A-9DA9-564F-8F7D-CF263DB84C39}"/>
+                <a16:creationId xmlns="" xmlns:a16="http://schemas.microsoft.com/office/drawing/2014/main" id="{D6A5EA0A-9DA9-564F-8F7D-CF263DB84C39}"/>
               </a:ext>
             </a:extLst>
           </p:cNvPr>
@@ -31570,7 +31566,7 @@
           <p:cNvPr id="21" name="Straight Connector 20">
             <a:extLst>
               <a:ext uri="{FF2B5EF4-FFF2-40B4-BE49-F238E27FC236}">
-                <a16:creationId xmlns:a16="http://schemas.microsoft.com/office/drawing/2014/main" id="{F4443C96-B82D-F449-A71B-02134B6BB207}"/>
+                <a16:creationId xmlns="" xmlns:a16="http://schemas.microsoft.com/office/drawing/2014/main" id="{F4443C96-B82D-F449-A71B-02134B6BB207}"/>
               </a:ext>
             </a:extLst>
           </p:cNvPr>
@@ -31656,7 +31652,7 @@
           <p:cNvPr id="6" name="Slide Number Placeholder 5">
             <a:extLst>
               <a:ext uri="{FF2B5EF4-FFF2-40B4-BE49-F238E27FC236}">
-                <a16:creationId xmlns:a16="http://schemas.microsoft.com/office/drawing/2014/main" id="{D6A5EA0A-9DA9-564F-8F7D-CF263DB84C39}"/>
+                <a16:creationId xmlns="" xmlns:a16="http://schemas.microsoft.com/office/drawing/2014/main" id="{D6A5EA0A-9DA9-564F-8F7D-CF263DB84C39}"/>
               </a:ext>
             </a:extLst>
           </p:cNvPr>
@@ -31824,7 +31820,7 @@
           <p:cNvPr id="8" name="Straight Connector 7">
             <a:extLst>
               <a:ext uri="{FF2B5EF4-FFF2-40B4-BE49-F238E27FC236}">
-                <a16:creationId xmlns:a16="http://schemas.microsoft.com/office/drawing/2014/main" id="{F4443C96-B82D-F449-A71B-02134B6BB207}"/>
+                <a16:creationId xmlns="" xmlns:a16="http://schemas.microsoft.com/office/drawing/2014/main" id="{F4443C96-B82D-F449-A71B-02134B6BB207}"/>
               </a:ext>
             </a:extLst>
           </p:cNvPr>
@@ -32648,2337 +32644,469 @@
           <a:chExt cx="0" cy="0"/>
         </a:xfrm>
       </p:grpSpPr>
-      <p:sp>
-        <p:nvSpPr>
-          <p:cNvPr id="239" name="Rounded Rectangle 105">
-            <a:extLst>
-              <a:ext uri="{FF2B5EF4-FFF2-40B4-BE49-F238E27FC236}">
-                <a16:creationId xmlns:a16="http://schemas.microsoft.com/office/drawing/2014/main" id="{D94918E0-52E2-4098-B250-C307C5F05C31}"/>
-              </a:ext>
-            </a:extLst>
-          </p:cNvPr>
-          <p:cNvSpPr/>
-          <p:nvPr/>
-        </p:nvSpPr>
-        <p:spPr>
-          <a:xfrm>
-            <a:off x="7929274" y="552465"/>
-            <a:ext cx="2329036" cy="820071"/>
-          </a:xfrm>
-          <a:prstGeom prst="roundRect">
-            <a:avLst>
-              <a:gd name="adj" fmla="val 15733"/>
-            </a:avLst>
-          </a:prstGeom>
-          <a:solidFill>
-            <a:schemeClr val="bg1"/>
-          </a:solidFill>
-          <a:ln w="28575">
-            <a:solidFill>
-              <a:srgbClr val="5B6D76"/>
-            </a:solidFill>
-          </a:ln>
-        </p:spPr>
-        <p:style>
-          <a:lnRef idx="2">
-            <a:schemeClr val="accent1">
-              <a:shade val="50000"/>
-            </a:schemeClr>
-          </a:lnRef>
-          <a:fillRef idx="1">
-            <a:schemeClr val="accent1"/>
-          </a:fillRef>
-          <a:effectRef idx="0">
-            <a:schemeClr val="accent1"/>
-          </a:effectRef>
-          <a:fontRef idx="minor">
-            <a:schemeClr val="lt1"/>
-          </a:fontRef>
-        </p:style>
-        <p:txBody>
-          <a:bodyPr rtlCol="0" anchor="ctr"/>
-          <a:lstStyle/>
-          <a:p>
-            <a:pPr algn="ctr"/>
-            <a:r>
-              <a:rPr lang="en-US"/>
-              <a:t>vz</a:t>
-            </a:r>
-            <a:endParaRPr lang="en-US" dirty="0"/>
-          </a:p>
-        </p:txBody>
-      </p:sp>
-      <p:sp>
-        <p:nvSpPr>
-          <p:cNvPr id="108" name="Rounded Rectangle 62">
-            <a:extLst>
-              <a:ext uri="{FF2B5EF4-FFF2-40B4-BE49-F238E27FC236}">
-                <a16:creationId xmlns:a16="http://schemas.microsoft.com/office/drawing/2014/main" id="{594485E9-9FDD-42D9-A895-515379347D47}"/>
-              </a:ext>
-            </a:extLst>
-          </p:cNvPr>
-          <p:cNvSpPr/>
-          <p:nvPr/>
-        </p:nvSpPr>
-        <p:spPr>
-          <a:xfrm>
-            <a:off x="2509445" y="522114"/>
-            <a:ext cx="2578443" cy="3626966"/>
-          </a:xfrm>
-          <a:prstGeom prst="roundRect">
-            <a:avLst>
-              <a:gd name="adj" fmla="val 5059"/>
-            </a:avLst>
-          </a:prstGeom>
-          <a:solidFill>
-            <a:schemeClr val="bg1">
-              <a:lumMod val="95000"/>
-            </a:schemeClr>
-          </a:solidFill>
-          <a:ln w="19050">
-            <a:noFill/>
-          </a:ln>
-        </p:spPr>
-        <p:style>
-          <a:lnRef idx="2">
-            <a:schemeClr val="accent1">
-              <a:shade val="50000"/>
-            </a:schemeClr>
-          </a:lnRef>
-          <a:fillRef idx="1">
-            <a:schemeClr val="accent1"/>
-          </a:fillRef>
-          <a:effectRef idx="0">
-            <a:schemeClr val="accent1"/>
-          </a:effectRef>
-          <a:fontRef idx="minor">
-            <a:schemeClr val="lt1"/>
-          </a:fontRef>
-        </p:style>
-        <p:txBody>
-          <a:bodyPr wrap="square" lIns="0" tIns="0" rIns="0" bIns="0" rtlCol="0" anchor="ctr"/>
-          <a:lstStyle/>
-          <a:p>
-            <a:pPr algn="ctr"/>
-            <a:endParaRPr lang="en-US" sz="1400" dirty="0">
-              <a:solidFill>
-                <a:schemeClr val="bg1">
-                  <a:lumMod val="95000"/>
-                </a:schemeClr>
-              </a:solidFill>
-            </a:endParaRPr>
-          </a:p>
-        </p:txBody>
-      </p:sp>
-      <p:sp>
-        <p:nvSpPr>
-          <p:cNvPr id="133" name="Rounded Rectangle 62">
-            <a:extLst>
-              <a:ext uri="{FF2B5EF4-FFF2-40B4-BE49-F238E27FC236}">
-                <a16:creationId xmlns:a16="http://schemas.microsoft.com/office/drawing/2014/main" id="{4DCEBE55-347C-41E0-BAE6-4579FE9D8A50}"/>
-              </a:ext>
-            </a:extLst>
-          </p:cNvPr>
-          <p:cNvSpPr/>
-          <p:nvPr/>
-        </p:nvSpPr>
-        <p:spPr>
-          <a:xfrm>
-            <a:off x="2661845" y="893554"/>
-            <a:ext cx="2282027" cy="725978"/>
-          </a:xfrm>
-          <a:prstGeom prst="roundRect">
-            <a:avLst>
-              <a:gd name="adj" fmla="val 5059"/>
-            </a:avLst>
-          </a:prstGeom>
-          <a:solidFill>
-            <a:srgbClr val="A9B1B5"/>
-          </a:solidFill>
-          <a:ln w="19050">
-            <a:noFill/>
-          </a:ln>
-        </p:spPr>
-        <p:style>
-          <a:lnRef idx="2">
-            <a:schemeClr val="accent1">
-              <a:shade val="50000"/>
-            </a:schemeClr>
-          </a:lnRef>
-          <a:fillRef idx="1">
-            <a:schemeClr val="accent1"/>
-          </a:fillRef>
-          <a:effectRef idx="0">
-            <a:schemeClr val="accent1"/>
-          </a:effectRef>
-          <a:fontRef idx="minor">
-            <a:schemeClr val="lt1"/>
-          </a:fontRef>
-        </p:style>
-        <p:txBody>
-          <a:bodyPr wrap="square" lIns="0" tIns="0" rIns="0" bIns="0" rtlCol="0" anchor="ctr"/>
-          <a:lstStyle/>
-          <a:p>
-            <a:pPr algn="ctr"/>
-            <a:endParaRPr lang="en-US" sz="1400" dirty="0">
-              <a:solidFill>
-                <a:schemeClr val="bg1">
-                  <a:lumMod val="95000"/>
-                </a:schemeClr>
-              </a:solidFill>
-            </a:endParaRPr>
-          </a:p>
-        </p:txBody>
-      </p:sp>
-      <p:sp>
-        <p:nvSpPr>
-          <p:cNvPr id="112" name="Rounded Rectangle 62">
-            <a:extLst>
-              <a:ext uri="{FF2B5EF4-FFF2-40B4-BE49-F238E27FC236}">
-                <a16:creationId xmlns:a16="http://schemas.microsoft.com/office/drawing/2014/main" id="{532D9E35-28E9-4BFA-8137-0AE48A627B0F}"/>
-              </a:ext>
-            </a:extLst>
-          </p:cNvPr>
-          <p:cNvSpPr/>
-          <p:nvPr/>
-        </p:nvSpPr>
-        <p:spPr>
-          <a:xfrm>
-            <a:off x="2661845" y="1767721"/>
-            <a:ext cx="2282027" cy="2233170"/>
-          </a:xfrm>
-          <a:prstGeom prst="roundRect">
-            <a:avLst>
-              <a:gd name="adj" fmla="val 5059"/>
-            </a:avLst>
-          </a:prstGeom>
-          <a:solidFill>
-            <a:srgbClr val="A9B1B5"/>
-          </a:solidFill>
-          <a:ln w="19050">
-            <a:noFill/>
-          </a:ln>
-        </p:spPr>
-        <p:style>
-          <a:lnRef idx="2">
-            <a:schemeClr val="accent1">
-              <a:shade val="50000"/>
-            </a:schemeClr>
-          </a:lnRef>
-          <a:fillRef idx="1">
-            <a:schemeClr val="accent1"/>
-          </a:fillRef>
-          <a:effectRef idx="0">
-            <a:schemeClr val="accent1"/>
-          </a:effectRef>
-          <a:fontRef idx="minor">
-            <a:schemeClr val="lt1"/>
-          </a:fontRef>
-        </p:style>
-        <p:txBody>
-          <a:bodyPr wrap="square" lIns="0" tIns="0" rIns="0" bIns="0" rtlCol="0" anchor="ctr"/>
-          <a:lstStyle/>
-          <a:p>
-            <a:pPr algn="ctr"/>
-            <a:endParaRPr lang="en-US" sz="1400" dirty="0">
-              <a:solidFill>
-                <a:schemeClr val="bg1">
-                  <a:lumMod val="95000"/>
-                </a:schemeClr>
-              </a:solidFill>
-            </a:endParaRPr>
-          </a:p>
-        </p:txBody>
-      </p:sp>
-      <p:sp>
-        <p:nvSpPr>
-          <p:cNvPr id="41" name="TextBox 40">
-            <a:extLst>
-              <a:ext uri="{FF2B5EF4-FFF2-40B4-BE49-F238E27FC236}">
-                <a16:creationId xmlns:a16="http://schemas.microsoft.com/office/drawing/2014/main" id="{2E717F41-5B33-4E06-83D6-2B661FDACDC7}"/>
-              </a:ext>
-            </a:extLst>
-          </p:cNvPr>
-          <p:cNvSpPr txBox="1"/>
-          <p:nvPr/>
-        </p:nvSpPr>
-        <p:spPr>
-          <a:xfrm>
-            <a:off x="8549677" y="3960641"/>
-            <a:ext cx="1088230" cy="719034"/>
-          </a:xfrm>
-          <a:prstGeom prst="rect">
-            <a:avLst/>
-          </a:prstGeom>
-          <a:solidFill>
-            <a:schemeClr val="bg1"/>
-          </a:solidFill>
-        </p:spPr>
-        <p:txBody>
-          <a:bodyPr wrap="square" tIns="36000" bIns="36000" rtlCol="0">
-            <a:spAutoFit/>
-          </a:bodyPr>
-          <a:lstStyle/>
-          <a:p>
-            <a:pPr algn="ctr" defTabSz="685783">
-              <a:buClrTx/>
-            </a:pPr>
-            <a:r>
-              <a:rPr lang="en-US" sz="1400" b="1">
-                <a:solidFill>
-                  <a:schemeClr val="tx1">
-                    <a:lumMod val="75000"/>
-                  </a:schemeClr>
-                </a:solidFill>
-                <a:latin typeface="Source Sans Pro Light" charset="0"/>
-                <a:ea typeface="Source Sans Pro Light" charset="0"/>
-                <a:cs typeface="Source Sans Pro Light" charset="0"/>
-              </a:rPr>
-              <a:t>MicroEJ Central</a:t>
-            </a:r>
-          </a:p>
-          <a:p>
-            <a:pPr algn="ctr" defTabSz="685783">
-              <a:buClrTx/>
-            </a:pPr>
-            <a:r>
-              <a:rPr lang="en-US" sz="1400" b="1">
-                <a:solidFill>
-                  <a:schemeClr val="tx1">
-                    <a:lumMod val="75000"/>
-                  </a:schemeClr>
-                </a:solidFill>
-                <a:latin typeface="Source Sans Pro Light" charset="0"/>
-                <a:ea typeface="Source Sans Pro Light" charset="0"/>
-                <a:cs typeface="Source Sans Pro Light" charset="0"/>
-              </a:rPr>
-              <a:t>Repository</a:t>
-            </a:r>
-            <a:endParaRPr lang="en-US" sz="1400" b="1" dirty="0">
-              <a:solidFill>
-                <a:schemeClr val="tx1">
-                  <a:lumMod val="75000"/>
-                </a:schemeClr>
-              </a:solidFill>
-              <a:latin typeface="Source Sans Pro Light" charset="0"/>
-              <a:ea typeface="Source Sans Pro Light" charset="0"/>
-              <a:cs typeface="Source Sans Pro Light" charset="0"/>
-            </a:endParaRPr>
-          </a:p>
-        </p:txBody>
-      </p:sp>
-      <p:pic>
-        <p:nvPicPr>
-          <p:cNvPr id="31" name="Picture 30">
-            <a:extLst>
-              <a:ext uri="{FF2B5EF4-FFF2-40B4-BE49-F238E27FC236}">
-                <a16:creationId xmlns:a16="http://schemas.microsoft.com/office/drawing/2014/main" id="{5F7DE197-6DCD-4FC2-90CC-649BF9CBE17B}"/>
-              </a:ext>
-            </a:extLst>
-          </p:cNvPr>
-          <p:cNvPicPr>
-            <a:picLocks noChangeAspect="1"/>
-          </p:cNvPicPr>
-          <p:nvPr/>
-        </p:nvPicPr>
-        <p:blipFill>
-          <a:blip r:embed="rId2">
-            <a:extLst>
-              <a:ext uri="{28A0092B-C50C-407E-A947-70E740481C1C}">
-                <a14:useLocalDpi xmlns:a14="http://schemas.microsoft.com/office/drawing/2010/main" val="0"/>
-              </a:ext>
-            </a:extLst>
-          </a:blip>
-          <a:stretch>
-            <a:fillRect/>
-          </a:stretch>
-        </p:blipFill>
-        <p:spPr>
-          <a:xfrm>
-            <a:off x="7995271" y="3348894"/>
-            <a:ext cx="2263040" cy="1867053"/>
-          </a:xfrm>
-          <a:prstGeom prst="rect">
-            <a:avLst/>
-          </a:prstGeom>
-        </p:spPr>
-      </p:pic>
-      <p:sp>
-        <p:nvSpPr>
-          <p:cNvPr id="49" name="Rounded Rectangle 105">
-            <a:extLst>
-              <a:ext uri="{FF2B5EF4-FFF2-40B4-BE49-F238E27FC236}">
-                <a16:creationId xmlns:a16="http://schemas.microsoft.com/office/drawing/2014/main" id="{4EE4CB66-D3BE-4DE8-813A-DFD683522CD1}"/>
-              </a:ext>
-            </a:extLst>
-          </p:cNvPr>
-          <p:cNvSpPr/>
-          <p:nvPr/>
-        </p:nvSpPr>
-        <p:spPr>
-          <a:xfrm>
-            <a:off x="7929274" y="1455899"/>
-            <a:ext cx="2329036" cy="1036997"/>
-          </a:xfrm>
-          <a:prstGeom prst="roundRect">
-            <a:avLst>
-              <a:gd name="adj" fmla="val 15733"/>
-            </a:avLst>
-          </a:prstGeom>
-          <a:solidFill>
-            <a:schemeClr val="bg1"/>
-          </a:solidFill>
-          <a:ln w="28575">
-            <a:solidFill>
-              <a:schemeClr val="accent2"/>
-            </a:solidFill>
-          </a:ln>
-        </p:spPr>
-        <p:style>
-          <a:lnRef idx="2">
-            <a:schemeClr val="accent1">
-              <a:shade val="50000"/>
-            </a:schemeClr>
-          </a:lnRef>
-          <a:fillRef idx="1">
-            <a:schemeClr val="accent1"/>
-          </a:fillRef>
-          <a:effectRef idx="0">
-            <a:schemeClr val="accent1"/>
-          </a:effectRef>
-          <a:fontRef idx="minor">
-            <a:schemeClr val="lt1"/>
-          </a:fontRef>
-        </p:style>
-        <p:txBody>
-          <a:bodyPr rtlCol="0" anchor="ctr"/>
-          <a:lstStyle/>
-          <a:p>
-            <a:pPr algn="ctr"/>
-            <a:r>
-              <a:rPr lang="en-US"/>
-              <a:t>vz</a:t>
-            </a:r>
-            <a:endParaRPr lang="en-US" dirty="0"/>
-          </a:p>
-        </p:txBody>
-      </p:sp>
-      <p:sp>
-        <p:nvSpPr>
-          <p:cNvPr id="11" name="Rounded Rectangle 174">
-            <a:extLst>
-              <a:ext uri="{FF2B5EF4-FFF2-40B4-BE49-F238E27FC236}">
-                <a16:creationId xmlns:a16="http://schemas.microsoft.com/office/drawing/2014/main" id="{A4FC7A78-8ACF-40AB-8BEB-4556F31260DD}"/>
-              </a:ext>
-            </a:extLst>
-          </p:cNvPr>
-          <p:cNvSpPr/>
-          <p:nvPr/>
-        </p:nvSpPr>
-        <p:spPr>
-          <a:xfrm>
-            <a:off x="7752184" y="375732"/>
-            <a:ext cx="2664296" cy="4680520"/>
-          </a:xfrm>
-          <a:prstGeom prst="roundRect">
-            <a:avLst>
-              <a:gd name="adj" fmla="val 10813"/>
-            </a:avLst>
-          </a:prstGeom>
-          <a:noFill/>
-          <a:ln w="12700">
-            <a:solidFill>
-              <a:schemeClr val="bg2"/>
-            </a:solidFill>
-          </a:ln>
-        </p:spPr>
-        <p:style>
-          <a:lnRef idx="2">
-            <a:schemeClr val="dk1"/>
-          </a:lnRef>
-          <a:fillRef idx="1">
-            <a:schemeClr val="lt1"/>
-          </a:fillRef>
-          <a:effectRef idx="0">
-            <a:schemeClr val="dk1"/>
-          </a:effectRef>
-          <a:fontRef idx="minor">
-            <a:schemeClr val="dk1"/>
-          </a:fontRef>
-        </p:style>
-        <p:txBody>
-          <a:bodyPr rtlCol="0" anchor="ctr"/>
-          <a:lstStyle/>
-          <a:p>
-            <a:pPr algn="ctr"/>
-            <a:endParaRPr lang="en-US" sz="1600" dirty="0">
-              <a:ln w="0">
-                <a:solidFill>
-                  <a:sysClr val="windowText" lastClr="000000"/>
-                </a:solidFill>
-              </a:ln>
-              <a:solidFill>
-                <a:schemeClr val="tx1"/>
-              </a:solidFill>
-              <a:effectLst>
-                <a:outerShdw blurRad="38100" dist="19050" dir="2700000" algn="tl" rotWithShape="0">
-                  <a:schemeClr val="dk1">
-                    <a:alpha val="40000"/>
-                  </a:schemeClr>
-                </a:outerShdw>
-              </a:effectLst>
-            </a:endParaRPr>
-          </a:p>
-        </p:txBody>
-      </p:sp>
-      <p:sp>
-        <p:nvSpPr>
-          <p:cNvPr id="15" name="TextBox 14">
-            <a:extLst>
-              <a:ext uri="{FF2B5EF4-FFF2-40B4-BE49-F238E27FC236}">
-                <a16:creationId xmlns:a16="http://schemas.microsoft.com/office/drawing/2014/main" id="{AA020493-DFFC-4E55-A85B-129B71B8A63F}"/>
-              </a:ext>
-            </a:extLst>
-          </p:cNvPr>
-          <p:cNvSpPr txBox="1"/>
-          <p:nvPr/>
-        </p:nvSpPr>
-        <p:spPr>
-          <a:xfrm>
-            <a:off x="7956402" y="201911"/>
-            <a:ext cx="2172046" cy="318924"/>
-          </a:xfrm>
-          <a:prstGeom prst="rect">
-            <a:avLst/>
-          </a:prstGeom>
-          <a:solidFill>
-            <a:schemeClr val="bg1"/>
-          </a:solidFill>
-        </p:spPr>
-        <p:txBody>
-          <a:bodyPr wrap="square" tIns="36000" bIns="36000" rtlCol="0">
-            <a:spAutoFit/>
-          </a:bodyPr>
-          <a:lstStyle/>
-          <a:p>
-            <a:pPr defTabSz="685783">
-              <a:buClrTx/>
-            </a:pPr>
-            <a:r>
-              <a:rPr lang="en-US" sz="1600">
-                <a:solidFill>
-                  <a:schemeClr val="tx1">
-                    <a:lumMod val="75000"/>
-                  </a:schemeClr>
-                </a:solidFill>
-                <a:latin typeface="Source Sans Pro Light" charset="0"/>
-                <a:ea typeface="Source Sans Pro Light" charset="0"/>
-                <a:cs typeface="Source Sans Pro Light" charset="0"/>
-              </a:rPr>
-              <a:t>         MicroEJ Resources</a:t>
-            </a:r>
-            <a:endParaRPr lang="en-US" sz="1600" dirty="0">
-              <a:solidFill>
-                <a:schemeClr val="tx1">
-                  <a:lumMod val="75000"/>
-                </a:schemeClr>
-              </a:solidFill>
-              <a:latin typeface="Source Sans Pro Light" charset="0"/>
-              <a:ea typeface="Source Sans Pro Light" charset="0"/>
-              <a:cs typeface="Source Sans Pro Light" charset="0"/>
-            </a:endParaRPr>
-          </a:p>
-        </p:txBody>
-      </p:sp>
-      <p:sp>
-        <p:nvSpPr>
-          <p:cNvPr id="19" name="Rounded Rectangle 114">
-            <a:extLst>
-              <a:ext uri="{FF2B5EF4-FFF2-40B4-BE49-F238E27FC236}">
-                <a16:creationId xmlns:a16="http://schemas.microsoft.com/office/drawing/2014/main" id="{1D36DEA3-C198-40A7-930F-6A604581A596}"/>
-              </a:ext>
-            </a:extLst>
-          </p:cNvPr>
-          <p:cNvSpPr/>
-          <p:nvPr/>
-        </p:nvSpPr>
-        <p:spPr>
-          <a:xfrm>
-            <a:off x="8016831" y="2703082"/>
-            <a:ext cx="2172046" cy="324374"/>
-          </a:xfrm>
-          <a:prstGeom prst="roundRect">
-            <a:avLst>
-              <a:gd name="adj" fmla="val 19644"/>
-            </a:avLst>
-          </a:prstGeom>
-          <a:solidFill>
-            <a:schemeClr val="accent1"/>
-          </a:solidFill>
-          <a:ln w="12700">
-            <a:noFill/>
-          </a:ln>
-          <a:effectLst/>
-        </p:spPr>
-        <p:style>
-          <a:lnRef idx="2">
-            <a:schemeClr val="dk1"/>
-          </a:lnRef>
-          <a:fillRef idx="1">
-            <a:schemeClr val="lt1"/>
-          </a:fillRef>
-          <a:effectRef idx="0">
-            <a:schemeClr val="dk1"/>
-          </a:effectRef>
-          <a:fontRef idx="minor">
-            <a:schemeClr val="dk1"/>
-          </a:fontRef>
-        </p:style>
-        <p:txBody>
-          <a:bodyPr wrap="square" tIns="36000" bIns="36000" rtlCol="0" anchor="ctr">
-            <a:spAutoFit/>
-          </a:bodyPr>
-          <a:lstStyle/>
-          <a:p>
-            <a:pPr algn="ctr"/>
-            <a:r>
-              <a:rPr lang="en-US" sz="1400" b="1">
-                <a:solidFill>
-                  <a:schemeClr val="bg1"/>
-                </a:solidFill>
-                <a:latin typeface="Source Sans Pro Semibold" charset="0"/>
-                <a:ea typeface="Source Sans Pro Semibold" charset="0"/>
-                <a:cs typeface="Source Sans Pro Light" charset="0"/>
-              </a:rPr>
-              <a:t>MicroEJ Application</a:t>
-            </a:r>
-          </a:p>
-        </p:txBody>
-      </p:sp>
-      <p:sp>
-        <p:nvSpPr>
-          <p:cNvPr id="25" name="Rounded Rectangle 114">
-            <a:extLst>
-              <a:ext uri="{FF2B5EF4-FFF2-40B4-BE49-F238E27FC236}">
-                <a16:creationId xmlns:a16="http://schemas.microsoft.com/office/drawing/2014/main" id="{B65E21A1-B2EE-4D1F-9D6D-37123904C747}"/>
-              </a:ext>
-            </a:extLst>
-          </p:cNvPr>
-          <p:cNvSpPr/>
-          <p:nvPr/>
-        </p:nvSpPr>
-        <p:spPr>
-          <a:xfrm>
-            <a:off x="8014929" y="3193211"/>
-            <a:ext cx="2172045" cy="324374"/>
-          </a:xfrm>
-          <a:prstGeom prst="roundRect">
-            <a:avLst>
-              <a:gd name="adj" fmla="val 19644"/>
-            </a:avLst>
-          </a:prstGeom>
-          <a:solidFill>
-            <a:schemeClr val="accent1"/>
-          </a:solidFill>
-          <a:ln w="12700">
-            <a:noFill/>
-          </a:ln>
-          <a:effectLst/>
-        </p:spPr>
-        <p:style>
-          <a:lnRef idx="2">
-            <a:schemeClr val="dk1"/>
-          </a:lnRef>
-          <a:fillRef idx="1">
-            <a:schemeClr val="lt1"/>
-          </a:fillRef>
-          <a:effectRef idx="0">
-            <a:schemeClr val="dk1"/>
-          </a:effectRef>
-          <a:fontRef idx="minor">
-            <a:schemeClr val="dk1"/>
-          </a:fontRef>
-        </p:style>
-        <p:txBody>
-          <a:bodyPr wrap="square" tIns="36000" bIns="36000" rtlCol="0" anchor="ctr">
-            <a:spAutoFit/>
-          </a:bodyPr>
-          <a:lstStyle/>
-          <a:p>
-            <a:pPr algn="ctr"/>
-            <a:r>
-              <a:rPr lang="en-US" sz="1400" b="1">
-                <a:solidFill>
-                  <a:schemeClr val="bg1"/>
-                </a:solidFill>
-                <a:latin typeface="Source Sans Pro Semibold" charset="0"/>
-                <a:ea typeface="Source Sans Pro Semibold" charset="0"/>
-                <a:cs typeface="Source Sans Pro Light" charset="0"/>
-              </a:rPr>
-              <a:t>Offline</a:t>
-            </a:r>
-            <a:r>
-              <a:rPr lang="en-US" sz="1400" b="1" i="1">
-                <a:solidFill>
-                  <a:schemeClr val="bg1"/>
-                </a:solidFill>
-                <a:latin typeface="Source Sans Pro Semibold" charset="0"/>
-                <a:ea typeface="Source Sans Pro Semibold" charset="0"/>
-                <a:cs typeface="Source Sans Pro Light" charset="0"/>
-              </a:rPr>
-              <a:t> </a:t>
-            </a:r>
-            <a:r>
-              <a:rPr lang="en-US" sz="1400" b="1">
-                <a:solidFill>
-                  <a:schemeClr val="bg1"/>
-                </a:solidFill>
-                <a:latin typeface="Source Sans Pro Semibold" charset="0"/>
-                <a:ea typeface="Source Sans Pro Semibold" charset="0"/>
-                <a:cs typeface="Source Sans Pro Light" charset="0"/>
-              </a:rPr>
-              <a:t>Repository</a:t>
-            </a:r>
-          </a:p>
-        </p:txBody>
-      </p:sp>
-      <p:pic>
-        <p:nvPicPr>
-          <p:cNvPr id="29" name="Picture 28">
-            <a:extLst>
-              <a:ext uri="{FF2B5EF4-FFF2-40B4-BE49-F238E27FC236}">
-                <a16:creationId xmlns:a16="http://schemas.microsoft.com/office/drawing/2014/main" id="{D4737AF5-9142-4604-AD93-F7EFE7B3D9EF}"/>
-              </a:ext>
-            </a:extLst>
-          </p:cNvPr>
-          <p:cNvPicPr>
-            <a:picLocks noChangeAspect="1"/>
-          </p:cNvPicPr>
-          <p:nvPr/>
-        </p:nvPicPr>
-        <p:blipFill>
-          <a:blip r:embed="rId3" cstate="print">
-            <a:extLst>
-              <a:ext uri="{28A0092B-C50C-407E-A947-70E740481C1C}">
-                <a14:useLocalDpi xmlns:a14="http://schemas.microsoft.com/office/drawing/2010/main" val="0"/>
-              </a:ext>
-            </a:extLst>
-          </a:blip>
-          <a:stretch>
-            <a:fillRect/>
-          </a:stretch>
-        </p:blipFill>
-        <p:spPr>
-          <a:xfrm>
-            <a:off x="7977312" y="150840"/>
-            <a:ext cx="402708" cy="402708"/>
-          </a:xfrm>
-          <a:prstGeom prst="rect">
-            <a:avLst/>
-          </a:prstGeom>
-        </p:spPr>
-      </p:pic>
-      <p:sp>
-        <p:nvSpPr>
-          <p:cNvPr id="81" name="Rounded Rectangle 174">
-            <a:extLst>
-              <a:ext uri="{FF2B5EF4-FFF2-40B4-BE49-F238E27FC236}">
-                <a16:creationId xmlns:a16="http://schemas.microsoft.com/office/drawing/2014/main" id="{FD5674D9-1DE4-4787-B6DC-AEA63B6921B5}"/>
-              </a:ext>
-            </a:extLst>
-          </p:cNvPr>
-          <p:cNvSpPr/>
-          <p:nvPr/>
-        </p:nvSpPr>
-        <p:spPr>
-          <a:xfrm>
-            <a:off x="2438262" y="324661"/>
-            <a:ext cx="2706094" cy="4680520"/>
-          </a:xfrm>
-          <a:prstGeom prst="roundRect">
-            <a:avLst>
-              <a:gd name="adj" fmla="val 10813"/>
-            </a:avLst>
-          </a:prstGeom>
-          <a:noFill/>
-          <a:ln w="12700">
-            <a:solidFill>
-              <a:schemeClr val="bg2"/>
-            </a:solidFill>
-          </a:ln>
-        </p:spPr>
-        <p:style>
-          <a:lnRef idx="2">
-            <a:schemeClr val="dk1"/>
-          </a:lnRef>
-          <a:fillRef idx="1">
-            <a:schemeClr val="lt1"/>
-          </a:fillRef>
-          <a:effectRef idx="0">
-            <a:schemeClr val="dk1"/>
-          </a:effectRef>
-          <a:fontRef idx="minor">
-            <a:schemeClr val="dk1"/>
-          </a:fontRef>
-        </p:style>
-        <p:txBody>
-          <a:bodyPr rtlCol="0" anchor="ctr"/>
-          <a:lstStyle/>
-          <a:p>
-            <a:pPr algn="ctr"/>
-            <a:endParaRPr lang="en-US" sz="1600" dirty="0">
-              <a:ln w="0">
-                <a:solidFill>
-                  <a:sysClr val="windowText" lastClr="000000"/>
-                </a:solidFill>
-              </a:ln>
-              <a:solidFill>
-                <a:schemeClr val="tx1"/>
-              </a:solidFill>
-              <a:effectLst>
-                <a:outerShdw blurRad="38100" dist="19050" dir="2700000" algn="tl" rotWithShape="0">
-                  <a:schemeClr val="dk1">
-                    <a:alpha val="40000"/>
-                  </a:schemeClr>
-                </a:outerShdw>
-              </a:effectLst>
-            </a:endParaRPr>
-          </a:p>
-        </p:txBody>
-      </p:sp>
-      <p:sp>
-        <p:nvSpPr>
-          <p:cNvPr id="83" name="TextBox 82">
-            <a:extLst>
-              <a:ext uri="{FF2B5EF4-FFF2-40B4-BE49-F238E27FC236}">
-                <a16:creationId xmlns:a16="http://schemas.microsoft.com/office/drawing/2014/main" id="{3AB9F36E-0481-460D-A03A-69AF2060179C}"/>
-              </a:ext>
-            </a:extLst>
-          </p:cNvPr>
-          <p:cNvSpPr txBox="1"/>
-          <p:nvPr/>
-        </p:nvSpPr>
-        <p:spPr>
-          <a:xfrm>
-            <a:off x="2673845" y="150840"/>
-            <a:ext cx="1909987" cy="318924"/>
-          </a:xfrm>
-          <a:prstGeom prst="rect">
-            <a:avLst/>
-          </a:prstGeom>
-          <a:solidFill>
-            <a:schemeClr val="bg1"/>
-          </a:solidFill>
-        </p:spPr>
-        <p:txBody>
-          <a:bodyPr wrap="square" tIns="36000" bIns="36000" rtlCol="0">
-            <a:spAutoFit/>
-          </a:bodyPr>
-          <a:lstStyle/>
-          <a:p>
-            <a:pPr defTabSz="685783">
-              <a:buClrTx/>
-            </a:pPr>
-            <a:r>
-              <a:rPr lang="en-US" sz="1600">
-                <a:solidFill>
-                  <a:schemeClr val="tx1">
-                    <a:lumMod val="75000"/>
-                  </a:schemeClr>
-                </a:solidFill>
-                <a:latin typeface="Source Sans Pro Light" charset="0"/>
-                <a:ea typeface="Source Sans Pro Light" charset="0"/>
-                <a:cs typeface="Source Sans Pro Light" charset="0"/>
-              </a:rPr>
-              <a:t>       Developer Setup</a:t>
-            </a:r>
-            <a:endParaRPr lang="en-US" sz="1600" dirty="0">
-              <a:solidFill>
-                <a:schemeClr val="tx1">
-                  <a:lumMod val="75000"/>
-                </a:schemeClr>
-              </a:solidFill>
-              <a:latin typeface="Source Sans Pro Light" charset="0"/>
-              <a:ea typeface="Source Sans Pro Light" charset="0"/>
-              <a:cs typeface="Source Sans Pro Light" charset="0"/>
-            </a:endParaRPr>
-          </a:p>
-        </p:txBody>
-      </p:sp>
-      <p:sp>
-        <p:nvSpPr>
-          <p:cNvPr id="85" name="Rounded Rectangle 114">
-            <a:extLst>
-              <a:ext uri="{FF2B5EF4-FFF2-40B4-BE49-F238E27FC236}">
-                <a16:creationId xmlns:a16="http://schemas.microsoft.com/office/drawing/2014/main" id="{23B6A628-FCCC-4E65-8963-19973CA2E7D7}"/>
-              </a:ext>
-            </a:extLst>
-          </p:cNvPr>
-          <p:cNvSpPr/>
-          <p:nvPr/>
-        </p:nvSpPr>
-        <p:spPr>
-          <a:xfrm>
-            <a:off x="2855640" y="2534283"/>
-            <a:ext cx="1872208" cy="324374"/>
-          </a:xfrm>
-          <a:prstGeom prst="roundRect">
-            <a:avLst>
-              <a:gd name="adj" fmla="val 19644"/>
-            </a:avLst>
-          </a:prstGeom>
-          <a:noFill/>
-          <a:ln w="28575">
-            <a:solidFill>
-              <a:srgbClr val="EE502E"/>
-            </a:solidFill>
-          </a:ln>
-          <a:effectLst/>
-        </p:spPr>
-        <p:style>
-          <a:lnRef idx="2">
-            <a:schemeClr val="dk1"/>
-          </a:lnRef>
-          <a:fillRef idx="1">
-            <a:schemeClr val="lt1"/>
-          </a:fillRef>
-          <a:effectRef idx="0">
-            <a:schemeClr val="dk1"/>
-          </a:effectRef>
-          <a:fontRef idx="minor">
-            <a:schemeClr val="dk1"/>
-          </a:fontRef>
-        </p:style>
-        <p:txBody>
-          <a:bodyPr wrap="square" tIns="36000" bIns="36000" rtlCol="0" anchor="ctr">
-            <a:spAutoFit/>
-          </a:bodyPr>
-          <a:lstStyle/>
-          <a:p>
-            <a:pPr algn="ctr"/>
-            <a:r>
-              <a:rPr lang="en-US" sz="1400" b="1">
-                <a:solidFill>
-                  <a:schemeClr val="bg1"/>
-                </a:solidFill>
-                <a:latin typeface="Source Sans Pro Semibold" charset="0"/>
-                <a:ea typeface="Source Sans Pro Semibold" charset="0"/>
-                <a:cs typeface="Source Sans Pro Light" charset="0"/>
-              </a:rPr>
-              <a:t>Java Projects</a:t>
-            </a:r>
-          </a:p>
-        </p:txBody>
-      </p:sp>
-      <p:sp>
-        <p:nvSpPr>
-          <p:cNvPr id="87" name="Rounded Rectangle 114">
-            <a:extLst>
-              <a:ext uri="{FF2B5EF4-FFF2-40B4-BE49-F238E27FC236}">
-                <a16:creationId xmlns:a16="http://schemas.microsoft.com/office/drawing/2014/main" id="{AB1FDF19-F29D-4188-9A76-717A2E2D4076}"/>
-              </a:ext>
-            </a:extLst>
-          </p:cNvPr>
-          <p:cNvSpPr/>
-          <p:nvPr/>
-        </p:nvSpPr>
-        <p:spPr>
-          <a:xfrm>
-            <a:off x="2855638" y="3025295"/>
-            <a:ext cx="1872209" cy="809435"/>
-          </a:xfrm>
-          <a:prstGeom prst="roundRect">
-            <a:avLst>
-              <a:gd name="adj" fmla="val 19644"/>
-            </a:avLst>
-          </a:prstGeom>
-          <a:noFill/>
-          <a:ln w="28575">
-            <a:solidFill>
-              <a:srgbClr val="EE502E"/>
-            </a:solidFill>
-          </a:ln>
-          <a:effectLst/>
-        </p:spPr>
-        <p:style>
-          <a:lnRef idx="2">
-            <a:schemeClr val="dk1"/>
-          </a:lnRef>
-          <a:fillRef idx="1">
-            <a:schemeClr val="lt1"/>
-          </a:fillRef>
-          <a:effectRef idx="0">
-            <a:schemeClr val="dk1"/>
-          </a:effectRef>
-          <a:fontRef idx="minor">
-            <a:schemeClr val="dk1"/>
-          </a:fontRef>
-        </p:style>
-        <p:txBody>
-          <a:bodyPr wrap="square" tIns="36000" bIns="36000" rtlCol="0" anchor="ctr">
-            <a:spAutoFit/>
-          </a:bodyPr>
-          <a:lstStyle/>
-          <a:p>
-            <a:pPr algn="ctr"/>
-            <a:r>
-              <a:rPr lang="en-US" sz="1400" b="1">
-                <a:solidFill>
-                  <a:schemeClr val="bg1"/>
-                </a:solidFill>
-                <a:latin typeface="Source Sans Pro Semibold" charset="0"/>
-                <a:ea typeface="Source Sans Pro Semibold" charset="0"/>
-                <a:cs typeface="Source Sans Pro Light" charset="0"/>
-              </a:rPr>
-              <a:t>MicroEJ Module</a:t>
-            </a:r>
-          </a:p>
-          <a:p>
-            <a:pPr algn="ctr"/>
-            <a:r>
-              <a:rPr lang="en-US" sz="1400" b="1">
-                <a:solidFill>
-                  <a:schemeClr val="bg1"/>
-                </a:solidFill>
-                <a:latin typeface="Source Sans Pro Semibold" charset="0"/>
-                <a:ea typeface="Source Sans Pro Semibold" charset="0"/>
-                <a:cs typeface="Source Sans Pro Light" charset="0"/>
-              </a:rPr>
-              <a:t>Manager</a:t>
-            </a:r>
-          </a:p>
-          <a:p>
-            <a:pPr algn="ctr"/>
-            <a:r>
-              <a:rPr lang="en-US" sz="1400" b="1">
-                <a:solidFill>
-                  <a:schemeClr val="bg1"/>
-                </a:solidFill>
-                <a:latin typeface="Source Sans Pro Semibold" charset="0"/>
-                <a:ea typeface="Source Sans Pro Semibold" charset="0"/>
-                <a:cs typeface="Source Sans Pro Light" charset="0"/>
-              </a:rPr>
-              <a:t>(MMM)</a:t>
-            </a:r>
-          </a:p>
-        </p:txBody>
-      </p:sp>
-      <p:pic>
-        <p:nvPicPr>
-          <p:cNvPr id="98" name="Picture 97">
-            <a:extLst>
-              <a:ext uri="{FF2B5EF4-FFF2-40B4-BE49-F238E27FC236}">
-                <a16:creationId xmlns:a16="http://schemas.microsoft.com/office/drawing/2014/main" id="{E1A84BC3-43DA-4112-9E5E-E0F64EF88667}"/>
-              </a:ext>
-            </a:extLst>
-          </p:cNvPr>
-          <p:cNvPicPr>
-            <a:picLocks noChangeAspect="1"/>
-          </p:cNvPicPr>
-          <p:nvPr/>
-        </p:nvPicPr>
-        <p:blipFill>
-          <a:blip r:embed="rId4" cstate="print">
-            <a:extLst>
-              <a:ext uri="{28A0092B-C50C-407E-A947-70E740481C1C}">
-                <a14:useLocalDpi xmlns:a14="http://schemas.microsoft.com/office/drawing/2010/main" val="0"/>
-              </a:ext>
-            </a:extLst>
-          </a:blip>
-          <a:stretch>
-            <a:fillRect/>
-          </a:stretch>
-        </p:blipFill>
-        <p:spPr>
-          <a:xfrm>
-            <a:off x="2673845" y="123307"/>
-            <a:ext cx="402708" cy="402708"/>
-          </a:xfrm>
-          <a:prstGeom prst="rect">
-            <a:avLst/>
-          </a:prstGeom>
-        </p:spPr>
-      </p:pic>
-      <p:sp>
-        <p:nvSpPr>
-          <p:cNvPr id="117" name="TextBox 116">
-            <a:extLst>
-              <a:ext uri="{FF2B5EF4-FFF2-40B4-BE49-F238E27FC236}">
-                <a16:creationId xmlns:a16="http://schemas.microsoft.com/office/drawing/2014/main" id="{7919CBE3-81C7-4DD0-94ED-87CCA9F5D8E8}"/>
-              </a:ext>
-            </a:extLst>
-          </p:cNvPr>
-          <p:cNvSpPr txBox="1"/>
-          <p:nvPr/>
-        </p:nvSpPr>
-        <p:spPr>
-          <a:xfrm>
-            <a:off x="2646858" y="1810950"/>
-            <a:ext cx="1144886" cy="246221"/>
-          </a:xfrm>
-          <a:prstGeom prst="rect">
-            <a:avLst/>
-          </a:prstGeom>
-          <a:noFill/>
-        </p:spPr>
-        <p:txBody>
-          <a:bodyPr wrap="square" rtlCol="0">
-            <a:spAutoFit/>
-          </a:bodyPr>
-          <a:lstStyle/>
-          <a:p>
-            <a:r>
-              <a:rPr lang="en-US" sz="1000" b="1">
-                <a:solidFill>
-                  <a:schemeClr val="bg1"/>
-                </a:solidFill>
-                <a:latin typeface="Source Sans Pro" charset="0"/>
-                <a:ea typeface="Source Sans Pro" charset="0"/>
-                <a:cs typeface="Source Sans Pro" charset="0"/>
-              </a:rPr>
-              <a:t>SDK Workspace</a:t>
-            </a:r>
-            <a:endParaRPr lang="en-US" sz="1000" b="1" dirty="0">
-              <a:solidFill>
-                <a:schemeClr val="bg1"/>
-              </a:solidFill>
-              <a:latin typeface="Source Sans Pro" charset="0"/>
-              <a:ea typeface="Source Sans Pro" charset="0"/>
-              <a:cs typeface="Source Sans Pro" charset="0"/>
-            </a:endParaRPr>
-          </a:p>
-        </p:txBody>
-      </p:sp>
-      <p:sp>
-        <p:nvSpPr>
-          <p:cNvPr id="119" name="TextBox 118">
-            <a:extLst>
-              <a:ext uri="{FF2B5EF4-FFF2-40B4-BE49-F238E27FC236}">
-                <a16:creationId xmlns:a16="http://schemas.microsoft.com/office/drawing/2014/main" id="{75380A88-4537-46CC-BEB6-83BD464DA85A}"/>
-              </a:ext>
-            </a:extLst>
-          </p:cNvPr>
-          <p:cNvSpPr txBox="1"/>
-          <p:nvPr/>
-        </p:nvSpPr>
-        <p:spPr>
-          <a:xfrm>
-            <a:off x="2504110" y="517210"/>
-            <a:ext cx="1144886" cy="246221"/>
-          </a:xfrm>
-          <a:prstGeom prst="rect">
-            <a:avLst/>
-          </a:prstGeom>
-          <a:noFill/>
-        </p:spPr>
-        <p:txBody>
-          <a:bodyPr wrap="square" rtlCol="0">
-            <a:spAutoFit/>
-          </a:bodyPr>
-          <a:lstStyle/>
-          <a:p>
-            <a:r>
-              <a:rPr lang="en-US" sz="1000" b="1">
-                <a:latin typeface="Source Sans Pro" charset="0"/>
-                <a:ea typeface="Source Sans Pro" charset="0"/>
-                <a:cs typeface="Source Sans Pro" charset="0"/>
-              </a:rPr>
-              <a:t>MicroEJ SDK IDE</a:t>
-            </a:r>
-            <a:endParaRPr lang="en-US" sz="1000" b="1" dirty="0">
-              <a:latin typeface="Source Sans Pro" charset="0"/>
-              <a:ea typeface="Source Sans Pro" charset="0"/>
-              <a:cs typeface="Source Sans Pro" charset="0"/>
-            </a:endParaRPr>
-          </a:p>
-        </p:txBody>
-      </p:sp>
-      <p:sp>
-        <p:nvSpPr>
-          <p:cNvPr id="121" name="Rounded Rectangle 114">
-            <a:extLst>
-              <a:ext uri="{FF2B5EF4-FFF2-40B4-BE49-F238E27FC236}">
-                <a16:creationId xmlns:a16="http://schemas.microsoft.com/office/drawing/2014/main" id="{C3BC971D-01A8-4300-B6EE-560EA7C7D394}"/>
-              </a:ext>
-            </a:extLst>
-          </p:cNvPr>
-          <p:cNvSpPr/>
-          <p:nvPr/>
-        </p:nvSpPr>
-        <p:spPr>
-          <a:xfrm>
-            <a:off x="2855640" y="2086160"/>
-            <a:ext cx="1872208" cy="324374"/>
-          </a:xfrm>
-          <a:prstGeom prst="roundRect">
-            <a:avLst>
-              <a:gd name="adj" fmla="val 19644"/>
-            </a:avLst>
-          </a:prstGeom>
-          <a:noFill/>
-          <a:ln w="28575">
-            <a:solidFill>
-              <a:srgbClr val="00AEC7"/>
-            </a:solidFill>
-          </a:ln>
-          <a:effectLst/>
-        </p:spPr>
-        <p:style>
-          <a:lnRef idx="2">
-            <a:schemeClr val="dk1"/>
-          </a:lnRef>
-          <a:fillRef idx="1">
-            <a:schemeClr val="lt1"/>
-          </a:fillRef>
-          <a:effectRef idx="0">
-            <a:schemeClr val="dk1"/>
-          </a:effectRef>
-          <a:fontRef idx="minor">
-            <a:schemeClr val="dk1"/>
-          </a:fontRef>
-        </p:style>
-        <p:txBody>
-          <a:bodyPr wrap="square" tIns="36000" bIns="36000" rtlCol="0" anchor="ctr">
-            <a:spAutoFit/>
-          </a:bodyPr>
-          <a:lstStyle/>
-          <a:p>
-            <a:pPr algn="ctr"/>
-            <a:r>
-              <a:rPr lang="en-US" sz="1400" b="1">
-                <a:solidFill>
-                  <a:schemeClr val="bg1"/>
-                </a:solidFill>
-                <a:latin typeface="Source Sans Pro Semibold" charset="0"/>
-                <a:ea typeface="Source Sans Pro Semibold" charset="0"/>
-                <a:cs typeface="Source Sans Pro Light" charset="0"/>
-              </a:rPr>
-              <a:t>Platform Projects</a:t>
-            </a:r>
-          </a:p>
-        </p:txBody>
-      </p:sp>
-      <p:sp>
-        <p:nvSpPr>
-          <p:cNvPr id="123" name="Rounded Rectangle 114">
-            <a:extLst>
-              <a:ext uri="{FF2B5EF4-FFF2-40B4-BE49-F238E27FC236}">
-                <a16:creationId xmlns:a16="http://schemas.microsoft.com/office/drawing/2014/main" id="{3C22549C-E7EC-4E20-8401-ADC527F14B89}"/>
-              </a:ext>
-            </a:extLst>
-          </p:cNvPr>
-          <p:cNvSpPr/>
-          <p:nvPr/>
-        </p:nvSpPr>
-        <p:spPr>
-          <a:xfrm>
-            <a:off x="8012705" y="2060702"/>
-            <a:ext cx="2172046" cy="324374"/>
-          </a:xfrm>
-          <a:prstGeom prst="roundRect">
-            <a:avLst>
-              <a:gd name="adj" fmla="val 19644"/>
-            </a:avLst>
-          </a:prstGeom>
-          <a:solidFill>
-            <a:srgbClr val="00AEC7"/>
-          </a:solidFill>
-          <a:ln w="12700">
-            <a:noFill/>
-          </a:ln>
-          <a:effectLst/>
-        </p:spPr>
-        <p:style>
-          <a:lnRef idx="2">
-            <a:schemeClr val="dk1"/>
-          </a:lnRef>
-          <a:fillRef idx="1">
-            <a:schemeClr val="lt1"/>
-          </a:fillRef>
-          <a:effectRef idx="0">
-            <a:schemeClr val="dk1"/>
-          </a:effectRef>
-          <a:fontRef idx="minor">
-            <a:schemeClr val="dk1"/>
-          </a:fontRef>
-        </p:style>
-        <p:txBody>
-          <a:bodyPr wrap="square" tIns="36000" bIns="36000" rtlCol="0" anchor="ctr">
-            <a:spAutoFit/>
-          </a:bodyPr>
-          <a:lstStyle/>
-          <a:p>
-            <a:pPr algn="ctr"/>
-            <a:r>
-              <a:rPr lang="en-US" sz="1400" b="1">
-                <a:solidFill>
-                  <a:schemeClr val="bg1"/>
-                </a:solidFill>
-                <a:latin typeface="Source Sans Pro Semibold" charset="0"/>
-                <a:ea typeface="Source Sans Pro Semibold" charset="0"/>
-                <a:cs typeface="Source Sans Pro Light" charset="0"/>
-              </a:rPr>
-              <a:t>Platform Configuration</a:t>
-            </a:r>
-          </a:p>
-        </p:txBody>
-      </p:sp>
-      <p:sp>
-        <p:nvSpPr>
-          <p:cNvPr id="125" name="Rounded Rectangle 114">
-            <a:extLst>
-              <a:ext uri="{FF2B5EF4-FFF2-40B4-BE49-F238E27FC236}">
-                <a16:creationId xmlns:a16="http://schemas.microsoft.com/office/drawing/2014/main" id="{4C068209-3EA3-428A-94F5-8C979958A54D}"/>
-              </a:ext>
-            </a:extLst>
-          </p:cNvPr>
-          <p:cNvSpPr/>
-          <p:nvPr/>
-        </p:nvSpPr>
-        <p:spPr>
-          <a:xfrm>
-            <a:off x="8007769" y="1592312"/>
-            <a:ext cx="2172046" cy="324374"/>
-          </a:xfrm>
-          <a:prstGeom prst="roundRect">
-            <a:avLst>
-              <a:gd name="adj" fmla="val 19644"/>
-            </a:avLst>
-          </a:prstGeom>
-          <a:solidFill>
-            <a:srgbClr val="00AEC7"/>
-          </a:solidFill>
-          <a:ln w="12700">
-            <a:noFill/>
-          </a:ln>
-          <a:effectLst/>
-        </p:spPr>
-        <p:style>
-          <a:lnRef idx="2">
-            <a:schemeClr val="dk1"/>
-          </a:lnRef>
-          <a:fillRef idx="1">
-            <a:schemeClr val="lt1"/>
-          </a:fillRef>
-          <a:effectRef idx="0">
-            <a:schemeClr val="dk1"/>
-          </a:effectRef>
-          <a:fontRef idx="minor">
-            <a:schemeClr val="dk1"/>
-          </a:fontRef>
-        </p:style>
-        <p:txBody>
-          <a:bodyPr wrap="square" tIns="36000" bIns="36000" rtlCol="0" anchor="ctr">
-            <a:spAutoFit/>
-          </a:bodyPr>
-          <a:lstStyle/>
-          <a:p>
-            <a:pPr algn="ctr"/>
-            <a:r>
-              <a:rPr lang="en-US" sz="1400" b="1">
-                <a:solidFill>
-                  <a:schemeClr val="bg1"/>
-                </a:solidFill>
-                <a:latin typeface="Source Sans Pro Semibold" charset="0"/>
-                <a:ea typeface="Source Sans Pro Semibold" charset="0"/>
-                <a:cs typeface="Source Sans Pro Light" charset="0"/>
-              </a:rPr>
-              <a:t>BSP C Drivers</a:t>
-            </a:r>
-          </a:p>
-        </p:txBody>
-      </p:sp>
-      <p:sp>
-        <p:nvSpPr>
-          <p:cNvPr id="127" name="Rounded Rectangle 114">
-            <a:extLst>
-              <a:ext uri="{FF2B5EF4-FFF2-40B4-BE49-F238E27FC236}">
-                <a16:creationId xmlns:a16="http://schemas.microsoft.com/office/drawing/2014/main" id="{B2F17F48-047C-4B94-8A7C-566FCDAB4FFC}"/>
-              </a:ext>
-            </a:extLst>
-          </p:cNvPr>
-          <p:cNvSpPr/>
-          <p:nvPr/>
-        </p:nvSpPr>
-        <p:spPr>
-          <a:xfrm>
-            <a:off x="2855640" y="1160410"/>
-            <a:ext cx="1872208" cy="324374"/>
-          </a:xfrm>
-          <a:prstGeom prst="roundRect">
-            <a:avLst>
-              <a:gd name="adj" fmla="val 19644"/>
-            </a:avLst>
-          </a:prstGeom>
-          <a:solidFill>
-            <a:srgbClr val="5B6D76"/>
-          </a:solidFill>
-          <a:ln w="12700">
-            <a:noFill/>
-          </a:ln>
-          <a:effectLst/>
-        </p:spPr>
-        <p:style>
-          <a:lnRef idx="2">
-            <a:schemeClr val="dk1"/>
-          </a:lnRef>
-          <a:fillRef idx="1">
-            <a:schemeClr val="lt1"/>
-          </a:fillRef>
-          <a:effectRef idx="0">
-            <a:schemeClr val="dk1"/>
-          </a:effectRef>
-          <a:fontRef idx="minor">
-            <a:schemeClr val="dk1"/>
-          </a:fontRef>
-        </p:style>
-        <p:txBody>
-          <a:bodyPr wrap="square" tIns="36000" bIns="36000" rtlCol="0" anchor="ctr">
-            <a:spAutoFit/>
-          </a:bodyPr>
-          <a:lstStyle/>
-          <a:p>
-            <a:pPr algn="ctr"/>
-            <a:r>
-              <a:rPr lang="en-US" sz="1400" b="1">
-                <a:solidFill>
-                  <a:schemeClr val="bg1"/>
-                </a:solidFill>
-                <a:latin typeface="Source Sans Pro Semibold" charset="0"/>
-                <a:ea typeface="Source Sans Pro Semibold" charset="0"/>
-                <a:cs typeface="Source Sans Pro Light" charset="0"/>
-              </a:rPr>
-              <a:t>MicroEJ Architecture</a:t>
-            </a:r>
-          </a:p>
-        </p:txBody>
-      </p:sp>
-      <p:sp>
-        <p:nvSpPr>
-          <p:cNvPr id="129" name="Rounded Rectangle 114">
-            <a:extLst>
-              <a:ext uri="{FF2B5EF4-FFF2-40B4-BE49-F238E27FC236}">
-                <a16:creationId xmlns:a16="http://schemas.microsoft.com/office/drawing/2014/main" id="{86C790C5-092C-46A0-BE5E-8BE15DE5A4F7}"/>
-              </a:ext>
-            </a:extLst>
-          </p:cNvPr>
-          <p:cNvSpPr/>
-          <p:nvPr/>
-        </p:nvSpPr>
-        <p:spPr>
-          <a:xfrm>
-            <a:off x="2855638" y="4349732"/>
-            <a:ext cx="1872209" cy="324374"/>
-          </a:xfrm>
-          <a:prstGeom prst="roundRect">
-            <a:avLst>
-              <a:gd name="adj" fmla="val 19644"/>
-            </a:avLst>
-          </a:prstGeom>
-          <a:solidFill>
-            <a:srgbClr val="5B6D76"/>
-          </a:solidFill>
-          <a:ln w="12700">
-            <a:noFill/>
-          </a:ln>
-          <a:effectLst/>
-        </p:spPr>
-        <p:style>
-          <a:lnRef idx="2">
-            <a:schemeClr val="dk1"/>
-          </a:lnRef>
-          <a:fillRef idx="1">
-            <a:schemeClr val="lt1"/>
-          </a:fillRef>
-          <a:effectRef idx="0">
-            <a:schemeClr val="dk1"/>
-          </a:effectRef>
-          <a:fontRef idx="minor">
-            <a:schemeClr val="dk1"/>
-          </a:fontRef>
-        </p:style>
-        <p:txBody>
-          <a:bodyPr wrap="square" tIns="36000" bIns="36000" rtlCol="0" anchor="ctr">
-            <a:spAutoFit/>
-          </a:bodyPr>
-          <a:lstStyle/>
-          <a:p>
-            <a:pPr algn="ctr"/>
-            <a:r>
-              <a:rPr lang="en-US" sz="1400" b="1">
-                <a:solidFill>
-                  <a:schemeClr val="bg1"/>
-                </a:solidFill>
-                <a:latin typeface="Source Sans Pro Semibold" charset="0"/>
-                <a:ea typeface="Source Sans Pro Semibold" charset="0"/>
-                <a:cs typeface="Source Sans Pro Light" charset="0"/>
-              </a:rPr>
-              <a:t>C Toolchain</a:t>
-            </a:r>
-          </a:p>
-        </p:txBody>
-      </p:sp>
-      <p:sp>
-        <p:nvSpPr>
-          <p:cNvPr id="131" name="Rounded Rectangle 114">
-            <a:extLst>
-              <a:ext uri="{FF2B5EF4-FFF2-40B4-BE49-F238E27FC236}">
-                <a16:creationId xmlns:a16="http://schemas.microsoft.com/office/drawing/2014/main" id="{D4E6FA0B-3D4E-44B2-8289-D335B8ECC9AF}"/>
-              </a:ext>
-            </a:extLst>
-          </p:cNvPr>
-          <p:cNvSpPr/>
-          <p:nvPr/>
-        </p:nvSpPr>
-        <p:spPr>
-          <a:xfrm>
-            <a:off x="8040768" y="604619"/>
-            <a:ext cx="2139047" cy="324374"/>
-          </a:xfrm>
-          <a:prstGeom prst="roundRect">
-            <a:avLst>
-              <a:gd name="adj" fmla="val 19644"/>
-            </a:avLst>
-          </a:prstGeom>
-          <a:solidFill>
-            <a:srgbClr val="5B6D76"/>
-          </a:solidFill>
-          <a:ln w="12700">
-            <a:noFill/>
-          </a:ln>
-          <a:effectLst/>
-        </p:spPr>
-        <p:style>
-          <a:lnRef idx="2">
-            <a:schemeClr val="dk1"/>
-          </a:lnRef>
-          <a:fillRef idx="1">
-            <a:schemeClr val="lt1"/>
-          </a:fillRef>
-          <a:effectRef idx="0">
-            <a:schemeClr val="dk1"/>
-          </a:effectRef>
-          <a:fontRef idx="minor">
-            <a:schemeClr val="dk1"/>
-          </a:fontRef>
-        </p:style>
-        <p:txBody>
-          <a:bodyPr wrap="square" tIns="36000" bIns="36000" rtlCol="0" anchor="ctr">
-            <a:spAutoFit/>
-          </a:bodyPr>
-          <a:lstStyle/>
-          <a:p>
-            <a:pPr algn="ctr"/>
-            <a:r>
-              <a:rPr lang="en-US" sz="1400" b="1">
-                <a:solidFill>
-                  <a:schemeClr val="bg1"/>
-                </a:solidFill>
-                <a:latin typeface="Source Sans Pro Semibold" charset="0"/>
-                <a:ea typeface="Source Sans Pro Semibold" charset="0"/>
-                <a:cs typeface="Source Sans Pro Light" charset="0"/>
-              </a:rPr>
-              <a:t>MicroEJ Architecture</a:t>
-            </a:r>
-          </a:p>
-        </p:txBody>
-      </p:sp>
-      <p:sp>
-        <p:nvSpPr>
-          <p:cNvPr id="135" name="TextBox 134">
-            <a:extLst>
-              <a:ext uri="{FF2B5EF4-FFF2-40B4-BE49-F238E27FC236}">
-                <a16:creationId xmlns:a16="http://schemas.microsoft.com/office/drawing/2014/main" id="{656FFD6D-3BF2-4097-AD2F-529C514C43FF}"/>
-              </a:ext>
-            </a:extLst>
-          </p:cNvPr>
-          <p:cNvSpPr txBox="1"/>
-          <p:nvPr/>
-        </p:nvSpPr>
-        <p:spPr>
-          <a:xfrm>
-            <a:off x="2633233" y="888650"/>
-            <a:ext cx="2267590" cy="246221"/>
-          </a:xfrm>
-          <a:prstGeom prst="rect">
-            <a:avLst/>
-          </a:prstGeom>
-          <a:noFill/>
-        </p:spPr>
-        <p:txBody>
-          <a:bodyPr wrap="square" rtlCol="0">
-            <a:spAutoFit/>
-          </a:bodyPr>
-          <a:lstStyle/>
-          <a:p>
-            <a:r>
-              <a:rPr lang="en-US" sz="1000" b="1">
-                <a:solidFill>
-                  <a:schemeClr val="bg1"/>
-                </a:solidFill>
-                <a:latin typeface="Source Sans Pro" charset="0"/>
-                <a:ea typeface="Source Sans Pro" charset="0"/>
-                <a:cs typeface="Source Sans Pro" charset="0"/>
-              </a:rPr>
-              <a:t>MicroEJ Repository</a:t>
-            </a:r>
-            <a:endParaRPr lang="en-US" sz="1000" b="1" dirty="0">
-              <a:solidFill>
-                <a:schemeClr val="bg1"/>
-              </a:solidFill>
-              <a:latin typeface="Source Sans Pro" charset="0"/>
-              <a:ea typeface="Source Sans Pro" charset="0"/>
-              <a:cs typeface="Source Sans Pro" charset="0"/>
-            </a:endParaRPr>
-          </a:p>
-        </p:txBody>
-      </p:sp>
-      <p:cxnSp>
-        <p:nvCxnSpPr>
-          <p:cNvPr id="137" name="Straight Arrow Connector 136">
-            <a:extLst>
-              <a:ext uri="{FF2B5EF4-FFF2-40B4-BE49-F238E27FC236}">
-                <a16:creationId xmlns:a16="http://schemas.microsoft.com/office/drawing/2014/main" id="{DD6E312E-41A2-4E7E-B762-4D3AC37044F7}"/>
-              </a:ext>
-            </a:extLst>
-          </p:cNvPr>
-          <p:cNvCxnSpPr>
-            <a:cxnSpLocks/>
-            <a:stCxn id="239" idx="1"/>
-            <a:endCxn id="127" idx="3"/>
-          </p:cNvCxnSpPr>
-          <p:nvPr/>
-        </p:nvCxnSpPr>
-        <p:spPr>
-          <a:xfrm flipH="1">
-            <a:off x="4727848" y="962501"/>
-            <a:ext cx="3201426" cy="360096"/>
-          </a:xfrm>
-          <a:prstGeom prst="straightConnector1">
-            <a:avLst/>
-          </a:prstGeom>
-          <a:ln w="28575">
-            <a:solidFill>
-              <a:srgbClr val="5B6D76"/>
-            </a:solidFill>
-            <a:tailEnd type="triangle"/>
-          </a:ln>
-        </p:spPr>
-        <p:style>
-          <a:lnRef idx="1">
-            <a:schemeClr val="accent1"/>
-          </a:lnRef>
-          <a:fillRef idx="0">
-            <a:schemeClr val="accent1"/>
-          </a:fillRef>
-          <a:effectRef idx="0">
-            <a:schemeClr val="accent1"/>
-          </a:effectRef>
-          <a:fontRef idx="minor">
-            <a:schemeClr val="tx1"/>
-          </a:fontRef>
-        </p:style>
-      </p:cxnSp>
-      <p:cxnSp>
-        <p:nvCxnSpPr>
-          <p:cNvPr id="139" name="Straight Arrow Connector 138">
-            <a:extLst>
-              <a:ext uri="{FF2B5EF4-FFF2-40B4-BE49-F238E27FC236}">
-                <a16:creationId xmlns:a16="http://schemas.microsoft.com/office/drawing/2014/main" id="{64ADD20C-B063-4A53-8F52-BE7CC7F8A8F9}"/>
-              </a:ext>
-            </a:extLst>
-          </p:cNvPr>
-          <p:cNvCxnSpPr>
-            <a:cxnSpLocks/>
-            <a:stCxn id="49" idx="1"/>
-            <a:endCxn id="121" idx="3"/>
-          </p:cNvCxnSpPr>
-          <p:nvPr/>
-        </p:nvCxnSpPr>
-        <p:spPr>
-          <a:xfrm flipH="1">
-            <a:off x="4727848" y="1974398"/>
-            <a:ext cx="3201426" cy="273949"/>
-          </a:xfrm>
-          <a:prstGeom prst="straightConnector1">
-            <a:avLst/>
-          </a:prstGeom>
-          <a:ln w="28575">
-            <a:solidFill>
-              <a:srgbClr val="00AEC7"/>
-            </a:solidFill>
-            <a:tailEnd type="triangle"/>
-          </a:ln>
-        </p:spPr>
-        <p:style>
-          <a:lnRef idx="1">
-            <a:schemeClr val="accent1"/>
-          </a:lnRef>
-          <a:fillRef idx="0">
-            <a:schemeClr val="accent1"/>
-          </a:fillRef>
-          <a:effectRef idx="0">
-            <a:schemeClr val="accent1"/>
-          </a:effectRef>
-          <a:fontRef idx="minor">
-            <a:schemeClr val="tx1"/>
-          </a:fontRef>
-        </p:style>
-      </p:cxnSp>
-      <p:cxnSp>
-        <p:nvCxnSpPr>
-          <p:cNvPr id="148" name="Straight Arrow Connector 147">
-            <a:extLst>
-              <a:ext uri="{FF2B5EF4-FFF2-40B4-BE49-F238E27FC236}">
-                <a16:creationId xmlns:a16="http://schemas.microsoft.com/office/drawing/2014/main" id="{0827C906-D6A5-40AA-9276-CDE437E0FF30}"/>
-              </a:ext>
-            </a:extLst>
-          </p:cNvPr>
-          <p:cNvCxnSpPr>
-            <a:cxnSpLocks/>
-            <a:stCxn id="19" idx="1"/>
-          </p:cNvCxnSpPr>
-          <p:nvPr/>
-        </p:nvCxnSpPr>
-        <p:spPr>
-          <a:xfrm flipH="1" flipV="1">
-            <a:off x="4747505" y="2715992"/>
-            <a:ext cx="3269326" cy="149277"/>
-          </a:xfrm>
-          <a:prstGeom prst="straightConnector1">
-            <a:avLst/>
-          </a:prstGeom>
-          <a:ln w="28575">
-            <a:tailEnd type="triangle"/>
-          </a:ln>
-        </p:spPr>
-        <p:style>
-          <a:lnRef idx="1">
-            <a:schemeClr val="accent1"/>
-          </a:lnRef>
-          <a:fillRef idx="0">
-            <a:schemeClr val="accent1"/>
-          </a:fillRef>
-          <a:effectRef idx="0">
-            <a:schemeClr val="accent1"/>
-          </a:effectRef>
-          <a:fontRef idx="minor">
-            <a:schemeClr val="tx1"/>
-          </a:fontRef>
-        </p:style>
-      </p:cxnSp>
-      <p:cxnSp>
-        <p:nvCxnSpPr>
-          <p:cNvPr id="150" name="Straight Arrow Connector 149">
-            <a:extLst>
-              <a:ext uri="{FF2B5EF4-FFF2-40B4-BE49-F238E27FC236}">
-                <a16:creationId xmlns:a16="http://schemas.microsoft.com/office/drawing/2014/main" id="{EEC1D79B-F7DD-4944-8B47-7221AC95BB2F}"/>
-              </a:ext>
-            </a:extLst>
-          </p:cNvPr>
-          <p:cNvCxnSpPr>
-            <a:cxnSpLocks/>
-            <a:stCxn id="25" idx="1"/>
-          </p:cNvCxnSpPr>
-          <p:nvPr/>
-        </p:nvCxnSpPr>
-        <p:spPr>
-          <a:xfrm flipH="1">
-            <a:off x="4776509" y="3355398"/>
-            <a:ext cx="3238420" cy="0"/>
-          </a:xfrm>
-          <a:prstGeom prst="straightConnector1">
-            <a:avLst/>
-          </a:prstGeom>
-          <a:ln w="28575">
-            <a:tailEnd type="triangle"/>
-          </a:ln>
-        </p:spPr>
-        <p:style>
-          <a:lnRef idx="1">
-            <a:schemeClr val="accent1"/>
-          </a:lnRef>
-          <a:fillRef idx="0">
-            <a:schemeClr val="accent1"/>
-          </a:fillRef>
-          <a:effectRef idx="0">
-            <a:schemeClr val="accent1"/>
-          </a:effectRef>
-          <a:fontRef idx="minor">
-            <a:schemeClr val="tx1"/>
-          </a:fontRef>
-        </p:style>
-      </p:cxnSp>
-      <p:sp>
-        <p:nvSpPr>
-          <p:cNvPr id="169" name="TextBox 168">
-            <a:extLst>
-              <a:ext uri="{FF2B5EF4-FFF2-40B4-BE49-F238E27FC236}">
-                <a16:creationId xmlns:a16="http://schemas.microsoft.com/office/drawing/2014/main" id="{F3CCDCD2-9CAF-4075-9D88-CB832DFEBFA5}"/>
-              </a:ext>
-            </a:extLst>
-          </p:cNvPr>
-          <p:cNvSpPr txBox="1"/>
-          <p:nvPr/>
-        </p:nvSpPr>
-        <p:spPr>
-          <a:xfrm>
-            <a:off x="4702884" y="1676264"/>
-            <a:ext cx="1969074" cy="446276"/>
-          </a:xfrm>
-          <a:prstGeom prst="rect">
-            <a:avLst/>
-          </a:prstGeom>
-          <a:noFill/>
-        </p:spPr>
-        <p:txBody>
-          <a:bodyPr vert="horz" wrap="square" lIns="0" tIns="0" rIns="0" bIns="0" numCol="1" spcCol="288000" rtlCol="0" anchor="t" anchorCtr="0">
-            <a:spAutoFit/>
-          </a:bodyPr>
-          <a:lstStyle/>
-          <a:p>
-            <a:pPr algn="ctr">
-              <a:spcBef>
-                <a:spcPts val="0"/>
-              </a:spcBef>
-              <a:spcAft>
-                <a:spcPts val="600"/>
-              </a:spcAft>
-            </a:pPr>
-            <a:r>
-              <a:rPr lang="en-US" sz="1200" b="1" i="0" spc="0">
-                <a:ln>
-                  <a:noFill/>
-                </a:ln>
-                <a:solidFill>
-                  <a:srgbClr val="00AEC7"/>
-                </a:solidFill>
-                <a:latin typeface="Source Sans Pro Light" charset="0"/>
-                <a:ea typeface="Source Sans Pro Light" charset="0"/>
-                <a:cs typeface="Source Sans Pro Light" charset="0"/>
-              </a:rPr>
-              <a:t>Import platform</a:t>
-            </a:r>
-          </a:p>
-          <a:p>
-            <a:pPr algn="ctr">
-              <a:spcBef>
-                <a:spcPts val="0"/>
-              </a:spcBef>
-              <a:spcAft>
-                <a:spcPts val="600"/>
-              </a:spcAft>
-            </a:pPr>
-            <a:r>
-              <a:rPr lang="en-US" sz="1200" b="1" i="0" spc="0">
-                <a:ln>
-                  <a:noFill/>
-                </a:ln>
-                <a:solidFill>
-                  <a:srgbClr val="00AEC7"/>
-                </a:solidFill>
-                <a:latin typeface="Source Sans Pro Light" charset="0"/>
-                <a:ea typeface="Source Sans Pro Light" charset="0"/>
-                <a:cs typeface="Source Sans Pro Light" charset="0"/>
-              </a:rPr>
-              <a:t>in workspace</a:t>
-            </a:r>
-            <a:endParaRPr lang="en-US" sz="1200" b="1" i="0" spc="0" dirty="0">
-              <a:ln>
-                <a:noFill/>
-              </a:ln>
-              <a:solidFill>
-                <a:srgbClr val="00AEC7"/>
-              </a:solidFill>
-              <a:latin typeface="Source Sans Pro Light" charset="0"/>
-              <a:ea typeface="Source Sans Pro Light" charset="0"/>
-              <a:cs typeface="Source Sans Pro Light" charset="0"/>
-            </a:endParaRPr>
-          </a:p>
-        </p:txBody>
-      </p:sp>
-      <p:sp>
-        <p:nvSpPr>
-          <p:cNvPr id="173" name="TextBox 172">
-            <a:extLst>
-              <a:ext uri="{FF2B5EF4-FFF2-40B4-BE49-F238E27FC236}">
-                <a16:creationId xmlns:a16="http://schemas.microsoft.com/office/drawing/2014/main" id="{265E5B4D-30CC-42C2-8AC0-3586FA23FFAC}"/>
-              </a:ext>
-            </a:extLst>
-          </p:cNvPr>
-          <p:cNvSpPr txBox="1"/>
-          <p:nvPr/>
-        </p:nvSpPr>
-        <p:spPr>
-          <a:xfrm>
-            <a:off x="5994928" y="2304492"/>
-            <a:ext cx="1969074" cy="446276"/>
-          </a:xfrm>
-          <a:prstGeom prst="rect">
-            <a:avLst/>
-          </a:prstGeom>
-          <a:noFill/>
-        </p:spPr>
-        <p:txBody>
-          <a:bodyPr vert="horz" wrap="square" lIns="0" tIns="0" rIns="0" bIns="0" numCol="1" spcCol="288000" rtlCol="0" anchor="t" anchorCtr="0">
-            <a:spAutoFit/>
-          </a:bodyPr>
-          <a:lstStyle/>
-          <a:p>
-            <a:pPr algn="ctr">
-              <a:spcBef>
-                <a:spcPts val="0"/>
-              </a:spcBef>
-              <a:spcAft>
-                <a:spcPts val="600"/>
-              </a:spcAft>
-            </a:pPr>
-            <a:r>
-              <a:rPr lang="en-US" sz="1200" b="1" i="0" spc="0">
-                <a:ln>
-                  <a:noFill/>
-                </a:ln>
-                <a:solidFill>
-                  <a:srgbClr val="EE502E"/>
-                </a:solidFill>
-                <a:latin typeface="Source Sans Pro Light" charset="0"/>
-                <a:ea typeface="Source Sans Pro Light" charset="0"/>
-                <a:cs typeface="Source Sans Pro Light" charset="0"/>
-              </a:rPr>
-              <a:t>Import Java application</a:t>
-            </a:r>
-          </a:p>
-          <a:p>
-            <a:pPr algn="ctr">
-              <a:spcBef>
-                <a:spcPts val="0"/>
-              </a:spcBef>
-              <a:spcAft>
-                <a:spcPts val="600"/>
-              </a:spcAft>
-            </a:pPr>
-            <a:r>
-              <a:rPr lang="en-US" sz="1200" b="1" i="0" spc="0">
-                <a:ln>
-                  <a:noFill/>
-                </a:ln>
-                <a:solidFill>
-                  <a:srgbClr val="EE502E"/>
-                </a:solidFill>
-                <a:latin typeface="Source Sans Pro Light" charset="0"/>
-                <a:ea typeface="Source Sans Pro Light" charset="0"/>
-                <a:cs typeface="Source Sans Pro Light" charset="0"/>
-              </a:rPr>
-              <a:t>in workspace</a:t>
-            </a:r>
-            <a:endParaRPr lang="en-US" sz="1200" b="1" i="0" spc="0" dirty="0">
-              <a:ln>
-                <a:noFill/>
-              </a:ln>
-              <a:solidFill>
-                <a:srgbClr val="EE502E"/>
-              </a:solidFill>
-              <a:latin typeface="Source Sans Pro Light" charset="0"/>
-              <a:ea typeface="Source Sans Pro Light" charset="0"/>
-              <a:cs typeface="Source Sans Pro Light" charset="0"/>
-            </a:endParaRPr>
-          </a:p>
-        </p:txBody>
-      </p:sp>
-      <p:sp>
-        <p:nvSpPr>
-          <p:cNvPr id="175" name="TextBox 174">
-            <a:extLst>
-              <a:ext uri="{FF2B5EF4-FFF2-40B4-BE49-F238E27FC236}">
-                <a16:creationId xmlns:a16="http://schemas.microsoft.com/office/drawing/2014/main" id="{DFCE4E0F-0EBE-4B23-B724-9867E1476585}"/>
-              </a:ext>
-            </a:extLst>
-          </p:cNvPr>
-          <p:cNvSpPr txBox="1"/>
-          <p:nvPr/>
-        </p:nvSpPr>
-        <p:spPr>
-          <a:xfrm>
-            <a:off x="5192691" y="3123006"/>
-            <a:ext cx="2822238" cy="184666"/>
-          </a:xfrm>
-          <a:prstGeom prst="rect">
-            <a:avLst/>
-          </a:prstGeom>
-          <a:noFill/>
-        </p:spPr>
-        <p:txBody>
-          <a:bodyPr vert="horz" wrap="square" lIns="0" tIns="0" rIns="0" bIns="0" numCol="1" spcCol="288000" rtlCol="0" anchor="t" anchorCtr="0">
-            <a:spAutoFit/>
-          </a:bodyPr>
-          <a:lstStyle/>
-          <a:p>
-            <a:pPr>
-              <a:spcBef>
-                <a:spcPts val="0"/>
-              </a:spcBef>
-              <a:spcAft>
-                <a:spcPts val="600"/>
-              </a:spcAft>
-            </a:pPr>
-            <a:r>
-              <a:rPr lang="en-US" sz="1200" b="1" i="0" spc="0">
-                <a:ln>
-                  <a:noFill/>
-                </a:ln>
-                <a:solidFill>
-                  <a:srgbClr val="EE502E"/>
-                </a:solidFill>
-                <a:latin typeface="Source Sans Pro Light" charset="0"/>
-                <a:ea typeface="Source Sans Pro Light" charset="0"/>
-                <a:cs typeface="Source Sans Pro Light" charset="0"/>
-              </a:rPr>
-              <a:t>Import offline repository </a:t>
-            </a:r>
-            <a:r>
-              <a:rPr lang="en-US" sz="1200" b="1">
-                <a:solidFill>
-                  <a:srgbClr val="EE502E"/>
-                </a:solidFill>
-                <a:latin typeface="Source Sans Pro Light" charset="0"/>
-                <a:ea typeface="Source Sans Pro Light" charset="0"/>
-                <a:cs typeface="Source Sans Pro Light" charset="0"/>
-              </a:rPr>
-              <a:t>(optional)</a:t>
-            </a:r>
-            <a:endParaRPr lang="en-US" sz="1200" b="1" i="0" spc="0" dirty="0">
-              <a:ln>
-                <a:noFill/>
-              </a:ln>
-              <a:solidFill>
-                <a:srgbClr val="EE502E"/>
-              </a:solidFill>
-              <a:latin typeface="Source Sans Pro Light" charset="0"/>
-              <a:ea typeface="Source Sans Pro Light" charset="0"/>
-              <a:cs typeface="Source Sans Pro Light" charset="0"/>
-            </a:endParaRPr>
-          </a:p>
-        </p:txBody>
-      </p:sp>
-      <p:sp>
-        <p:nvSpPr>
-          <p:cNvPr id="177" name="TextBox 176">
-            <a:extLst>
-              <a:ext uri="{FF2B5EF4-FFF2-40B4-BE49-F238E27FC236}">
-                <a16:creationId xmlns:a16="http://schemas.microsoft.com/office/drawing/2014/main" id="{F1753A14-2EC3-4B43-9F13-78F208C94A82}"/>
-              </a:ext>
-            </a:extLst>
-          </p:cNvPr>
-          <p:cNvSpPr txBox="1"/>
-          <p:nvPr/>
-        </p:nvSpPr>
-        <p:spPr>
-          <a:xfrm>
-            <a:off x="5976868" y="4139978"/>
-            <a:ext cx="1969074" cy="184666"/>
-          </a:xfrm>
-          <a:prstGeom prst="rect">
-            <a:avLst/>
-          </a:prstGeom>
-          <a:noFill/>
-        </p:spPr>
-        <p:txBody>
-          <a:bodyPr vert="horz" wrap="square" lIns="0" tIns="0" rIns="0" bIns="0" numCol="1" spcCol="288000" rtlCol="0" anchor="t" anchorCtr="0">
-            <a:spAutoFit/>
-          </a:bodyPr>
-          <a:lstStyle/>
-          <a:p>
-            <a:pPr algn="ctr">
-              <a:spcBef>
-                <a:spcPts val="0"/>
-              </a:spcBef>
-              <a:spcAft>
-                <a:spcPts val="600"/>
-              </a:spcAft>
-            </a:pPr>
-            <a:r>
-              <a:rPr lang="en-US" sz="1200" b="1" i="0" spc="0">
-                <a:ln>
-                  <a:noFill/>
-                </a:ln>
-                <a:solidFill>
-                  <a:srgbClr val="EE502E"/>
-                </a:solidFill>
-                <a:latin typeface="Source Sans Pro Light" charset="0"/>
-                <a:ea typeface="Source Sans Pro Light" charset="0"/>
-                <a:cs typeface="Source Sans Pro Light" charset="0"/>
-              </a:rPr>
-              <a:t>Update Ivy Settings</a:t>
-            </a:r>
-            <a:endParaRPr lang="en-US" sz="1200" b="1" i="0" spc="0" dirty="0">
-              <a:ln>
-                <a:noFill/>
-              </a:ln>
-              <a:solidFill>
-                <a:srgbClr val="EE502E"/>
-              </a:solidFill>
-              <a:latin typeface="Source Sans Pro Light" charset="0"/>
-              <a:ea typeface="Source Sans Pro Light" charset="0"/>
-              <a:cs typeface="Source Sans Pro Light" charset="0"/>
-            </a:endParaRPr>
-          </a:p>
-        </p:txBody>
-      </p:sp>
-      <p:sp>
-        <p:nvSpPr>
-          <p:cNvPr id="179" name="TextBox 178">
-            <a:extLst>
-              <a:ext uri="{FF2B5EF4-FFF2-40B4-BE49-F238E27FC236}">
-                <a16:creationId xmlns:a16="http://schemas.microsoft.com/office/drawing/2014/main" id="{09F1F4F5-C1B4-47B3-B18F-076B70A4E0F2}"/>
-              </a:ext>
-            </a:extLst>
-          </p:cNvPr>
-          <p:cNvSpPr txBox="1"/>
-          <p:nvPr/>
-        </p:nvSpPr>
-        <p:spPr>
-          <a:xfrm>
-            <a:off x="5772655" y="533613"/>
-            <a:ext cx="1969074" cy="446276"/>
-          </a:xfrm>
-          <a:prstGeom prst="rect">
-            <a:avLst/>
-          </a:prstGeom>
-          <a:noFill/>
-        </p:spPr>
-        <p:txBody>
-          <a:bodyPr vert="horz" wrap="square" lIns="0" tIns="0" rIns="0" bIns="0" numCol="1" spcCol="288000" rtlCol="0" anchor="t" anchorCtr="0">
-            <a:spAutoFit/>
-          </a:bodyPr>
-          <a:lstStyle/>
-          <a:p>
-            <a:pPr algn="ctr">
-              <a:spcBef>
-                <a:spcPts val="0"/>
-              </a:spcBef>
-              <a:spcAft>
-                <a:spcPts val="600"/>
-              </a:spcAft>
-            </a:pPr>
-            <a:r>
-              <a:rPr lang="en-US" sz="1200" b="1" i="0" spc="0">
-                <a:ln>
-                  <a:noFill/>
-                </a:ln>
-                <a:solidFill>
-                  <a:srgbClr val="5B6D76"/>
-                </a:solidFill>
-                <a:latin typeface="Source Sans Pro Light" charset="0"/>
-                <a:ea typeface="Source Sans Pro Light" charset="0"/>
-                <a:cs typeface="Source Sans Pro Light" charset="0"/>
-              </a:rPr>
-              <a:t>Import required</a:t>
-            </a:r>
-          </a:p>
-          <a:p>
-            <a:pPr algn="ctr">
-              <a:spcBef>
-                <a:spcPts val="0"/>
-              </a:spcBef>
-              <a:spcAft>
-                <a:spcPts val="600"/>
-              </a:spcAft>
-            </a:pPr>
-            <a:r>
-              <a:rPr lang="en-US" sz="1200" b="1">
-                <a:solidFill>
-                  <a:srgbClr val="5B6D76"/>
-                </a:solidFill>
-                <a:latin typeface="Source Sans Pro Light" charset="0"/>
-                <a:ea typeface="Source Sans Pro Light" charset="0"/>
-                <a:cs typeface="Source Sans Pro Light" charset="0"/>
-              </a:rPr>
-              <a:t>MicroEJ Architecture &amp; Packs</a:t>
-            </a:r>
-            <a:endParaRPr lang="en-US" sz="1200" b="1" i="0" spc="0" dirty="0">
-              <a:ln>
-                <a:noFill/>
-              </a:ln>
-              <a:solidFill>
-                <a:srgbClr val="5B6D76"/>
-              </a:solidFill>
-              <a:latin typeface="Source Sans Pro Light" charset="0"/>
-              <a:ea typeface="Source Sans Pro Light" charset="0"/>
-              <a:cs typeface="Source Sans Pro Light" charset="0"/>
-            </a:endParaRPr>
-          </a:p>
-        </p:txBody>
-      </p:sp>
-      <p:cxnSp>
-        <p:nvCxnSpPr>
-          <p:cNvPr id="214" name="Connector: Elbow 213">
-            <a:extLst>
-              <a:ext uri="{FF2B5EF4-FFF2-40B4-BE49-F238E27FC236}">
-                <a16:creationId xmlns:a16="http://schemas.microsoft.com/office/drawing/2014/main" id="{164947C8-29B0-4631-AD36-5D7F99EAE1AE}"/>
-              </a:ext>
-            </a:extLst>
-          </p:cNvPr>
-          <p:cNvCxnSpPr>
-            <a:cxnSpLocks/>
-          </p:cNvCxnSpPr>
-          <p:nvPr/>
-        </p:nvCxnSpPr>
-        <p:spPr>
-          <a:xfrm rot="10800000" flipV="1">
-            <a:off x="4776510" y="3471644"/>
-            <a:ext cx="3264258" cy="168131"/>
-          </a:xfrm>
-          <a:prstGeom prst="bentConnector3">
-            <a:avLst>
-              <a:gd name="adj1" fmla="val 42243"/>
-            </a:avLst>
-          </a:prstGeom>
-          <a:ln w="28575">
-            <a:tailEnd type="triangle"/>
-          </a:ln>
-        </p:spPr>
-        <p:style>
-          <a:lnRef idx="1">
-            <a:schemeClr val="accent1"/>
-          </a:lnRef>
-          <a:fillRef idx="0">
-            <a:schemeClr val="accent1"/>
-          </a:fillRef>
-          <a:effectRef idx="0">
-            <a:schemeClr val="accent1"/>
-          </a:effectRef>
-          <a:fontRef idx="minor">
-            <a:schemeClr val="tx1"/>
-          </a:fontRef>
-        </p:style>
-      </p:cxnSp>
-      <p:cxnSp>
-        <p:nvCxnSpPr>
-          <p:cNvPr id="216" name="Connector: Elbow 215">
-            <a:extLst>
-              <a:ext uri="{FF2B5EF4-FFF2-40B4-BE49-F238E27FC236}">
-                <a16:creationId xmlns:a16="http://schemas.microsoft.com/office/drawing/2014/main" id="{485E2FF2-B957-450D-9FFA-829105FF84A6}"/>
-              </a:ext>
-            </a:extLst>
-          </p:cNvPr>
-          <p:cNvCxnSpPr>
-            <a:cxnSpLocks/>
-          </p:cNvCxnSpPr>
-          <p:nvPr/>
-        </p:nvCxnSpPr>
-        <p:spPr>
-          <a:xfrm rot="10800000">
-            <a:off x="4776509" y="3644681"/>
-            <a:ext cx="3773170" cy="444869"/>
-          </a:xfrm>
-          <a:prstGeom prst="bentConnector3">
-            <a:avLst>
-              <a:gd name="adj1" fmla="val 50000"/>
-            </a:avLst>
-          </a:prstGeom>
-          <a:ln w="28575">
-            <a:tailEnd type="triangle"/>
-          </a:ln>
-        </p:spPr>
-        <p:style>
-          <a:lnRef idx="1">
-            <a:schemeClr val="accent1"/>
-          </a:lnRef>
-          <a:fillRef idx="0">
-            <a:schemeClr val="accent1"/>
-          </a:fillRef>
-          <a:effectRef idx="0">
-            <a:schemeClr val="accent1"/>
-          </a:effectRef>
-          <a:fontRef idx="minor">
-            <a:schemeClr val="tx1"/>
-          </a:fontRef>
-        </p:style>
-      </p:cxnSp>
-      <p:sp>
-        <p:nvSpPr>
-          <p:cNvPr id="231" name="Arrow: Down 230">
-            <a:extLst>
-              <a:ext uri="{FF2B5EF4-FFF2-40B4-BE49-F238E27FC236}">
-                <a16:creationId xmlns:a16="http://schemas.microsoft.com/office/drawing/2014/main" id="{DB507579-1962-449F-9F0D-04A94733A5A9}"/>
-              </a:ext>
-            </a:extLst>
-          </p:cNvPr>
-          <p:cNvSpPr/>
-          <p:nvPr/>
-        </p:nvSpPr>
-        <p:spPr>
-          <a:xfrm>
-            <a:off x="3517877" y="4800389"/>
-            <a:ext cx="547734" cy="641338"/>
-          </a:xfrm>
-          <a:prstGeom prst="downArrow">
-            <a:avLst/>
-          </a:prstGeom>
-          <a:solidFill>
-            <a:srgbClr val="71B84D"/>
-          </a:solidFill>
-          <a:ln>
-            <a:solidFill>
-              <a:srgbClr val="71B84D"/>
-            </a:solidFill>
-          </a:ln>
-        </p:spPr>
-        <p:style>
-          <a:lnRef idx="2">
-            <a:schemeClr val="accent1">
-              <a:shade val="50000"/>
-            </a:schemeClr>
-          </a:lnRef>
-          <a:fillRef idx="1">
-            <a:schemeClr val="accent1"/>
-          </a:fillRef>
-          <a:effectRef idx="0">
-            <a:schemeClr val="accent1"/>
-          </a:effectRef>
-          <a:fontRef idx="minor">
-            <a:schemeClr val="lt1"/>
-          </a:fontRef>
-        </p:style>
-        <p:txBody>
-          <a:bodyPr rtlCol="0" anchor="ctr"/>
-          <a:lstStyle/>
-          <a:p>
-            <a:pPr algn="ctr"/>
-            <a:endParaRPr lang="en-US">
-              <a:solidFill>
-                <a:srgbClr val="71B84D"/>
-              </a:solidFill>
-            </a:endParaRPr>
-          </a:p>
-        </p:txBody>
-      </p:sp>
       <p:grpSp>
         <p:nvGrpSpPr>
-          <p:cNvPr id="232" name="Group 231">
-            <a:extLst>
-              <a:ext uri="{FF2B5EF4-FFF2-40B4-BE49-F238E27FC236}">
-                <a16:creationId xmlns:a16="http://schemas.microsoft.com/office/drawing/2014/main" id="{205A33FB-2D91-4D0E-8682-ED84318E8809}"/>
-              </a:ext>
-            </a:extLst>
-          </p:cNvPr>
+          <p:cNvPr id="62" name="Group 61"/>
           <p:cNvGrpSpPr/>
           <p:nvPr/>
         </p:nvGrpSpPr>
         <p:grpSpPr>
           <a:xfrm>
-            <a:off x="2782677" y="5514410"/>
-            <a:ext cx="1945170" cy="934358"/>
-            <a:chOff x="9510880" y="2289222"/>
-            <a:chExt cx="471389" cy="478559"/>
+            <a:off x="2438262" y="591720"/>
+            <a:ext cx="7978218" cy="5645592"/>
+            <a:chOff x="2438262" y="123307"/>
+            <a:chExt cx="7978218" cy="5645592"/>
           </a:xfrm>
         </p:grpSpPr>
+        <p:sp>
+          <p:nvSpPr>
+            <p:cNvPr id="231" name="Arrow: Down 230">
+              <a:extLst>
+                <a:ext uri="{FF2B5EF4-FFF2-40B4-BE49-F238E27FC236}">
+                  <a16:creationId xmlns="" xmlns:a16="http://schemas.microsoft.com/office/drawing/2014/main" id="{DB507579-1962-449F-9F0D-04A94733A5A9}"/>
+                </a:ext>
+              </a:extLst>
+            </p:cNvPr>
+            <p:cNvSpPr/>
+            <p:nvPr/>
+          </p:nvSpPr>
+          <p:spPr>
+            <a:xfrm>
+              <a:off x="2855641" y="4434855"/>
+              <a:ext cx="1872206" cy="573520"/>
+            </a:xfrm>
+            <a:prstGeom prst="downArrow">
+              <a:avLst>
+                <a:gd name="adj1" fmla="val 100000"/>
+                <a:gd name="adj2" fmla="val 32401"/>
+              </a:avLst>
+            </a:prstGeom>
+            <a:solidFill>
+              <a:srgbClr val="71B84D"/>
+            </a:solidFill>
+            <a:ln>
+              <a:solidFill>
+                <a:srgbClr val="71B84D"/>
+              </a:solidFill>
+            </a:ln>
+          </p:spPr>
+          <p:style>
+            <a:lnRef idx="2">
+              <a:schemeClr val="accent1">
+                <a:shade val="50000"/>
+              </a:schemeClr>
+            </a:lnRef>
+            <a:fillRef idx="1">
+              <a:schemeClr val="accent1"/>
+            </a:fillRef>
+            <a:effectRef idx="0">
+              <a:schemeClr val="accent1"/>
+            </a:effectRef>
+            <a:fontRef idx="minor">
+              <a:schemeClr val="lt1"/>
+            </a:fontRef>
+          </p:style>
+          <p:txBody>
+            <a:bodyPr rtlCol="0" anchor="ctr"/>
+            <a:lstStyle/>
+            <a:p>
+              <a:pPr algn="ctr"/>
+              <a:endParaRPr lang="en-US">
+                <a:solidFill>
+                  <a:srgbClr val="71B84D"/>
+                </a:solidFill>
+              </a:endParaRPr>
+            </a:p>
+          </p:txBody>
+        </p:sp>
+        <p:sp>
+          <p:nvSpPr>
+            <p:cNvPr id="11" name="Rounded Rectangle 174">
+              <a:extLst>
+                <a:ext uri="{FF2B5EF4-FFF2-40B4-BE49-F238E27FC236}">
+                  <a16:creationId xmlns="" xmlns:a16="http://schemas.microsoft.com/office/drawing/2014/main" id="{A4FC7A78-8ACF-40AB-8BEB-4556F31260DD}"/>
+                </a:ext>
+              </a:extLst>
+            </p:cNvPr>
+            <p:cNvSpPr/>
+            <p:nvPr/>
+          </p:nvSpPr>
+          <p:spPr>
+            <a:xfrm>
+              <a:off x="7752184" y="375732"/>
+              <a:ext cx="2664296" cy="4680520"/>
+            </a:xfrm>
+            <a:prstGeom prst="roundRect">
+              <a:avLst>
+                <a:gd name="adj" fmla="val 8739"/>
+              </a:avLst>
+            </a:prstGeom>
+            <a:solidFill>
+              <a:schemeClr val="bg1"/>
+            </a:solidFill>
+            <a:ln w="12700">
+              <a:solidFill>
+                <a:schemeClr val="bg2"/>
+              </a:solidFill>
+            </a:ln>
+          </p:spPr>
+          <p:style>
+            <a:lnRef idx="2">
+              <a:schemeClr val="dk1"/>
+            </a:lnRef>
+            <a:fillRef idx="1">
+              <a:schemeClr val="lt1"/>
+            </a:fillRef>
+            <a:effectRef idx="0">
+              <a:schemeClr val="dk1"/>
+            </a:effectRef>
+            <a:fontRef idx="minor">
+              <a:schemeClr val="dk1"/>
+            </a:fontRef>
+          </p:style>
+          <p:txBody>
+            <a:bodyPr rtlCol="0" anchor="ctr"/>
+            <a:lstStyle/>
+            <a:p>
+              <a:pPr algn="ctr"/>
+              <a:endParaRPr lang="en-US" sz="1600" dirty="0">
+                <a:ln w="0">
+                  <a:solidFill>
+                    <a:sysClr val="windowText" lastClr="000000"/>
+                  </a:solidFill>
+                </a:ln>
+                <a:solidFill>
+                  <a:schemeClr val="tx1"/>
+                </a:solidFill>
+                <a:effectLst>
+                  <a:outerShdw blurRad="38100" dist="19050" dir="2700000" algn="tl" rotWithShape="0">
+                    <a:schemeClr val="dk1">
+                      <a:alpha val="40000"/>
+                    </a:schemeClr>
+                  </a:outerShdw>
+                </a:effectLst>
+              </a:endParaRPr>
+            </a:p>
+          </p:txBody>
+        </p:sp>
+        <p:sp>
+          <p:nvSpPr>
+            <p:cNvPr id="81" name="Rounded Rectangle 174">
+              <a:extLst>
+                <a:ext uri="{FF2B5EF4-FFF2-40B4-BE49-F238E27FC236}">
+                  <a16:creationId xmlns="" xmlns:a16="http://schemas.microsoft.com/office/drawing/2014/main" id="{FD5674D9-1DE4-4787-B6DC-AEA63B6921B5}"/>
+                </a:ext>
+              </a:extLst>
+            </p:cNvPr>
+            <p:cNvSpPr/>
+            <p:nvPr/>
+          </p:nvSpPr>
+          <p:spPr>
+            <a:xfrm>
+              <a:off x="2438262" y="324661"/>
+              <a:ext cx="2706094" cy="4403045"/>
+            </a:xfrm>
+            <a:prstGeom prst="roundRect">
+              <a:avLst>
+                <a:gd name="adj" fmla="val 8585"/>
+              </a:avLst>
+            </a:prstGeom>
+            <a:solidFill>
+              <a:schemeClr val="bg1"/>
+            </a:solidFill>
+            <a:ln w="12700">
+              <a:solidFill>
+                <a:schemeClr val="bg2"/>
+              </a:solidFill>
+            </a:ln>
+          </p:spPr>
+          <p:style>
+            <a:lnRef idx="2">
+              <a:schemeClr val="dk1"/>
+            </a:lnRef>
+            <a:fillRef idx="1">
+              <a:schemeClr val="lt1"/>
+            </a:fillRef>
+            <a:effectRef idx="0">
+              <a:schemeClr val="dk1"/>
+            </a:effectRef>
+            <a:fontRef idx="minor">
+              <a:schemeClr val="dk1"/>
+            </a:fontRef>
+          </p:style>
+          <p:txBody>
+            <a:bodyPr rtlCol="0" anchor="ctr"/>
+            <a:lstStyle/>
+            <a:p>
+              <a:pPr algn="ctr"/>
+              <a:endParaRPr lang="en-US" sz="1600" dirty="0">
+                <a:ln w="0">
+                  <a:solidFill>
+                    <a:sysClr val="windowText" lastClr="000000"/>
+                  </a:solidFill>
+                </a:ln>
+                <a:solidFill>
+                  <a:schemeClr val="tx1"/>
+                </a:solidFill>
+                <a:effectLst>
+                  <a:outerShdw blurRad="38100" dist="19050" dir="2700000" algn="tl" rotWithShape="0">
+                    <a:schemeClr val="dk1">
+                      <a:alpha val="40000"/>
+                    </a:schemeClr>
+                  </a:outerShdw>
+                </a:effectLst>
+              </a:endParaRPr>
+            </a:p>
+          </p:txBody>
+        </p:sp>
+        <p:sp>
+          <p:nvSpPr>
+            <p:cNvPr id="239" name="Rounded Rectangle 105">
+              <a:extLst>
+                <a:ext uri="{FF2B5EF4-FFF2-40B4-BE49-F238E27FC236}">
+                  <a16:creationId xmlns="" xmlns:a16="http://schemas.microsoft.com/office/drawing/2014/main" id="{D94918E0-52E2-4098-B250-C307C5F05C31}"/>
+                </a:ext>
+              </a:extLst>
+            </p:cNvPr>
+            <p:cNvSpPr/>
+            <p:nvPr/>
+          </p:nvSpPr>
+          <p:spPr>
+            <a:xfrm>
+              <a:off x="8053911" y="723900"/>
+              <a:ext cx="2073070" cy="909664"/>
+            </a:xfrm>
+            <a:prstGeom prst="roundRect">
+              <a:avLst>
+                <a:gd name="adj" fmla="val 15733"/>
+              </a:avLst>
+            </a:prstGeom>
+            <a:solidFill>
+              <a:schemeClr val="bg1"/>
+            </a:solidFill>
+            <a:ln w="28575">
+              <a:solidFill>
+                <a:srgbClr val="5B6D76"/>
+              </a:solidFill>
+            </a:ln>
+          </p:spPr>
+          <p:style>
+            <a:lnRef idx="2">
+              <a:schemeClr val="accent1">
+                <a:shade val="50000"/>
+              </a:schemeClr>
+            </a:lnRef>
+            <a:fillRef idx="1">
+              <a:schemeClr val="accent1"/>
+            </a:fillRef>
+            <a:effectRef idx="0">
+              <a:schemeClr val="accent1"/>
+            </a:effectRef>
+            <a:fontRef idx="minor">
+              <a:schemeClr val="lt1"/>
+            </a:fontRef>
+          </p:style>
+          <p:txBody>
+            <a:bodyPr rtlCol="0" anchor="ctr"/>
+            <a:lstStyle/>
+            <a:p>
+              <a:pPr algn="ctr"/>
+              <a:r>
+                <a:rPr lang="en-US"/>
+                <a:t>vz</a:t>
+              </a:r>
+              <a:endParaRPr lang="en-US" dirty="0"/>
+            </a:p>
+          </p:txBody>
+        </p:sp>
+        <p:sp>
+          <p:nvSpPr>
+            <p:cNvPr id="108" name="Rounded Rectangle 62">
+              <a:extLst>
+                <a:ext uri="{FF2B5EF4-FFF2-40B4-BE49-F238E27FC236}">
+                  <a16:creationId xmlns="" xmlns:a16="http://schemas.microsoft.com/office/drawing/2014/main" id="{594485E9-9FDD-42D9-A895-515379347D47}"/>
+                </a:ext>
+              </a:extLst>
+            </p:cNvPr>
+            <p:cNvSpPr/>
+            <p:nvPr/>
+          </p:nvSpPr>
+          <p:spPr>
+            <a:xfrm>
+              <a:off x="2630304" y="522114"/>
+              <a:ext cx="2336726" cy="3567436"/>
+            </a:xfrm>
+            <a:prstGeom prst="roundRect">
+              <a:avLst>
+                <a:gd name="adj" fmla="val 5059"/>
+              </a:avLst>
+            </a:prstGeom>
+            <a:solidFill>
+              <a:schemeClr val="bg1">
+                <a:lumMod val="95000"/>
+              </a:schemeClr>
+            </a:solidFill>
+            <a:ln w="19050">
+              <a:noFill/>
+            </a:ln>
+          </p:spPr>
+          <p:style>
+            <a:lnRef idx="2">
+              <a:schemeClr val="accent1">
+                <a:shade val="50000"/>
+              </a:schemeClr>
+            </a:lnRef>
+            <a:fillRef idx="1">
+              <a:schemeClr val="accent1"/>
+            </a:fillRef>
+            <a:effectRef idx="0">
+              <a:schemeClr val="accent1"/>
+            </a:effectRef>
+            <a:fontRef idx="minor">
+              <a:schemeClr val="lt1"/>
+            </a:fontRef>
+          </p:style>
+          <p:txBody>
+            <a:bodyPr wrap="square" lIns="0" tIns="0" rIns="0" bIns="0" rtlCol="0" anchor="ctr"/>
+            <a:lstStyle/>
+            <a:p>
+              <a:pPr algn="ctr"/>
+              <a:endParaRPr lang="en-US" sz="1400" dirty="0">
+                <a:solidFill>
+                  <a:schemeClr val="bg1">
+                    <a:lumMod val="95000"/>
+                  </a:schemeClr>
+                </a:solidFill>
+              </a:endParaRPr>
+            </a:p>
+          </p:txBody>
+        </p:sp>
+        <p:sp>
+          <p:nvSpPr>
+            <p:cNvPr id="133" name="Rounded Rectangle 62">
+              <a:extLst>
+                <a:ext uri="{FF2B5EF4-FFF2-40B4-BE49-F238E27FC236}">
+                  <a16:creationId xmlns="" xmlns:a16="http://schemas.microsoft.com/office/drawing/2014/main" id="{4DCEBE55-347C-41E0-BAE6-4579FE9D8A50}"/>
+                </a:ext>
+              </a:extLst>
+            </p:cNvPr>
+            <p:cNvSpPr/>
+            <p:nvPr/>
+          </p:nvSpPr>
+          <p:spPr>
+            <a:xfrm>
+              <a:off x="2755010" y="893554"/>
+              <a:ext cx="2095698" cy="776402"/>
+            </a:xfrm>
+            <a:prstGeom prst="roundRect">
+              <a:avLst>
+                <a:gd name="adj" fmla="val 16065"/>
+              </a:avLst>
+            </a:prstGeom>
+            <a:solidFill>
+              <a:srgbClr val="A9B1B5"/>
+            </a:solidFill>
+            <a:ln w="19050">
+              <a:noFill/>
+            </a:ln>
+          </p:spPr>
+          <p:style>
+            <a:lnRef idx="2">
+              <a:schemeClr val="accent1">
+                <a:shade val="50000"/>
+              </a:schemeClr>
+            </a:lnRef>
+            <a:fillRef idx="1">
+              <a:schemeClr val="accent1"/>
+            </a:fillRef>
+            <a:effectRef idx="0">
+              <a:schemeClr val="accent1"/>
+            </a:effectRef>
+            <a:fontRef idx="minor">
+              <a:schemeClr val="lt1"/>
+            </a:fontRef>
+          </p:style>
+          <p:txBody>
+            <a:bodyPr wrap="square" lIns="0" tIns="0" rIns="0" bIns="0" rtlCol="0" anchor="ctr"/>
+            <a:lstStyle/>
+            <a:p>
+              <a:pPr algn="ctr"/>
+              <a:endParaRPr lang="en-US" sz="1400" dirty="0">
+                <a:solidFill>
+                  <a:schemeClr val="bg1">
+                    <a:lumMod val="95000"/>
+                  </a:schemeClr>
+                </a:solidFill>
+              </a:endParaRPr>
+            </a:p>
+          </p:txBody>
+        </p:sp>
+        <p:sp>
+          <p:nvSpPr>
+            <p:cNvPr id="112" name="Rounded Rectangle 62">
+              <a:extLst>
+                <a:ext uri="{FF2B5EF4-FFF2-40B4-BE49-F238E27FC236}">
+                  <a16:creationId xmlns="" xmlns:a16="http://schemas.microsoft.com/office/drawing/2014/main" id="{532D9E35-28E9-4BFA-8137-0AE48A627B0F}"/>
+                </a:ext>
+              </a:extLst>
+            </p:cNvPr>
+            <p:cNvSpPr/>
+            <p:nvPr/>
+          </p:nvSpPr>
+          <p:spPr>
+            <a:xfrm>
+              <a:off x="2755010" y="1794697"/>
+              <a:ext cx="2095698" cy="2155095"/>
+            </a:xfrm>
+            <a:prstGeom prst="roundRect">
+              <a:avLst>
+                <a:gd name="adj" fmla="val 5059"/>
+              </a:avLst>
+            </a:prstGeom>
+            <a:solidFill>
+              <a:srgbClr val="A9B1B5"/>
+            </a:solidFill>
+            <a:ln w="19050">
+              <a:noFill/>
+            </a:ln>
+          </p:spPr>
+          <p:style>
+            <a:lnRef idx="2">
+              <a:schemeClr val="accent1">
+                <a:shade val="50000"/>
+              </a:schemeClr>
+            </a:lnRef>
+            <a:fillRef idx="1">
+              <a:schemeClr val="accent1"/>
+            </a:fillRef>
+            <a:effectRef idx="0">
+              <a:schemeClr val="accent1"/>
+            </a:effectRef>
+            <a:fontRef idx="minor">
+              <a:schemeClr val="lt1"/>
+            </a:fontRef>
+          </p:style>
+          <p:txBody>
+            <a:bodyPr wrap="square" lIns="0" tIns="0" rIns="0" bIns="0" rtlCol="0" anchor="ctr"/>
+            <a:lstStyle/>
+            <a:p>
+              <a:pPr algn="ctr"/>
+              <a:endParaRPr lang="en-US" sz="1400" dirty="0">
+                <a:solidFill>
+                  <a:schemeClr val="bg1">
+                    <a:lumMod val="95000"/>
+                  </a:schemeClr>
+                </a:solidFill>
+              </a:endParaRPr>
+            </a:p>
+          </p:txBody>
+        </p:sp>
         <p:pic>
           <p:nvPicPr>
-            <p:cNvPr id="233" name="Picture 232">
+            <p:cNvPr id="31" name="Picture 30">
               <a:extLst>
                 <a:ext uri="{FF2B5EF4-FFF2-40B4-BE49-F238E27FC236}">
-                  <a16:creationId xmlns:a16="http://schemas.microsoft.com/office/drawing/2014/main" id="{05940B28-01B3-4EDF-878D-5CFFBAC57EDE}"/>
+                  <a16:creationId xmlns="" xmlns:a16="http://schemas.microsoft.com/office/drawing/2014/main" id="{5F7DE197-6DCD-4FC2-90CC-649BF9CBE17B}"/>
                 </a:ext>
               </a:extLst>
             </p:cNvPr>
@@ -34988,7 +33116,7 @@
             <p:nvPr/>
           </p:nvPicPr>
           <p:blipFill>
-            <a:blip r:embed="rId5">
+            <a:blip r:embed="rId2">
               <a:extLst>
                 <a:ext uri="{28A0092B-C50C-407E-A947-70E740481C1C}">
                   <a14:useLocalDpi xmlns:a14="http://schemas.microsoft.com/office/drawing/2010/main" val="0"/>
@@ -35001,8 +33129,8 @@
           </p:blipFill>
           <p:spPr>
             <a:xfrm>
-              <a:off x="9532584" y="2289222"/>
-              <a:ext cx="436488" cy="478559"/>
+              <a:off x="8166056" y="3418463"/>
+              <a:ext cx="1917153" cy="1867053"/>
             </a:xfrm>
             <a:prstGeom prst="rect">
               <a:avLst/>
@@ -35011,10 +33139,10 @@
         </p:pic>
         <p:sp>
           <p:nvSpPr>
-            <p:cNvPr id="234" name="Rectangle 233">
+            <p:cNvPr id="49" name="Rounded Rectangle 105">
               <a:extLst>
                 <a:ext uri="{FF2B5EF4-FFF2-40B4-BE49-F238E27FC236}">
-                  <a16:creationId xmlns:a16="http://schemas.microsoft.com/office/drawing/2014/main" id="{92C3D1E1-9D9A-4743-B664-EA5ABF4B57AC}"/>
+                  <a16:creationId xmlns="" xmlns:a16="http://schemas.microsoft.com/office/drawing/2014/main" id="{4EE4CB66-D3BE-4DE8-813A-DFD683522CD1}"/>
                 </a:ext>
               </a:extLst>
             </p:cNvPr>
@@ -35023,8 +33151,1746 @@
           </p:nvSpPr>
           <p:spPr>
             <a:xfrm>
-              <a:off x="9510880" y="2464063"/>
-              <a:ext cx="471389" cy="105091"/>
+              <a:off x="8053911" y="1751828"/>
+              <a:ext cx="2073070" cy="1144492"/>
+            </a:xfrm>
+            <a:prstGeom prst="roundRect">
+              <a:avLst>
+                <a:gd name="adj" fmla="val 12449"/>
+              </a:avLst>
+            </a:prstGeom>
+            <a:solidFill>
+              <a:schemeClr val="bg1"/>
+            </a:solidFill>
+            <a:ln w="28575">
+              <a:solidFill>
+                <a:schemeClr val="accent2"/>
+              </a:solidFill>
+            </a:ln>
+          </p:spPr>
+          <p:style>
+            <a:lnRef idx="2">
+              <a:schemeClr val="accent1">
+                <a:shade val="50000"/>
+              </a:schemeClr>
+            </a:lnRef>
+            <a:fillRef idx="1">
+              <a:schemeClr val="accent1"/>
+            </a:fillRef>
+            <a:effectRef idx="0">
+              <a:schemeClr val="accent1"/>
+            </a:effectRef>
+            <a:fontRef idx="minor">
+              <a:schemeClr val="lt1"/>
+            </a:fontRef>
+          </p:style>
+          <p:txBody>
+            <a:bodyPr rtlCol="0" anchor="ctr"/>
+            <a:lstStyle/>
+            <a:p>
+              <a:pPr algn="ctr"/>
+              <a:r>
+                <a:rPr lang="en-US"/>
+                <a:t>vz</a:t>
+              </a:r>
+              <a:endParaRPr lang="en-US" dirty="0"/>
+            </a:p>
+          </p:txBody>
+        </p:sp>
+        <p:sp>
+          <p:nvSpPr>
+            <p:cNvPr id="15" name="TextBox 14">
+              <a:extLst>
+                <a:ext uri="{FF2B5EF4-FFF2-40B4-BE49-F238E27FC236}">
+                  <a16:creationId xmlns="" xmlns:a16="http://schemas.microsoft.com/office/drawing/2014/main" id="{AA020493-DFFC-4E55-A85B-129B71B8A63F}"/>
+                </a:ext>
+              </a:extLst>
+            </p:cNvPr>
+            <p:cNvSpPr txBox="1"/>
+            <p:nvPr/>
+          </p:nvSpPr>
+          <p:spPr>
+            <a:xfrm>
+              <a:off x="8063393" y="201911"/>
+              <a:ext cx="2075115" cy="318924"/>
+            </a:xfrm>
+            <a:prstGeom prst="rect">
+              <a:avLst/>
+            </a:prstGeom>
+            <a:solidFill>
+              <a:schemeClr val="bg1"/>
+            </a:solidFill>
+          </p:spPr>
+          <p:txBody>
+            <a:bodyPr wrap="square" tIns="36000" bIns="36000" rtlCol="0">
+              <a:spAutoFit/>
+            </a:bodyPr>
+            <a:lstStyle/>
+            <a:p>
+              <a:pPr defTabSz="685783">
+                <a:buClrTx/>
+              </a:pPr>
+              <a:r>
+                <a:rPr lang="en-US" sz="1600" dirty="0">
+                  <a:solidFill>
+                    <a:schemeClr val="tx1">
+                      <a:lumMod val="75000"/>
+                    </a:schemeClr>
+                  </a:solidFill>
+                  <a:latin typeface="Source Sans Pro Light" charset="0"/>
+                  <a:ea typeface="Source Sans Pro Light" charset="0"/>
+                  <a:cs typeface="Source Sans Pro Light" charset="0"/>
+                </a:rPr>
+                <a:t>         </a:t>
+              </a:r>
+              <a:r>
+                <a:rPr lang="en-US" sz="1600" dirty="0" err="1">
+                  <a:solidFill>
+                    <a:schemeClr val="tx1">
+                      <a:lumMod val="75000"/>
+                    </a:schemeClr>
+                  </a:solidFill>
+                  <a:latin typeface="Source Sans Pro Light" charset="0"/>
+                  <a:ea typeface="Source Sans Pro Light" charset="0"/>
+                  <a:cs typeface="Source Sans Pro Light" charset="0"/>
+                </a:rPr>
+                <a:t>MicroEJ</a:t>
+              </a:r>
+              <a:r>
+                <a:rPr lang="en-US" sz="1600" dirty="0">
+                  <a:solidFill>
+                    <a:schemeClr val="tx1">
+                      <a:lumMod val="75000"/>
+                    </a:schemeClr>
+                  </a:solidFill>
+                  <a:latin typeface="Source Sans Pro Light" charset="0"/>
+                  <a:ea typeface="Source Sans Pro Light" charset="0"/>
+                  <a:cs typeface="Source Sans Pro Light" charset="0"/>
+                </a:rPr>
+                <a:t> </a:t>
+              </a:r>
+              <a:r>
+                <a:rPr lang="en-US" sz="1600" dirty="0" smtClean="0">
+                  <a:solidFill>
+                    <a:schemeClr val="tx1">
+                      <a:lumMod val="75000"/>
+                    </a:schemeClr>
+                  </a:solidFill>
+                  <a:latin typeface="Source Sans Pro Light" charset="0"/>
+                  <a:ea typeface="Source Sans Pro Light" charset="0"/>
+                  <a:cs typeface="Source Sans Pro Light" charset="0"/>
+                </a:rPr>
+                <a:t>Resources</a:t>
+              </a:r>
+              <a:endParaRPr lang="en-US" sz="1600" dirty="0">
+                <a:solidFill>
+                  <a:schemeClr val="tx1">
+                    <a:lumMod val="75000"/>
+                  </a:schemeClr>
+                </a:solidFill>
+                <a:latin typeface="Source Sans Pro Light" charset="0"/>
+                <a:ea typeface="Source Sans Pro Light" charset="0"/>
+                <a:cs typeface="Source Sans Pro Light" charset="0"/>
+              </a:endParaRPr>
+            </a:p>
+          </p:txBody>
+        </p:sp>
+        <p:sp>
+          <p:nvSpPr>
+            <p:cNvPr id="19" name="Rounded Rectangle 114">
+              <a:extLst>
+                <a:ext uri="{FF2B5EF4-FFF2-40B4-BE49-F238E27FC236}">
+                  <a16:creationId xmlns="" xmlns:a16="http://schemas.microsoft.com/office/drawing/2014/main" id="{1D36DEA3-C198-40A7-930F-6A604581A596}"/>
+                </a:ext>
+              </a:extLst>
+            </p:cNvPr>
+            <p:cNvSpPr/>
+            <p:nvPr/>
+          </p:nvSpPr>
+          <p:spPr>
+            <a:xfrm>
+              <a:off x="8147567" y="3014698"/>
+              <a:ext cx="1867691" cy="324374"/>
+            </a:xfrm>
+            <a:prstGeom prst="roundRect">
+              <a:avLst>
+                <a:gd name="adj" fmla="val 19644"/>
+              </a:avLst>
+            </a:prstGeom>
+            <a:solidFill>
+              <a:schemeClr val="accent1"/>
+            </a:solidFill>
+            <a:ln w="12700">
+              <a:noFill/>
+            </a:ln>
+            <a:effectLst/>
+          </p:spPr>
+          <p:style>
+            <a:lnRef idx="2">
+              <a:schemeClr val="dk1"/>
+            </a:lnRef>
+            <a:fillRef idx="1">
+              <a:schemeClr val="lt1"/>
+            </a:fillRef>
+            <a:effectRef idx="0">
+              <a:schemeClr val="dk1"/>
+            </a:effectRef>
+            <a:fontRef idx="minor">
+              <a:schemeClr val="dk1"/>
+            </a:fontRef>
+          </p:style>
+          <p:txBody>
+            <a:bodyPr wrap="square" tIns="36000" bIns="36000" rtlCol="0" anchor="ctr">
+              <a:spAutoFit/>
+            </a:bodyPr>
+            <a:lstStyle/>
+            <a:p>
+              <a:pPr algn="ctr"/>
+              <a:r>
+                <a:rPr lang="en-US" sz="1400" b="1">
+                  <a:solidFill>
+                    <a:schemeClr val="bg1"/>
+                  </a:solidFill>
+                  <a:latin typeface="Source Sans Pro Semibold" charset="0"/>
+                  <a:ea typeface="Source Sans Pro Semibold" charset="0"/>
+                  <a:cs typeface="Source Sans Pro Light" charset="0"/>
+                </a:rPr>
+                <a:t>MicroEJ Application</a:t>
+              </a:r>
+            </a:p>
+          </p:txBody>
+        </p:sp>
+        <p:sp>
+          <p:nvSpPr>
+            <p:cNvPr id="25" name="Rounded Rectangle 114">
+              <a:extLst>
+                <a:ext uri="{FF2B5EF4-FFF2-40B4-BE49-F238E27FC236}">
+                  <a16:creationId xmlns="" xmlns:a16="http://schemas.microsoft.com/office/drawing/2014/main" id="{B65E21A1-B2EE-4D1F-9D6D-37123904C747}"/>
+                </a:ext>
+              </a:extLst>
+            </p:cNvPr>
+            <p:cNvSpPr/>
+            <p:nvPr/>
+          </p:nvSpPr>
+          <p:spPr>
+            <a:xfrm>
+              <a:off x="8147567" y="3397812"/>
+              <a:ext cx="1867691" cy="324374"/>
+            </a:xfrm>
+            <a:prstGeom prst="roundRect">
+              <a:avLst>
+                <a:gd name="adj" fmla="val 19644"/>
+              </a:avLst>
+            </a:prstGeom>
+            <a:solidFill>
+              <a:schemeClr val="accent1"/>
+            </a:solidFill>
+            <a:ln w="12700">
+              <a:noFill/>
+            </a:ln>
+            <a:effectLst/>
+          </p:spPr>
+          <p:style>
+            <a:lnRef idx="2">
+              <a:schemeClr val="dk1"/>
+            </a:lnRef>
+            <a:fillRef idx="1">
+              <a:schemeClr val="lt1"/>
+            </a:fillRef>
+            <a:effectRef idx="0">
+              <a:schemeClr val="dk1"/>
+            </a:effectRef>
+            <a:fontRef idx="minor">
+              <a:schemeClr val="dk1"/>
+            </a:fontRef>
+          </p:style>
+          <p:txBody>
+            <a:bodyPr wrap="square" tIns="36000" bIns="36000" rtlCol="0" anchor="ctr">
+              <a:spAutoFit/>
+            </a:bodyPr>
+            <a:lstStyle/>
+            <a:p>
+              <a:pPr algn="ctr"/>
+              <a:r>
+                <a:rPr lang="en-US" sz="1400" b="1">
+                  <a:solidFill>
+                    <a:schemeClr val="bg1"/>
+                  </a:solidFill>
+                  <a:latin typeface="Source Sans Pro Semibold" charset="0"/>
+                  <a:ea typeface="Source Sans Pro Semibold" charset="0"/>
+                  <a:cs typeface="Source Sans Pro Light" charset="0"/>
+                </a:rPr>
+                <a:t>Offline</a:t>
+              </a:r>
+              <a:r>
+                <a:rPr lang="en-US" sz="1400" b="1" i="1">
+                  <a:solidFill>
+                    <a:schemeClr val="bg1"/>
+                  </a:solidFill>
+                  <a:latin typeface="Source Sans Pro Semibold" charset="0"/>
+                  <a:ea typeface="Source Sans Pro Semibold" charset="0"/>
+                  <a:cs typeface="Source Sans Pro Light" charset="0"/>
+                </a:rPr>
+                <a:t> </a:t>
+              </a:r>
+              <a:r>
+                <a:rPr lang="en-US" sz="1400" b="1">
+                  <a:solidFill>
+                    <a:schemeClr val="bg1"/>
+                  </a:solidFill>
+                  <a:latin typeface="Source Sans Pro Semibold" charset="0"/>
+                  <a:ea typeface="Source Sans Pro Semibold" charset="0"/>
+                  <a:cs typeface="Source Sans Pro Light" charset="0"/>
+                </a:rPr>
+                <a:t>Repository</a:t>
+              </a:r>
+            </a:p>
+          </p:txBody>
+        </p:sp>
+        <p:pic>
+          <p:nvPicPr>
+            <p:cNvPr id="29" name="Picture 28">
+              <a:extLst>
+                <a:ext uri="{FF2B5EF4-FFF2-40B4-BE49-F238E27FC236}">
+                  <a16:creationId xmlns="" xmlns:a16="http://schemas.microsoft.com/office/drawing/2014/main" id="{D4737AF5-9142-4604-AD93-F7EFE7B3D9EF}"/>
+                </a:ext>
+              </a:extLst>
+            </p:cNvPr>
+            <p:cNvPicPr>
+              <a:picLocks noChangeAspect="1"/>
+            </p:cNvPicPr>
+            <p:nvPr/>
+          </p:nvPicPr>
+          <p:blipFill>
+            <a:blip r:embed="rId3" cstate="print">
+              <a:extLst>
+                <a:ext uri="{28A0092B-C50C-407E-A947-70E740481C1C}">
+                  <a14:useLocalDpi xmlns:a14="http://schemas.microsoft.com/office/drawing/2010/main" val="0"/>
+                </a:ext>
+              </a:extLst>
+            </a:blip>
+            <a:stretch>
+              <a:fillRect/>
+            </a:stretch>
+          </p:blipFill>
+          <p:spPr>
+            <a:xfrm>
+              <a:off x="8083828" y="150840"/>
+              <a:ext cx="402708" cy="402708"/>
+            </a:xfrm>
+            <a:prstGeom prst="rect">
+              <a:avLst/>
+            </a:prstGeom>
+          </p:spPr>
+        </p:pic>
+        <p:sp>
+          <p:nvSpPr>
+            <p:cNvPr id="83" name="TextBox 82">
+              <a:extLst>
+                <a:ext uri="{FF2B5EF4-FFF2-40B4-BE49-F238E27FC236}">
+                  <a16:creationId xmlns="" xmlns:a16="http://schemas.microsoft.com/office/drawing/2014/main" id="{3AB9F36E-0481-460D-A03A-69AF2060179C}"/>
+                </a:ext>
+              </a:extLst>
+            </p:cNvPr>
+            <p:cNvSpPr txBox="1"/>
+            <p:nvPr/>
+          </p:nvSpPr>
+          <p:spPr>
+            <a:xfrm>
+              <a:off x="2838019" y="150840"/>
+              <a:ext cx="1909987" cy="318924"/>
+            </a:xfrm>
+            <a:prstGeom prst="rect">
+              <a:avLst/>
+            </a:prstGeom>
+            <a:solidFill>
+              <a:schemeClr val="bg1"/>
+            </a:solidFill>
+          </p:spPr>
+          <p:txBody>
+            <a:bodyPr wrap="square" tIns="36000" bIns="36000" rtlCol="0">
+              <a:spAutoFit/>
+            </a:bodyPr>
+            <a:lstStyle/>
+            <a:p>
+              <a:pPr defTabSz="685783">
+                <a:buClrTx/>
+              </a:pPr>
+              <a:r>
+                <a:rPr lang="en-US" sz="1600">
+                  <a:solidFill>
+                    <a:schemeClr val="tx1">
+                      <a:lumMod val="75000"/>
+                    </a:schemeClr>
+                  </a:solidFill>
+                  <a:latin typeface="Source Sans Pro Light" charset="0"/>
+                  <a:ea typeface="Source Sans Pro Light" charset="0"/>
+                  <a:cs typeface="Source Sans Pro Light" charset="0"/>
+                </a:rPr>
+                <a:t>       Developer Setup</a:t>
+              </a:r>
+              <a:endParaRPr lang="en-US" sz="1600" dirty="0">
+                <a:solidFill>
+                  <a:schemeClr val="tx1">
+                    <a:lumMod val="75000"/>
+                  </a:schemeClr>
+                </a:solidFill>
+                <a:latin typeface="Source Sans Pro Light" charset="0"/>
+                <a:ea typeface="Source Sans Pro Light" charset="0"/>
+                <a:cs typeface="Source Sans Pro Light" charset="0"/>
+              </a:endParaRPr>
+            </a:p>
+          </p:txBody>
+        </p:sp>
+        <p:sp>
+          <p:nvSpPr>
+            <p:cNvPr id="85" name="Rounded Rectangle 114">
+              <a:extLst>
+                <a:ext uri="{FF2B5EF4-FFF2-40B4-BE49-F238E27FC236}">
+                  <a16:creationId xmlns="" xmlns:a16="http://schemas.microsoft.com/office/drawing/2014/main" id="{23B6A628-FCCC-4E65-8963-19973CA2E7D7}"/>
+                </a:ext>
+              </a:extLst>
+            </p:cNvPr>
+            <p:cNvSpPr/>
+            <p:nvPr/>
+          </p:nvSpPr>
+          <p:spPr>
+            <a:xfrm>
+              <a:off x="2855640" y="2604582"/>
+              <a:ext cx="1872208" cy="324374"/>
+            </a:xfrm>
+            <a:prstGeom prst="roundRect">
+              <a:avLst>
+                <a:gd name="adj" fmla="val 19644"/>
+              </a:avLst>
+            </a:prstGeom>
+            <a:noFill/>
+            <a:ln w="28575">
+              <a:solidFill>
+                <a:srgbClr val="EE502E"/>
+              </a:solidFill>
+            </a:ln>
+            <a:effectLst/>
+          </p:spPr>
+          <p:style>
+            <a:lnRef idx="2">
+              <a:schemeClr val="dk1"/>
+            </a:lnRef>
+            <a:fillRef idx="1">
+              <a:schemeClr val="lt1"/>
+            </a:fillRef>
+            <a:effectRef idx="0">
+              <a:schemeClr val="dk1"/>
+            </a:effectRef>
+            <a:fontRef idx="minor">
+              <a:schemeClr val="dk1"/>
+            </a:fontRef>
+          </p:style>
+          <p:txBody>
+            <a:bodyPr wrap="square" tIns="36000" bIns="36000" rtlCol="0" anchor="ctr">
+              <a:spAutoFit/>
+            </a:bodyPr>
+            <a:lstStyle/>
+            <a:p>
+              <a:pPr algn="ctr"/>
+              <a:r>
+                <a:rPr lang="en-US" sz="1400" b="1">
+                  <a:solidFill>
+                    <a:schemeClr val="bg1"/>
+                  </a:solidFill>
+                  <a:latin typeface="Source Sans Pro Semibold" charset="0"/>
+                  <a:ea typeface="Source Sans Pro Semibold" charset="0"/>
+                  <a:cs typeface="Source Sans Pro Semibold" charset="0"/>
+                </a:rPr>
+                <a:t>Java Projects</a:t>
+              </a:r>
+            </a:p>
+          </p:txBody>
+        </p:sp>
+        <p:sp>
+          <p:nvSpPr>
+            <p:cNvPr id="87" name="Rounded Rectangle 114">
+              <a:extLst>
+                <a:ext uri="{FF2B5EF4-FFF2-40B4-BE49-F238E27FC236}">
+                  <a16:creationId xmlns="" xmlns:a16="http://schemas.microsoft.com/office/drawing/2014/main" id="{AB1FDF19-F29D-4188-9A76-717A2E2D4076}"/>
+                </a:ext>
+              </a:extLst>
+            </p:cNvPr>
+            <p:cNvSpPr/>
+            <p:nvPr/>
+          </p:nvSpPr>
+          <p:spPr>
+            <a:xfrm>
+              <a:off x="2855638" y="3025295"/>
+              <a:ext cx="1872209" cy="809435"/>
+            </a:xfrm>
+            <a:prstGeom prst="roundRect">
+              <a:avLst>
+                <a:gd name="adj" fmla="val 7230"/>
+              </a:avLst>
+            </a:prstGeom>
+            <a:noFill/>
+            <a:ln w="28575">
+              <a:solidFill>
+                <a:srgbClr val="EE502E"/>
+              </a:solidFill>
+            </a:ln>
+            <a:effectLst/>
+          </p:spPr>
+          <p:style>
+            <a:lnRef idx="2">
+              <a:schemeClr val="dk1"/>
+            </a:lnRef>
+            <a:fillRef idx="1">
+              <a:schemeClr val="lt1"/>
+            </a:fillRef>
+            <a:effectRef idx="0">
+              <a:schemeClr val="dk1"/>
+            </a:effectRef>
+            <a:fontRef idx="minor">
+              <a:schemeClr val="dk1"/>
+            </a:fontRef>
+          </p:style>
+          <p:txBody>
+            <a:bodyPr wrap="square" tIns="36000" bIns="36000" rtlCol="0" anchor="ctr">
+              <a:spAutoFit/>
+            </a:bodyPr>
+            <a:lstStyle/>
+            <a:p>
+              <a:pPr algn="ctr"/>
+              <a:r>
+                <a:rPr lang="en-US" sz="1400" b="1" dirty="0" err="1">
+                  <a:solidFill>
+                    <a:schemeClr val="bg1"/>
+                  </a:solidFill>
+                  <a:latin typeface="Source Sans Pro Semibold" charset="0"/>
+                  <a:ea typeface="Source Sans Pro Semibold" charset="0"/>
+                  <a:cs typeface="Source Sans Pro Semibold" charset="0"/>
+                </a:rPr>
+                <a:t>MicroEJ</a:t>
+              </a:r>
+              <a:r>
+                <a:rPr lang="en-US" sz="1400" b="1" dirty="0">
+                  <a:solidFill>
+                    <a:schemeClr val="bg1"/>
+                  </a:solidFill>
+                  <a:latin typeface="Source Sans Pro Semibold" charset="0"/>
+                  <a:ea typeface="Source Sans Pro Semibold" charset="0"/>
+                  <a:cs typeface="Source Sans Pro Semibold" charset="0"/>
+                </a:rPr>
+                <a:t> Module</a:t>
+              </a:r>
+            </a:p>
+            <a:p>
+              <a:pPr algn="ctr"/>
+              <a:r>
+                <a:rPr lang="en-US" sz="1400" b="1" dirty="0">
+                  <a:solidFill>
+                    <a:schemeClr val="bg1"/>
+                  </a:solidFill>
+                  <a:latin typeface="Source Sans Pro Semibold" charset="0"/>
+                  <a:ea typeface="Source Sans Pro Semibold" charset="0"/>
+                  <a:cs typeface="Source Sans Pro Semibold" charset="0"/>
+                </a:rPr>
+                <a:t>Manager</a:t>
+              </a:r>
+            </a:p>
+            <a:p>
+              <a:pPr algn="ctr"/>
+              <a:r>
+                <a:rPr lang="en-US" sz="1400" b="1" dirty="0">
+                  <a:solidFill>
+                    <a:schemeClr val="bg1"/>
+                  </a:solidFill>
+                  <a:latin typeface="Source Sans Pro Semibold" charset="0"/>
+                  <a:ea typeface="Source Sans Pro Semibold" charset="0"/>
+                  <a:cs typeface="Source Sans Pro Semibold" charset="0"/>
+                </a:rPr>
+                <a:t>(MMM)</a:t>
+              </a:r>
+            </a:p>
+          </p:txBody>
+        </p:sp>
+        <p:pic>
+          <p:nvPicPr>
+            <p:cNvPr id="98" name="Picture 97">
+              <a:extLst>
+                <a:ext uri="{FF2B5EF4-FFF2-40B4-BE49-F238E27FC236}">
+                  <a16:creationId xmlns="" xmlns:a16="http://schemas.microsoft.com/office/drawing/2014/main" id="{E1A84BC3-43DA-4112-9E5E-E0F64EF88667}"/>
+                </a:ext>
+              </a:extLst>
+            </p:cNvPr>
+            <p:cNvPicPr>
+              <a:picLocks noChangeAspect="1"/>
+            </p:cNvPicPr>
+            <p:nvPr/>
+          </p:nvPicPr>
+          <p:blipFill>
+            <a:blip r:embed="rId4" cstate="print">
+              <a:extLst>
+                <a:ext uri="{28A0092B-C50C-407E-A947-70E740481C1C}">
+                  <a14:useLocalDpi xmlns:a14="http://schemas.microsoft.com/office/drawing/2010/main" val="0"/>
+                </a:ext>
+              </a:extLst>
+            </a:blip>
+            <a:stretch>
+              <a:fillRect/>
+            </a:stretch>
+          </p:blipFill>
+          <p:spPr>
+            <a:xfrm>
+              <a:off x="2838019" y="123307"/>
+              <a:ext cx="402708" cy="402708"/>
+            </a:xfrm>
+            <a:prstGeom prst="rect">
+              <a:avLst/>
+            </a:prstGeom>
+          </p:spPr>
+        </p:pic>
+        <p:sp>
+          <p:nvSpPr>
+            <p:cNvPr id="117" name="TextBox 116">
+              <a:extLst>
+                <a:ext uri="{FF2B5EF4-FFF2-40B4-BE49-F238E27FC236}">
+                  <a16:creationId xmlns="" xmlns:a16="http://schemas.microsoft.com/office/drawing/2014/main" id="{7919CBE3-81C7-4DD0-94ED-87CCA9F5D8E8}"/>
+                </a:ext>
+              </a:extLst>
+            </p:cNvPr>
+            <p:cNvSpPr txBox="1"/>
+            <p:nvPr/>
+          </p:nvSpPr>
+          <p:spPr>
+            <a:xfrm>
+              <a:off x="2765464" y="1852472"/>
+              <a:ext cx="1260637" cy="276999"/>
+            </a:xfrm>
+            <a:prstGeom prst="rect">
+              <a:avLst/>
+            </a:prstGeom>
+            <a:noFill/>
+          </p:spPr>
+          <p:txBody>
+            <a:bodyPr wrap="square" rtlCol="0">
+              <a:spAutoFit/>
+            </a:bodyPr>
+            <a:lstStyle/>
+            <a:p>
+              <a:r>
+                <a:rPr lang="en-US" sz="1200" b="1" dirty="0">
+                  <a:solidFill>
+                    <a:schemeClr val="bg1"/>
+                  </a:solidFill>
+                  <a:latin typeface="Source Sans Pro Semibold" charset="0"/>
+                  <a:ea typeface="Source Sans Pro Semibold" charset="0"/>
+                  <a:cs typeface="Source Sans Pro Semibold" charset="0"/>
+                </a:rPr>
+                <a:t>SDK Workspace</a:t>
+              </a:r>
+            </a:p>
+          </p:txBody>
+        </p:sp>
+        <p:sp>
+          <p:nvSpPr>
+            <p:cNvPr id="119" name="TextBox 118">
+              <a:extLst>
+                <a:ext uri="{FF2B5EF4-FFF2-40B4-BE49-F238E27FC236}">
+                  <a16:creationId xmlns="" xmlns:a16="http://schemas.microsoft.com/office/drawing/2014/main" id="{75380A88-4537-46CC-BEB6-83BD464DA85A}"/>
+                </a:ext>
+              </a:extLst>
+            </p:cNvPr>
+            <p:cNvSpPr txBox="1"/>
+            <p:nvPr/>
+          </p:nvSpPr>
+          <p:spPr>
+            <a:xfrm>
+              <a:off x="2654595" y="575130"/>
+              <a:ext cx="1495718" cy="276999"/>
+            </a:xfrm>
+            <a:prstGeom prst="rect">
+              <a:avLst/>
+            </a:prstGeom>
+            <a:noFill/>
+          </p:spPr>
+          <p:txBody>
+            <a:bodyPr wrap="square" rtlCol="0">
+              <a:spAutoFit/>
+            </a:bodyPr>
+            <a:lstStyle/>
+            <a:p>
+              <a:r>
+                <a:rPr lang="en-US" sz="1200" b="1" dirty="0" err="1">
+                  <a:latin typeface="Source Sans Pro Semibold" charset="0"/>
+                  <a:ea typeface="Source Sans Pro Semibold" charset="0"/>
+                  <a:cs typeface="Source Sans Pro Semibold" charset="0"/>
+                </a:rPr>
+                <a:t>MicroEJ</a:t>
+              </a:r>
+              <a:r>
+                <a:rPr lang="en-US" sz="1200" b="1" dirty="0">
+                  <a:latin typeface="Source Sans Pro Semibold" charset="0"/>
+                  <a:ea typeface="Source Sans Pro Semibold" charset="0"/>
+                  <a:cs typeface="Source Sans Pro Semibold" charset="0"/>
+                </a:rPr>
+                <a:t> SDK IDE</a:t>
+              </a:r>
+            </a:p>
+          </p:txBody>
+        </p:sp>
+        <p:sp>
+          <p:nvSpPr>
+            <p:cNvPr id="121" name="Rounded Rectangle 114">
+              <a:extLst>
+                <a:ext uri="{FF2B5EF4-FFF2-40B4-BE49-F238E27FC236}">
+                  <a16:creationId xmlns="" xmlns:a16="http://schemas.microsoft.com/office/drawing/2014/main" id="{C3BC971D-01A8-4300-B6EE-560EA7C7D394}"/>
+                </a:ext>
+              </a:extLst>
+            </p:cNvPr>
+            <p:cNvSpPr/>
+            <p:nvPr/>
+          </p:nvSpPr>
+          <p:spPr>
+            <a:xfrm>
+              <a:off x="2855640" y="2179882"/>
+              <a:ext cx="1872208" cy="324374"/>
+            </a:xfrm>
+            <a:prstGeom prst="roundRect">
+              <a:avLst>
+                <a:gd name="adj" fmla="val 19644"/>
+              </a:avLst>
+            </a:prstGeom>
+            <a:noFill/>
+            <a:ln w="28575">
+              <a:solidFill>
+                <a:srgbClr val="00AEC7"/>
+              </a:solidFill>
+            </a:ln>
+            <a:effectLst/>
+          </p:spPr>
+          <p:style>
+            <a:lnRef idx="2">
+              <a:schemeClr val="dk1"/>
+            </a:lnRef>
+            <a:fillRef idx="1">
+              <a:schemeClr val="lt1"/>
+            </a:fillRef>
+            <a:effectRef idx="0">
+              <a:schemeClr val="dk1"/>
+            </a:effectRef>
+            <a:fontRef idx="minor">
+              <a:schemeClr val="dk1"/>
+            </a:fontRef>
+          </p:style>
+          <p:txBody>
+            <a:bodyPr wrap="square" tIns="36000" bIns="36000" rtlCol="0" anchor="ctr">
+              <a:spAutoFit/>
+            </a:bodyPr>
+            <a:lstStyle/>
+            <a:p>
+              <a:pPr algn="ctr"/>
+              <a:r>
+                <a:rPr lang="en-US" sz="1400" b="1">
+                  <a:solidFill>
+                    <a:schemeClr val="bg1"/>
+                  </a:solidFill>
+                  <a:latin typeface="Source Sans Pro Semibold" charset="0"/>
+                  <a:ea typeface="Source Sans Pro Semibold" charset="0"/>
+                  <a:cs typeface="Source Sans Pro Semibold" charset="0"/>
+                </a:rPr>
+                <a:t>Platform Projects</a:t>
+              </a:r>
+            </a:p>
+          </p:txBody>
+        </p:sp>
+        <p:sp>
+          <p:nvSpPr>
+            <p:cNvPr id="123" name="Rounded Rectangle 114">
+              <a:extLst>
+                <a:ext uri="{FF2B5EF4-FFF2-40B4-BE49-F238E27FC236}">
+                  <a16:creationId xmlns="" xmlns:a16="http://schemas.microsoft.com/office/drawing/2014/main" id="{3C22549C-E7EC-4E20-8401-ADC527F14B89}"/>
+                </a:ext>
+              </a:extLst>
+            </p:cNvPr>
+            <p:cNvSpPr/>
+            <p:nvPr/>
+          </p:nvSpPr>
+          <p:spPr>
+            <a:xfrm>
+              <a:off x="8154423" y="2243100"/>
+              <a:ext cx="1867691" cy="566904"/>
+            </a:xfrm>
+            <a:prstGeom prst="roundRect">
+              <a:avLst>
+                <a:gd name="adj" fmla="val 19644"/>
+              </a:avLst>
+            </a:prstGeom>
+            <a:solidFill>
+              <a:srgbClr val="00AEC7"/>
+            </a:solidFill>
+            <a:ln w="12700">
+              <a:noFill/>
+            </a:ln>
+            <a:effectLst/>
+          </p:spPr>
+          <p:style>
+            <a:lnRef idx="2">
+              <a:schemeClr val="dk1"/>
+            </a:lnRef>
+            <a:fillRef idx="1">
+              <a:schemeClr val="lt1"/>
+            </a:fillRef>
+            <a:effectRef idx="0">
+              <a:schemeClr val="dk1"/>
+            </a:effectRef>
+            <a:fontRef idx="minor">
+              <a:schemeClr val="dk1"/>
+            </a:fontRef>
+          </p:style>
+          <p:txBody>
+            <a:bodyPr wrap="square" tIns="36000" bIns="36000" rtlCol="0" anchor="ctr">
+              <a:spAutoFit/>
+            </a:bodyPr>
+            <a:lstStyle/>
+            <a:p>
+              <a:pPr algn="ctr"/>
+              <a:r>
+                <a:rPr lang="en-US" sz="1400" b="1">
+                  <a:solidFill>
+                    <a:schemeClr val="bg1"/>
+                  </a:solidFill>
+                  <a:latin typeface="Source Sans Pro Semibold" charset="0"/>
+                  <a:ea typeface="Source Sans Pro Semibold" charset="0"/>
+                  <a:cs typeface="Source Sans Pro Light" charset="0"/>
+                </a:rPr>
+                <a:t>Platform Configuration</a:t>
+              </a:r>
+            </a:p>
+          </p:txBody>
+        </p:sp>
+        <p:sp>
+          <p:nvSpPr>
+            <p:cNvPr id="125" name="Rounded Rectangle 114">
+              <a:extLst>
+                <a:ext uri="{FF2B5EF4-FFF2-40B4-BE49-F238E27FC236}">
+                  <a16:creationId xmlns="" xmlns:a16="http://schemas.microsoft.com/office/drawing/2014/main" id="{4C068209-3EA3-428A-94F5-8C979958A54D}"/>
+                </a:ext>
+              </a:extLst>
+            </p:cNvPr>
+            <p:cNvSpPr/>
+            <p:nvPr/>
+          </p:nvSpPr>
+          <p:spPr>
+            <a:xfrm>
+              <a:off x="8154423" y="1855181"/>
+              <a:ext cx="1867691" cy="324374"/>
+            </a:xfrm>
+            <a:prstGeom prst="roundRect">
+              <a:avLst>
+                <a:gd name="adj" fmla="val 19644"/>
+              </a:avLst>
+            </a:prstGeom>
+            <a:solidFill>
+              <a:srgbClr val="00AEC7"/>
+            </a:solidFill>
+            <a:ln w="12700">
+              <a:noFill/>
+            </a:ln>
+            <a:effectLst/>
+          </p:spPr>
+          <p:style>
+            <a:lnRef idx="2">
+              <a:schemeClr val="dk1"/>
+            </a:lnRef>
+            <a:fillRef idx="1">
+              <a:schemeClr val="lt1"/>
+            </a:fillRef>
+            <a:effectRef idx="0">
+              <a:schemeClr val="dk1"/>
+            </a:effectRef>
+            <a:fontRef idx="minor">
+              <a:schemeClr val="dk1"/>
+            </a:fontRef>
+          </p:style>
+          <p:txBody>
+            <a:bodyPr wrap="square" tIns="36000" bIns="36000" rtlCol="0" anchor="ctr">
+              <a:spAutoFit/>
+            </a:bodyPr>
+            <a:lstStyle/>
+            <a:p>
+              <a:pPr algn="ctr"/>
+              <a:r>
+                <a:rPr lang="en-US" sz="1400" b="1">
+                  <a:solidFill>
+                    <a:schemeClr val="bg1"/>
+                  </a:solidFill>
+                  <a:latin typeface="Source Sans Pro Semibold" charset="0"/>
+                  <a:ea typeface="Source Sans Pro Semibold" charset="0"/>
+                  <a:cs typeface="Source Sans Pro Light" charset="0"/>
+                </a:rPr>
+                <a:t>BSP C Drivers</a:t>
+              </a:r>
+            </a:p>
+          </p:txBody>
+        </p:sp>
+        <p:sp>
+          <p:nvSpPr>
+            <p:cNvPr id="127" name="Rounded Rectangle 114">
+              <a:extLst>
+                <a:ext uri="{FF2B5EF4-FFF2-40B4-BE49-F238E27FC236}">
+                  <a16:creationId xmlns="" xmlns:a16="http://schemas.microsoft.com/office/drawing/2014/main" id="{B2F17F48-047C-4B94-8A7C-566FCDAB4FFC}"/>
+                </a:ext>
+              </a:extLst>
+            </p:cNvPr>
+            <p:cNvSpPr/>
+            <p:nvPr/>
+          </p:nvSpPr>
+          <p:spPr>
+            <a:xfrm>
+              <a:off x="2855640" y="1237883"/>
+              <a:ext cx="1872208" cy="324374"/>
+            </a:xfrm>
+            <a:prstGeom prst="roundRect">
+              <a:avLst>
+                <a:gd name="adj" fmla="val 19644"/>
+              </a:avLst>
+            </a:prstGeom>
+            <a:solidFill>
+              <a:srgbClr val="5B6D76"/>
+            </a:solidFill>
+            <a:ln w="12700">
+              <a:noFill/>
+            </a:ln>
+            <a:effectLst/>
+          </p:spPr>
+          <p:style>
+            <a:lnRef idx="2">
+              <a:schemeClr val="dk1"/>
+            </a:lnRef>
+            <a:fillRef idx="1">
+              <a:schemeClr val="lt1"/>
+            </a:fillRef>
+            <a:effectRef idx="0">
+              <a:schemeClr val="dk1"/>
+            </a:effectRef>
+            <a:fontRef idx="minor">
+              <a:schemeClr val="dk1"/>
+            </a:fontRef>
+          </p:style>
+          <p:txBody>
+            <a:bodyPr wrap="square" tIns="36000" bIns="36000" rtlCol="0" anchor="ctr">
+              <a:spAutoFit/>
+            </a:bodyPr>
+            <a:lstStyle/>
+            <a:p>
+              <a:pPr algn="ctr"/>
+              <a:r>
+                <a:rPr lang="en-US" sz="1400" b="1" dirty="0" err="1">
+                  <a:solidFill>
+                    <a:schemeClr val="bg1"/>
+                  </a:solidFill>
+                  <a:latin typeface="Source Sans Pro Semibold" charset="0"/>
+                  <a:ea typeface="Source Sans Pro Semibold" charset="0"/>
+                  <a:cs typeface="Source Sans Pro Semibold" charset="0"/>
+                </a:rPr>
+                <a:t>MicroEJ</a:t>
+              </a:r>
+              <a:r>
+                <a:rPr lang="en-US" sz="1400" b="1" dirty="0">
+                  <a:solidFill>
+                    <a:schemeClr val="bg1"/>
+                  </a:solidFill>
+                  <a:latin typeface="Source Sans Pro Semibold" charset="0"/>
+                  <a:ea typeface="Source Sans Pro Semibold" charset="0"/>
+                  <a:cs typeface="Source Sans Pro Light" charset="0"/>
+                </a:rPr>
+                <a:t> Architecture</a:t>
+              </a:r>
+            </a:p>
+          </p:txBody>
+        </p:sp>
+        <p:sp>
+          <p:nvSpPr>
+            <p:cNvPr id="129" name="Rounded Rectangle 114">
+              <a:extLst>
+                <a:ext uri="{FF2B5EF4-FFF2-40B4-BE49-F238E27FC236}">
+                  <a16:creationId xmlns="" xmlns:a16="http://schemas.microsoft.com/office/drawing/2014/main" id="{86C790C5-092C-46A0-BE5E-8BE15DE5A4F7}"/>
+                </a:ext>
+              </a:extLst>
+            </p:cNvPr>
+            <p:cNvSpPr/>
+            <p:nvPr/>
+          </p:nvSpPr>
+          <p:spPr>
+            <a:xfrm>
+              <a:off x="2838020" y="4221823"/>
+              <a:ext cx="1909485" cy="324374"/>
+            </a:xfrm>
+            <a:prstGeom prst="roundRect">
+              <a:avLst>
+                <a:gd name="adj" fmla="val 19644"/>
+              </a:avLst>
+            </a:prstGeom>
+            <a:solidFill>
+              <a:srgbClr val="5B6D76"/>
+            </a:solidFill>
+            <a:ln w="12700">
+              <a:noFill/>
+            </a:ln>
+            <a:effectLst/>
+          </p:spPr>
+          <p:style>
+            <a:lnRef idx="2">
+              <a:schemeClr val="dk1"/>
+            </a:lnRef>
+            <a:fillRef idx="1">
+              <a:schemeClr val="lt1"/>
+            </a:fillRef>
+            <a:effectRef idx="0">
+              <a:schemeClr val="dk1"/>
+            </a:effectRef>
+            <a:fontRef idx="minor">
+              <a:schemeClr val="dk1"/>
+            </a:fontRef>
+          </p:style>
+          <p:txBody>
+            <a:bodyPr wrap="square" tIns="36000" bIns="36000" rtlCol="0" anchor="ctr">
+              <a:spAutoFit/>
+            </a:bodyPr>
+            <a:lstStyle/>
+            <a:p>
+              <a:pPr algn="ctr"/>
+              <a:r>
+                <a:rPr lang="en-US" sz="1400" b="1">
+                  <a:solidFill>
+                    <a:schemeClr val="bg1"/>
+                  </a:solidFill>
+                  <a:latin typeface="Source Sans Pro Semibold" charset="0"/>
+                  <a:ea typeface="Source Sans Pro Semibold" charset="0"/>
+                  <a:cs typeface="Source Sans Pro Light" charset="0"/>
+                </a:rPr>
+                <a:t>C Toolchain</a:t>
+              </a:r>
+            </a:p>
+          </p:txBody>
+        </p:sp>
+        <p:sp>
+          <p:nvSpPr>
+            <p:cNvPr id="131" name="Rounded Rectangle 114">
+              <a:extLst>
+                <a:ext uri="{FF2B5EF4-FFF2-40B4-BE49-F238E27FC236}">
+                  <a16:creationId xmlns="" xmlns:a16="http://schemas.microsoft.com/office/drawing/2014/main" id="{D4E6FA0B-3D4E-44B2-8289-D335B8ECC9AF}"/>
+                </a:ext>
+              </a:extLst>
+            </p:cNvPr>
+            <p:cNvSpPr/>
+            <p:nvPr/>
+          </p:nvSpPr>
+          <p:spPr>
+            <a:xfrm>
+              <a:off x="8154423" y="821647"/>
+              <a:ext cx="1867691" cy="324374"/>
+            </a:xfrm>
+            <a:prstGeom prst="roundRect">
+              <a:avLst>
+                <a:gd name="adj" fmla="val 19644"/>
+              </a:avLst>
+            </a:prstGeom>
+            <a:solidFill>
+              <a:srgbClr val="5B6D76"/>
+            </a:solidFill>
+            <a:ln w="12700">
+              <a:noFill/>
+            </a:ln>
+            <a:effectLst/>
+          </p:spPr>
+          <p:style>
+            <a:lnRef idx="2">
+              <a:schemeClr val="dk1"/>
+            </a:lnRef>
+            <a:fillRef idx="1">
+              <a:schemeClr val="lt1"/>
+            </a:fillRef>
+            <a:effectRef idx="0">
+              <a:schemeClr val="dk1"/>
+            </a:effectRef>
+            <a:fontRef idx="minor">
+              <a:schemeClr val="dk1"/>
+            </a:fontRef>
+          </p:style>
+          <p:txBody>
+            <a:bodyPr wrap="square" tIns="36000" bIns="36000" rtlCol="0" anchor="ctr">
+              <a:spAutoFit/>
+            </a:bodyPr>
+            <a:lstStyle/>
+            <a:p>
+              <a:pPr algn="ctr"/>
+              <a:r>
+                <a:rPr lang="en-US" sz="1400" b="1">
+                  <a:solidFill>
+                    <a:schemeClr val="bg1"/>
+                  </a:solidFill>
+                  <a:latin typeface="Source Sans Pro Semibold" charset="0"/>
+                  <a:ea typeface="Source Sans Pro Semibold" charset="0"/>
+                  <a:cs typeface="Source Sans Pro Light" charset="0"/>
+                </a:rPr>
+                <a:t>MicroEJ Architecture</a:t>
+              </a:r>
+            </a:p>
+          </p:txBody>
+        </p:sp>
+        <p:sp>
+          <p:nvSpPr>
+            <p:cNvPr id="135" name="TextBox 134">
+              <a:extLst>
+                <a:ext uri="{FF2B5EF4-FFF2-40B4-BE49-F238E27FC236}">
+                  <a16:creationId xmlns="" xmlns:a16="http://schemas.microsoft.com/office/drawing/2014/main" id="{656FFD6D-3BF2-4097-AD2F-529C514C43FF}"/>
+                </a:ext>
+              </a:extLst>
+            </p:cNvPr>
+            <p:cNvSpPr txBox="1"/>
+            <p:nvPr/>
+          </p:nvSpPr>
+          <p:spPr>
+            <a:xfrm>
+              <a:off x="2765464" y="937276"/>
+              <a:ext cx="2267590" cy="276999"/>
+            </a:xfrm>
+            <a:prstGeom prst="rect">
+              <a:avLst/>
+            </a:prstGeom>
+            <a:noFill/>
+          </p:spPr>
+          <p:txBody>
+            <a:bodyPr wrap="square" rtlCol="0">
+              <a:spAutoFit/>
+            </a:bodyPr>
+            <a:lstStyle/>
+            <a:p>
+              <a:r>
+                <a:rPr lang="en-US" sz="1200" b="1" dirty="0" err="1">
+                  <a:solidFill>
+                    <a:schemeClr val="bg1"/>
+                  </a:solidFill>
+                  <a:latin typeface="Source Sans Pro Semibold" charset="0"/>
+                  <a:ea typeface="Source Sans Pro Semibold" charset="0"/>
+                  <a:cs typeface="Source Sans Pro Semibold" charset="0"/>
+                </a:rPr>
+                <a:t>MicroEJ</a:t>
+              </a:r>
+              <a:r>
+                <a:rPr lang="en-US" sz="1200" b="1" dirty="0">
+                  <a:solidFill>
+                    <a:schemeClr val="bg1"/>
+                  </a:solidFill>
+                  <a:latin typeface="Source Sans Pro Semibold" charset="0"/>
+                  <a:ea typeface="Source Sans Pro Semibold" charset="0"/>
+                  <a:cs typeface="Source Sans Pro Semibold" charset="0"/>
+                </a:rPr>
+                <a:t> Repository</a:t>
+              </a:r>
+            </a:p>
+          </p:txBody>
+        </p:sp>
+        <p:cxnSp>
+          <p:nvCxnSpPr>
+            <p:cNvPr id="137" name="Straight Arrow Connector 136">
+              <a:extLst>
+                <a:ext uri="{FF2B5EF4-FFF2-40B4-BE49-F238E27FC236}">
+                  <a16:creationId xmlns="" xmlns:a16="http://schemas.microsoft.com/office/drawing/2014/main" id="{DD6E312E-41A2-4E7E-B762-4D3AC37044F7}"/>
+                </a:ext>
+              </a:extLst>
+            </p:cNvPr>
+            <p:cNvCxnSpPr>
+              <a:cxnSpLocks/>
+              <a:endCxn id="127" idx="3"/>
+            </p:cNvCxnSpPr>
+            <p:nvPr/>
+          </p:nvCxnSpPr>
+          <p:spPr>
+            <a:xfrm flipH="1" flipV="1">
+              <a:off x="4727848" y="1400070"/>
+              <a:ext cx="3317193" cy="5179"/>
+            </a:xfrm>
+            <a:prstGeom prst="straightConnector1">
+              <a:avLst/>
+            </a:prstGeom>
+            <a:ln w="28575">
+              <a:solidFill>
+                <a:srgbClr val="5B6D76"/>
+              </a:solidFill>
+              <a:tailEnd type="triangle"/>
+            </a:ln>
+          </p:spPr>
+          <p:style>
+            <a:lnRef idx="1">
+              <a:schemeClr val="accent1"/>
+            </a:lnRef>
+            <a:fillRef idx="0">
+              <a:schemeClr val="accent1"/>
+            </a:fillRef>
+            <a:effectRef idx="0">
+              <a:schemeClr val="accent1"/>
+            </a:effectRef>
+            <a:fontRef idx="minor">
+              <a:schemeClr val="tx1"/>
+            </a:fontRef>
+          </p:style>
+        </p:cxnSp>
+        <p:cxnSp>
+          <p:nvCxnSpPr>
+            <p:cNvPr id="139" name="Straight Arrow Connector 138">
+              <a:extLst>
+                <a:ext uri="{FF2B5EF4-FFF2-40B4-BE49-F238E27FC236}">
+                  <a16:creationId xmlns="" xmlns:a16="http://schemas.microsoft.com/office/drawing/2014/main" id="{64ADD20C-B063-4A53-8F52-BE7CC7F8A8F9}"/>
+                </a:ext>
+              </a:extLst>
+            </p:cNvPr>
+            <p:cNvCxnSpPr>
+              <a:cxnSpLocks/>
+              <a:stCxn id="49" idx="1"/>
+              <a:endCxn id="121" idx="3"/>
+            </p:cNvCxnSpPr>
+            <p:nvPr/>
+          </p:nvCxnSpPr>
+          <p:spPr>
+            <a:xfrm flipH="1">
+              <a:off x="4727848" y="2324074"/>
+              <a:ext cx="3326063" cy="17995"/>
+            </a:xfrm>
+            <a:prstGeom prst="straightConnector1">
+              <a:avLst/>
+            </a:prstGeom>
+            <a:ln w="28575">
+              <a:solidFill>
+                <a:srgbClr val="00AEC7"/>
+              </a:solidFill>
+              <a:tailEnd type="triangle"/>
+            </a:ln>
+          </p:spPr>
+          <p:style>
+            <a:lnRef idx="1">
+              <a:schemeClr val="accent1"/>
+            </a:lnRef>
+            <a:fillRef idx="0">
+              <a:schemeClr val="accent1"/>
+            </a:fillRef>
+            <a:effectRef idx="0">
+              <a:schemeClr val="accent1"/>
+            </a:effectRef>
+            <a:fontRef idx="minor">
+              <a:schemeClr val="tx1"/>
+            </a:fontRef>
+          </p:style>
+        </p:cxnSp>
+        <p:cxnSp>
+          <p:nvCxnSpPr>
+            <p:cNvPr id="150" name="Straight Arrow Connector 149">
+              <a:extLst>
+                <a:ext uri="{FF2B5EF4-FFF2-40B4-BE49-F238E27FC236}">
+                  <a16:creationId xmlns="" xmlns:a16="http://schemas.microsoft.com/office/drawing/2014/main" id="{EEC1D79B-F7DD-4944-8B47-7221AC95BB2F}"/>
+                </a:ext>
+              </a:extLst>
+            </p:cNvPr>
+            <p:cNvCxnSpPr>
+              <a:cxnSpLocks/>
+            </p:cNvCxnSpPr>
+            <p:nvPr/>
+          </p:nvCxnSpPr>
+          <p:spPr>
+            <a:xfrm flipH="1">
+              <a:off x="4740190" y="3629733"/>
+              <a:ext cx="3377914" cy="0"/>
+            </a:xfrm>
+            <a:prstGeom prst="straightConnector1">
+              <a:avLst/>
+            </a:prstGeom>
+            <a:ln w="28575">
+              <a:tailEnd type="triangle"/>
+            </a:ln>
+          </p:spPr>
+          <p:style>
+            <a:lnRef idx="1">
+              <a:schemeClr val="accent1"/>
+            </a:lnRef>
+            <a:fillRef idx="0">
+              <a:schemeClr val="accent1"/>
+            </a:fillRef>
+            <a:effectRef idx="0">
+              <a:schemeClr val="accent1"/>
+            </a:effectRef>
+            <a:fontRef idx="minor">
+              <a:schemeClr val="tx1"/>
+            </a:fontRef>
+          </p:style>
+        </p:cxnSp>
+        <p:sp>
+          <p:nvSpPr>
+            <p:cNvPr id="169" name="TextBox 168">
+              <a:extLst>
+                <a:ext uri="{FF2B5EF4-FFF2-40B4-BE49-F238E27FC236}">
+                  <a16:creationId xmlns="" xmlns:a16="http://schemas.microsoft.com/office/drawing/2014/main" id="{F3CCDCD2-9CAF-4075-9D88-CB832DFEBFA5}"/>
+                </a:ext>
+              </a:extLst>
+            </p:cNvPr>
+            <p:cNvSpPr txBox="1"/>
+            <p:nvPr/>
+          </p:nvSpPr>
+          <p:spPr>
+            <a:xfrm>
+              <a:off x="5489462" y="2017544"/>
+              <a:ext cx="1969074" cy="184666"/>
+            </a:xfrm>
+            <a:prstGeom prst="rect">
+              <a:avLst/>
+            </a:prstGeom>
+            <a:noFill/>
+          </p:spPr>
+          <p:txBody>
+            <a:bodyPr vert="horz" wrap="square" lIns="0" tIns="0" rIns="0" bIns="0" numCol="1" spcCol="288000" rtlCol="0" anchor="t" anchorCtr="0">
+              <a:spAutoFit/>
+            </a:bodyPr>
+            <a:lstStyle/>
+            <a:p>
+              <a:pPr algn="ctr">
+                <a:spcBef>
+                  <a:spcPts val="0"/>
+                </a:spcBef>
+                <a:spcAft>
+                  <a:spcPts val="600"/>
+                </a:spcAft>
+              </a:pPr>
+              <a:r>
+                <a:rPr lang="en-US" sz="1200" spc="0" dirty="0">
+                  <a:ln>
+                    <a:noFill/>
+                  </a:ln>
+                  <a:solidFill>
+                    <a:srgbClr val="00AEC7"/>
+                  </a:solidFill>
+                  <a:latin typeface="Source Sans Pro Light" charset="0"/>
+                  <a:ea typeface="Source Sans Pro Light" charset="0"/>
+                  <a:cs typeface="Source Sans Pro Light" charset="0"/>
+                </a:rPr>
+                <a:t>Import </a:t>
+              </a:r>
+              <a:r>
+                <a:rPr lang="en-US" sz="1200" spc="0" dirty="0" smtClean="0">
+                  <a:ln>
+                    <a:noFill/>
+                  </a:ln>
+                  <a:solidFill>
+                    <a:srgbClr val="00AEC7"/>
+                  </a:solidFill>
+                  <a:latin typeface="Source Sans Pro Light" charset="0"/>
+                  <a:ea typeface="Source Sans Pro Light" charset="0"/>
+                  <a:cs typeface="Source Sans Pro Light" charset="0"/>
+                </a:rPr>
+                <a:t>platform in </a:t>
+              </a:r>
+              <a:r>
+                <a:rPr lang="en-US" sz="1200" spc="0" dirty="0">
+                  <a:ln>
+                    <a:noFill/>
+                  </a:ln>
+                  <a:solidFill>
+                    <a:srgbClr val="00AEC7"/>
+                  </a:solidFill>
+                  <a:latin typeface="Source Sans Pro Light" charset="0"/>
+                  <a:ea typeface="Source Sans Pro Light" charset="0"/>
+                  <a:cs typeface="Source Sans Pro Light" charset="0"/>
+                </a:rPr>
+                <a:t>workspace</a:t>
+              </a:r>
+            </a:p>
+          </p:txBody>
+        </p:sp>
+        <p:sp>
+          <p:nvSpPr>
+            <p:cNvPr id="173" name="TextBox 172">
+              <a:extLst>
+                <a:ext uri="{FF2B5EF4-FFF2-40B4-BE49-F238E27FC236}">
+                  <a16:creationId xmlns="" xmlns:a16="http://schemas.microsoft.com/office/drawing/2014/main" id="{265E5B4D-30CC-42C2-8AC0-3586FA23FFAC}"/>
+                </a:ext>
+              </a:extLst>
+            </p:cNvPr>
+            <p:cNvSpPr txBox="1"/>
+            <p:nvPr/>
+          </p:nvSpPr>
+          <p:spPr>
+            <a:xfrm>
+              <a:off x="5135977" y="2541192"/>
+              <a:ext cx="2600969" cy="115416"/>
+            </a:xfrm>
+            <a:prstGeom prst="rect">
+              <a:avLst/>
+            </a:prstGeom>
+            <a:noFill/>
+          </p:spPr>
+          <p:txBody>
+            <a:bodyPr vert="horz" wrap="square" lIns="0" tIns="0" rIns="0" bIns="0" numCol="1" spcCol="288000" rtlCol="0" anchor="t" anchorCtr="0">
+              <a:spAutoFit/>
+            </a:bodyPr>
+            <a:lstStyle/>
+            <a:p>
+              <a:pPr algn="ctr">
+                <a:lnSpc>
+                  <a:spcPts val="940"/>
+                </a:lnSpc>
+                <a:spcBef>
+                  <a:spcPts val="0"/>
+                </a:spcBef>
+                <a:spcAft>
+                  <a:spcPts val="600"/>
+                </a:spcAft>
+              </a:pPr>
+              <a:r>
+                <a:rPr lang="en-US" sz="1200" i="0" spc="0" dirty="0">
+                  <a:ln>
+                    <a:noFill/>
+                  </a:ln>
+                  <a:solidFill>
+                    <a:srgbClr val="EE502E"/>
+                  </a:solidFill>
+                  <a:latin typeface="Source Sans Pro Light" charset="0"/>
+                  <a:ea typeface="Source Sans Pro Light" charset="0"/>
+                  <a:cs typeface="Source Sans Pro Light" charset="0"/>
+                </a:rPr>
+                <a:t>Import </a:t>
+              </a:r>
+              <a:r>
+                <a:rPr lang="en-US" sz="1200" i="0" spc="0">
+                  <a:ln>
+                    <a:noFill/>
+                  </a:ln>
+                  <a:solidFill>
+                    <a:srgbClr val="EE502E"/>
+                  </a:solidFill>
+                  <a:latin typeface="Source Sans Pro Light" charset="0"/>
+                  <a:ea typeface="Source Sans Pro Light" charset="0"/>
+                  <a:cs typeface="Source Sans Pro Light" charset="0"/>
+                </a:rPr>
+                <a:t>Java </a:t>
+              </a:r>
+              <a:r>
+                <a:rPr lang="en-US" sz="1200" i="0" spc="0" smtClean="0">
+                  <a:ln>
+                    <a:noFill/>
+                  </a:ln>
+                  <a:solidFill>
+                    <a:srgbClr val="EE502E"/>
+                  </a:solidFill>
+                  <a:latin typeface="Source Sans Pro Light" charset="0"/>
+                  <a:ea typeface="Source Sans Pro Light" charset="0"/>
+                  <a:cs typeface="Source Sans Pro Light" charset="0"/>
+                </a:rPr>
+                <a:t>application in </a:t>
+              </a:r>
+              <a:r>
+                <a:rPr lang="en-US" sz="1200" i="0" spc="0" dirty="0">
+                  <a:ln>
+                    <a:noFill/>
+                  </a:ln>
+                  <a:solidFill>
+                    <a:srgbClr val="EE502E"/>
+                  </a:solidFill>
+                  <a:latin typeface="Source Sans Pro Light" charset="0"/>
+                  <a:ea typeface="Source Sans Pro Light" charset="0"/>
+                  <a:cs typeface="Source Sans Pro Light" charset="0"/>
+                </a:rPr>
+                <a:t>workspace</a:t>
+              </a:r>
+            </a:p>
+          </p:txBody>
+        </p:sp>
+        <p:sp>
+          <p:nvSpPr>
+            <p:cNvPr id="175" name="TextBox 174">
+              <a:extLst>
+                <a:ext uri="{FF2B5EF4-FFF2-40B4-BE49-F238E27FC236}">
+                  <a16:creationId xmlns="" xmlns:a16="http://schemas.microsoft.com/office/drawing/2014/main" id="{DFCE4E0F-0EBE-4B23-B724-9867E1476585}"/>
+                </a:ext>
+              </a:extLst>
+            </p:cNvPr>
+            <p:cNvSpPr txBox="1"/>
+            <p:nvPr/>
+          </p:nvSpPr>
+          <p:spPr>
+            <a:xfrm>
+              <a:off x="5336398" y="3200854"/>
+              <a:ext cx="2294191" cy="184666"/>
+            </a:xfrm>
+            <a:prstGeom prst="rect">
+              <a:avLst/>
+            </a:prstGeom>
+            <a:noFill/>
+          </p:spPr>
+          <p:txBody>
+            <a:bodyPr vert="horz" wrap="square" lIns="0" tIns="0" rIns="0" bIns="0" numCol="1" spcCol="288000" rtlCol="0" anchor="t" anchorCtr="0">
+              <a:spAutoFit/>
+            </a:bodyPr>
+            <a:lstStyle/>
+            <a:p>
+              <a:pPr algn="ctr">
+                <a:spcBef>
+                  <a:spcPts val="0"/>
+                </a:spcBef>
+                <a:spcAft>
+                  <a:spcPts val="600"/>
+                </a:spcAft>
+              </a:pPr>
+              <a:r>
+                <a:rPr lang="en-US" sz="1200" spc="0" dirty="0">
+                  <a:ln>
+                    <a:noFill/>
+                  </a:ln>
+                  <a:solidFill>
+                    <a:srgbClr val="EE502E"/>
+                  </a:solidFill>
+                  <a:latin typeface="Source Sans Pro Light" charset="0"/>
+                  <a:ea typeface="Source Sans Pro Light" charset="0"/>
+                  <a:cs typeface="Source Sans Pro Light" charset="0"/>
+                </a:rPr>
+                <a:t>Import offline repository </a:t>
+              </a:r>
+              <a:r>
+                <a:rPr lang="en-US" sz="1200" dirty="0">
+                  <a:solidFill>
+                    <a:srgbClr val="EE502E"/>
+                  </a:solidFill>
+                  <a:latin typeface="Source Sans Pro Light" charset="0"/>
+                  <a:ea typeface="Source Sans Pro Light" charset="0"/>
+                  <a:cs typeface="Source Sans Pro Light" charset="0"/>
+                </a:rPr>
+                <a:t>(optional)</a:t>
+              </a:r>
+              <a:endParaRPr lang="en-US" sz="1200" spc="0" dirty="0">
+                <a:ln>
+                  <a:noFill/>
+                </a:ln>
+                <a:solidFill>
+                  <a:srgbClr val="EE502E"/>
+                </a:solidFill>
+                <a:latin typeface="Source Sans Pro Light" charset="0"/>
+                <a:ea typeface="Source Sans Pro Light" charset="0"/>
+                <a:cs typeface="Source Sans Pro Light" charset="0"/>
+              </a:endParaRPr>
+            </a:p>
+          </p:txBody>
+        </p:sp>
+        <p:sp>
+          <p:nvSpPr>
+            <p:cNvPr id="177" name="TextBox 176">
+              <a:extLst>
+                <a:ext uri="{FF2B5EF4-FFF2-40B4-BE49-F238E27FC236}">
+                  <a16:creationId xmlns="" xmlns:a16="http://schemas.microsoft.com/office/drawing/2014/main" id="{F1753A14-2EC3-4B43-9F13-78F208C94A82}"/>
+                </a:ext>
+              </a:extLst>
+            </p:cNvPr>
+            <p:cNvSpPr txBox="1"/>
+            <p:nvPr/>
+          </p:nvSpPr>
+          <p:spPr>
+            <a:xfrm>
+              <a:off x="5487109" y="3708220"/>
+              <a:ext cx="1969074" cy="184666"/>
+            </a:xfrm>
+            <a:prstGeom prst="rect">
+              <a:avLst/>
+            </a:prstGeom>
+            <a:noFill/>
+          </p:spPr>
+          <p:txBody>
+            <a:bodyPr vert="horz" wrap="square" lIns="0" tIns="0" rIns="0" bIns="0" numCol="1" spcCol="288000" rtlCol="0" anchor="t" anchorCtr="0">
+              <a:spAutoFit/>
+            </a:bodyPr>
+            <a:lstStyle/>
+            <a:p>
+              <a:pPr algn="ctr">
+                <a:spcBef>
+                  <a:spcPts val="0"/>
+                </a:spcBef>
+                <a:spcAft>
+                  <a:spcPts val="600"/>
+                </a:spcAft>
+              </a:pPr>
+              <a:r>
+                <a:rPr lang="en-US" sz="1200" spc="0" dirty="0">
+                  <a:ln>
+                    <a:noFill/>
+                  </a:ln>
+                  <a:solidFill>
+                    <a:srgbClr val="EE502E"/>
+                  </a:solidFill>
+                  <a:latin typeface="Source Sans Pro Light" charset="0"/>
+                  <a:ea typeface="Source Sans Pro Light" charset="0"/>
+                  <a:cs typeface="Source Sans Pro Light" charset="0"/>
+                </a:rPr>
+                <a:t>Update Ivy Settings</a:t>
+              </a:r>
+            </a:p>
+          </p:txBody>
+        </p:sp>
+        <p:sp>
+          <p:nvSpPr>
+            <p:cNvPr id="179" name="TextBox 178">
+              <a:extLst>
+                <a:ext uri="{FF2B5EF4-FFF2-40B4-BE49-F238E27FC236}">
+                  <a16:creationId xmlns="" xmlns:a16="http://schemas.microsoft.com/office/drawing/2014/main" id="{09F1F4F5-C1B4-47B3-B18F-076B70A4E0F2}"/>
+                </a:ext>
+              </a:extLst>
+            </p:cNvPr>
+            <p:cNvSpPr txBox="1"/>
+            <p:nvPr/>
+          </p:nvSpPr>
+          <p:spPr>
+            <a:xfrm>
+              <a:off x="5463477" y="882711"/>
+              <a:ext cx="1969074" cy="363882"/>
+            </a:xfrm>
+            <a:prstGeom prst="rect">
+              <a:avLst/>
+            </a:prstGeom>
+            <a:noFill/>
+          </p:spPr>
+          <p:txBody>
+            <a:bodyPr vert="horz" wrap="square" lIns="0" tIns="0" rIns="0" bIns="0" numCol="1" spcCol="288000" rtlCol="0" anchor="t" anchorCtr="0">
+              <a:spAutoFit/>
+            </a:bodyPr>
+            <a:lstStyle/>
+            <a:p>
+              <a:pPr algn="ctr">
+                <a:lnSpc>
+                  <a:spcPts val="1140"/>
+                </a:lnSpc>
+                <a:spcBef>
+                  <a:spcPts val="0"/>
+                </a:spcBef>
+                <a:spcAft>
+                  <a:spcPts val="600"/>
+                </a:spcAft>
+              </a:pPr>
+              <a:r>
+                <a:rPr lang="en-US" sz="1200" spc="0" dirty="0">
+                  <a:ln>
+                    <a:noFill/>
+                  </a:ln>
+                  <a:solidFill>
+                    <a:srgbClr val="5B6D76"/>
+                  </a:solidFill>
+                  <a:latin typeface="Source Sans Pro Light" charset="0"/>
+                  <a:ea typeface="Source Sans Pro Light" charset="0"/>
+                  <a:cs typeface="Source Sans Pro Light" charset="0"/>
+                </a:rPr>
+                <a:t>Import required</a:t>
+              </a:r>
+            </a:p>
+            <a:p>
+              <a:pPr algn="ctr">
+                <a:lnSpc>
+                  <a:spcPts val="1140"/>
+                </a:lnSpc>
+                <a:spcBef>
+                  <a:spcPts val="0"/>
+                </a:spcBef>
+                <a:spcAft>
+                  <a:spcPts val="600"/>
+                </a:spcAft>
+              </a:pPr>
+              <a:r>
+                <a:rPr lang="en-US" sz="1200" dirty="0" err="1">
+                  <a:solidFill>
+                    <a:srgbClr val="5B6D76"/>
+                  </a:solidFill>
+                  <a:latin typeface="Source Sans Pro Light" charset="0"/>
+                  <a:ea typeface="Source Sans Pro Light" charset="0"/>
+                  <a:cs typeface="Source Sans Pro Light" charset="0"/>
+                </a:rPr>
+                <a:t>MicroEJ</a:t>
+              </a:r>
+              <a:r>
+                <a:rPr lang="en-US" sz="1200" dirty="0">
+                  <a:solidFill>
+                    <a:srgbClr val="5B6D76"/>
+                  </a:solidFill>
+                  <a:latin typeface="Source Sans Pro Light" charset="0"/>
+                  <a:ea typeface="Source Sans Pro Light" charset="0"/>
+                  <a:cs typeface="Source Sans Pro Light" charset="0"/>
+                </a:rPr>
+                <a:t> Architecture &amp; Packs</a:t>
+              </a:r>
+              <a:endParaRPr lang="en-US" sz="1200" spc="0" dirty="0">
+                <a:ln>
+                  <a:noFill/>
+                </a:ln>
+                <a:solidFill>
+                  <a:srgbClr val="5B6D76"/>
+                </a:solidFill>
+                <a:latin typeface="Source Sans Pro Light" charset="0"/>
+                <a:ea typeface="Source Sans Pro Light" charset="0"/>
+                <a:cs typeface="Source Sans Pro Light" charset="0"/>
+              </a:endParaRPr>
+            </a:p>
+          </p:txBody>
+        </p:sp>
+        <p:cxnSp>
+          <p:nvCxnSpPr>
+            <p:cNvPr id="216" name="Connector: Elbow 215">
+              <a:extLst>
+                <a:ext uri="{FF2B5EF4-FFF2-40B4-BE49-F238E27FC236}">
+                  <a16:creationId xmlns="" xmlns:a16="http://schemas.microsoft.com/office/drawing/2014/main" id="{485E2FF2-B957-450D-9FFA-829105FF84A6}"/>
+                </a:ext>
+              </a:extLst>
+            </p:cNvPr>
+            <p:cNvCxnSpPr>
+              <a:cxnSpLocks/>
+              <a:stCxn id="31" idx="1"/>
+            </p:cNvCxnSpPr>
+            <p:nvPr/>
+          </p:nvCxnSpPr>
+          <p:spPr>
+            <a:xfrm rot="10800000">
+              <a:off x="4743086" y="3629734"/>
+              <a:ext cx="3422971" cy="722257"/>
+            </a:xfrm>
+            <a:prstGeom prst="bentConnector3">
+              <a:avLst>
+                <a:gd name="adj1" fmla="val 18551"/>
+              </a:avLst>
+            </a:prstGeom>
+            <a:ln w="28575">
+              <a:tailEnd type="triangle"/>
+            </a:ln>
+          </p:spPr>
+          <p:style>
+            <a:lnRef idx="1">
+              <a:schemeClr val="accent1"/>
+            </a:lnRef>
+            <a:fillRef idx="0">
+              <a:schemeClr val="accent1"/>
+            </a:fillRef>
+            <a:effectRef idx="0">
+              <a:schemeClr val="accent1"/>
+            </a:effectRef>
+            <a:fontRef idx="minor">
+              <a:schemeClr val="tx1"/>
+            </a:fontRef>
+          </p:style>
+        </p:cxnSp>
+        <p:sp>
+          <p:nvSpPr>
+            <p:cNvPr id="234" name="Rectangle 233">
+              <a:extLst>
+                <a:ext uri="{FF2B5EF4-FFF2-40B4-BE49-F238E27FC236}">
+                  <a16:creationId xmlns="" xmlns:a16="http://schemas.microsoft.com/office/drawing/2014/main" id="{92C3D1E1-9D9A-4743-B664-EA5ABF4B57AC}"/>
+                </a:ext>
+              </a:extLst>
+            </p:cNvPr>
+            <p:cNvSpPr/>
+            <p:nvPr/>
+          </p:nvSpPr>
+          <p:spPr>
+            <a:xfrm>
+              <a:off x="2838021" y="5563715"/>
+              <a:ext cx="1945170" cy="205184"/>
             </a:xfrm>
             <a:prstGeom prst="rect">
               <a:avLst/>
@@ -35047,17 +34913,6 @@
                   <a:spcPts val="100"/>
                 </a:spcAft>
               </a:pPr>
-              <a:r>
-                <a:rPr lang="en-US" sz="1400" b="1">
-                  <a:solidFill>
-                    <a:schemeClr val="bg1"/>
-                  </a:solidFill>
-                  <a:latin typeface="Source Sans Pro" charset="0"/>
-                  <a:ea typeface="Source Sans Pro" charset="0"/>
-                  <a:cs typeface="Source Sans Pro" charset="0"/>
-                </a:rPr>
-                <a:t>MicroEJ Firmware</a:t>
-              </a:r>
               <a:endParaRPr lang="en-US" sz="1400" b="1" dirty="0">
                 <a:solidFill>
                   <a:schemeClr val="bg1"/>
@@ -35069,72 +34924,346 @@
             </a:p>
           </p:txBody>
         </p:sp>
-      </p:grpSp>
-      <p:sp>
-        <p:nvSpPr>
-          <p:cNvPr id="237" name="Rounded Rectangle 114">
-            <a:extLst>
-              <a:ext uri="{FF2B5EF4-FFF2-40B4-BE49-F238E27FC236}">
-                <a16:creationId xmlns:a16="http://schemas.microsoft.com/office/drawing/2014/main" id="{301EEBF6-0A4E-4662-9B5C-C1808601BF30}"/>
-              </a:ext>
-            </a:extLst>
-          </p:cNvPr>
-          <p:cNvSpPr/>
-          <p:nvPr/>
-        </p:nvSpPr>
-        <p:spPr>
-          <a:xfrm>
-            <a:off x="8028410" y="965487"/>
-            <a:ext cx="2151405" cy="324374"/>
-          </a:xfrm>
-          <a:prstGeom prst="roundRect">
-            <a:avLst>
-              <a:gd name="adj" fmla="val 19644"/>
-            </a:avLst>
-          </a:prstGeom>
-          <a:solidFill>
-            <a:srgbClr val="5B6D76"/>
-          </a:solidFill>
-          <a:ln w="12700">
+        <p:sp>
+          <p:nvSpPr>
+            <p:cNvPr id="237" name="Rounded Rectangle 114">
+              <a:extLst>
+                <a:ext uri="{FF2B5EF4-FFF2-40B4-BE49-F238E27FC236}">
+                  <a16:creationId xmlns="" xmlns:a16="http://schemas.microsoft.com/office/drawing/2014/main" id="{301EEBF6-0A4E-4662-9B5C-C1808601BF30}"/>
+                </a:ext>
+              </a:extLst>
+            </p:cNvPr>
+            <p:cNvSpPr/>
+            <p:nvPr/>
+          </p:nvSpPr>
+          <p:spPr>
+            <a:xfrm>
+              <a:off x="8149907" y="1214928"/>
+              <a:ext cx="1872208" cy="324374"/>
+            </a:xfrm>
+            <a:prstGeom prst="roundRect">
+              <a:avLst>
+                <a:gd name="adj" fmla="val 19644"/>
+              </a:avLst>
+            </a:prstGeom>
+            <a:solidFill>
+              <a:srgbClr val="5B6D76"/>
+            </a:solidFill>
+            <a:ln w="12700">
+              <a:noFill/>
+            </a:ln>
+            <a:effectLst/>
+          </p:spPr>
+          <p:style>
+            <a:lnRef idx="2">
+              <a:schemeClr val="dk1"/>
+            </a:lnRef>
+            <a:fillRef idx="1">
+              <a:schemeClr val="lt1"/>
+            </a:fillRef>
+            <a:effectRef idx="0">
+              <a:schemeClr val="dk1"/>
+            </a:effectRef>
+            <a:fontRef idx="minor">
+              <a:schemeClr val="dk1"/>
+            </a:fontRef>
+          </p:style>
+          <p:txBody>
+            <a:bodyPr wrap="square" tIns="36000" bIns="36000" rtlCol="0" anchor="ctr">
+              <a:spAutoFit/>
+            </a:bodyPr>
+            <a:lstStyle/>
+            <a:p>
+              <a:pPr algn="ctr"/>
+              <a:r>
+                <a:rPr lang="en-US" sz="1400" b="1" dirty="0">
+                  <a:solidFill>
+                    <a:schemeClr val="bg1"/>
+                  </a:solidFill>
+                  <a:latin typeface="Source Sans Pro Semibold" charset="0"/>
+                  <a:ea typeface="Source Sans Pro Semibold" charset="0"/>
+                  <a:cs typeface="Source Sans Pro Light" charset="0"/>
+                </a:rPr>
+                <a:t>Foundation Libraries</a:t>
+              </a:r>
+            </a:p>
+          </p:txBody>
+        </p:sp>
+        <p:sp>
+          <p:nvSpPr>
+            <p:cNvPr id="68" name="TextBox 67">
+              <a:extLst>
+                <a:ext uri="{FF2B5EF4-FFF2-40B4-BE49-F238E27FC236}">
+                  <a16:creationId xmlns="" xmlns:a16="http://schemas.microsoft.com/office/drawing/2014/main" id="{2E717F41-5B33-4E06-83D6-2B661FDACDC7}"/>
+                </a:ext>
+              </a:extLst>
+            </p:cNvPr>
+            <p:cNvSpPr txBox="1"/>
+            <p:nvPr/>
+          </p:nvSpPr>
+          <p:spPr>
+            <a:xfrm>
+              <a:off x="8546542" y="4149800"/>
+              <a:ext cx="1088230" cy="577906"/>
+            </a:xfrm>
+            <a:prstGeom prst="rect">
+              <a:avLst/>
+            </a:prstGeom>
             <a:noFill/>
-          </a:ln>
-          <a:effectLst/>
-        </p:spPr>
-        <p:style>
-          <a:lnRef idx="2">
-            <a:schemeClr val="dk1"/>
-          </a:lnRef>
-          <a:fillRef idx="1">
-            <a:schemeClr val="lt1"/>
-          </a:fillRef>
-          <a:effectRef idx="0">
-            <a:schemeClr val="dk1"/>
-          </a:effectRef>
-          <a:fontRef idx="minor">
-            <a:schemeClr val="dk1"/>
-          </a:fontRef>
-        </p:style>
-        <p:txBody>
-          <a:bodyPr wrap="square" tIns="36000" bIns="36000" rtlCol="0" anchor="ctr">
-            <a:spAutoFit/>
-          </a:bodyPr>
-          <a:lstStyle/>
-          <a:p>
-            <a:pPr algn="ctr"/>
-            <a:r>
-              <a:rPr lang="en-US" sz="1400" b="1">
+          </p:spPr>
+          <p:txBody>
+            <a:bodyPr wrap="square" tIns="36000" bIns="36000" rtlCol="0">
+              <a:spAutoFit/>
+            </a:bodyPr>
+            <a:lstStyle/>
+            <a:p>
+              <a:pPr algn="ctr" defTabSz="685783">
+                <a:lnSpc>
+                  <a:spcPts val="1300"/>
+                </a:lnSpc>
+                <a:buClrTx/>
+              </a:pPr>
+              <a:r>
+                <a:rPr lang="en-US" sz="1400" dirty="0" err="1">
+                  <a:solidFill>
+                    <a:schemeClr val="tx1">
+                      <a:lumMod val="75000"/>
+                    </a:schemeClr>
+                  </a:solidFill>
+                  <a:latin typeface="Source Sans Pro Light" charset="0"/>
+                  <a:ea typeface="Source Sans Pro Light" charset="0"/>
+                  <a:cs typeface="Source Sans Pro Light" charset="0"/>
+                </a:rPr>
+                <a:t>MicroEJ</a:t>
+              </a:r>
+              <a:r>
+                <a:rPr lang="en-US" sz="1400" dirty="0">
+                  <a:solidFill>
+                    <a:schemeClr val="tx1">
+                      <a:lumMod val="75000"/>
+                    </a:schemeClr>
+                  </a:solidFill>
+                  <a:latin typeface="Source Sans Pro Light" charset="0"/>
+                  <a:ea typeface="Source Sans Pro Light" charset="0"/>
+                  <a:cs typeface="Source Sans Pro Light" charset="0"/>
+                </a:rPr>
+                <a:t> Central</a:t>
+              </a:r>
+            </a:p>
+            <a:p>
+              <a:pPr algn="ctr" defTabSz="685783">
+                <a:lnSpc>
+                  <a:spcPts val="1300"/>
+                </a:lnSpc>
+                <a:buClrTx/>
+              </a:pPr>
+              <a:r>
+                <a:rPr lang="en-US" sz="1400" dirty="0">
+                  <a:solidFill>
+                    <a:schemeClr val="tx1">
+                      <a:lumMod val="75000"/>
+                    </a:schemeClr>
+                  </a:solidFill>
+                  <a:latin typeface="Source Sans Pro Light" charset="0"/>
+                  <a:ea typeface="Source Sans Pro Light" charset="0"/>
+                  <a:cs typeface="Source Sans Pro Light" charset="0"/>
+                </a:rPr>
+                <a:t>Repository</a:t>
+              </a:r>
+            </a:p>
+          </p:txBody>
+        </p:sp>
+        <p:cxnSp>
+          <p:nvCxnSpPr>
+            <p:cNvPr id="82" name="Straight Arrow Connector 81">
+              <a:extLst>
+                <a:ext uri="{FF2B5EF4-FFF2-40B4-BE49-F238E27FC236}">
+                  <a16:creationId xmlns="" xmlns:a16="http://schemas.microsoft.com/office/drawing/2014/main" id="{EEC1D79B-F7DD-4944-8B47-7221AC95BB2F}"/>
+                </a:ext>
+              </a:extLst>
+            </p:cNvPr>
+            <p:cNvCxnSpPr>
+              <a:cxnSpLocks/>
+            </p:cNvCxnSpPr>
+            <p:nvPr/>
+          </p:nvCxnSpPr>
+          <p:spPr>
+            <a:xfrm flipH="1">
+              <a:off x="4747505" y="3501008"/>
+              <a:ext cx="3377914" cy="0"/>
+            </a:xfrm>
+            <a:prstGeom prst="straightConnector1">
+              <a:avLst/>
+            </a:prstGeom>
+            <a:ln w="28575">
+              <a:tailEnd type="triangle"/>
+            </a:ln>
+          </p:spPr>
+          <p:style>
+            <a:lnRef idx="1">
+              <a:schemeClr val="accent1"/>
+            </a:lnRef>
+            <a:fillRef idx="0">
+              <a:schemeClr val="accent1"/>
+            </a:fillRef>
+            <a:effectRef idx="0">
+              <a:schemeClr val="accent1"/>
+            </a:effectRef>
+            <a:fontRef idx="minor">
+              <a:schemeClr val="tx1"/>
+            </a:fontRef>
+          </p:style>
+        </p:cxnSp>
+        <p:cxnSp>
+          <p:nvCxnSpPr>
+            <p:cNvPr id="86" name="Connector: Elbow 215">
+              <a:extLst>
+                <a:ext uri="{FF2B5EF4-FFF2-40B4-BE49-F238E27FC236}">
+                  <a16:creationId xmlns="" xmlns:a16="http://schemas.microsoft.com/office/drawing/2014/main" id="{485E2FF2-B957-450D-9FFA-829105FF84A6}"/>
+                </a:ext>
+              </a:extLst>
+            </p:cNvPr>
+            <p:cNvCxnSpPr>
+              <a:cxnSpLocks/>
+            </p:cNvCxnSpPr>
+            <p:nvPr/>
+          </p:nvCxnSpPr>
+          <p:spPr>
+            <a:xfrm rot="10800000">
+              <a:off x="4734706" y="2774457"/>
+              <a:ext cx="3365355" cy="389433"/>
+            </a:xfrm>
+            <a:prstGeom prst="bentConnector3">
+              <a:avLst>
+                <a:gd name="adj1" fmla="val 16716"/>
+              </a:avLst>
+            </a:prstGeom>
+            <a:ln w="28575">
+              <a:tailEnd type="triangle"/>
+            </a:ln>
+          </p:spPr>
+          <p:style>
+            <a:lnRef idx="1">
+              <a:schemeClr val="accent1"/>
+            </a:lnRef>
+            <a:fillRef idx="0">
+              <a:schemeClr val="accent1"/>
+            </a:fillRef>
+            <a:effectRef idx="0">
+              <a:schemeClr val="accent1"/>
+            </a:effectRef>
+            <a:fontRef idx="minor">
+              <a:schemeClr val="tx1"/>
+            </a:fontRef>
+          </p:style>
+        </p:cxnSp>
+        <p:sp>
+          <p:nvSpPr>
+            <p:cNvPr id="104" name="Rounded Rectangle 114">
+              <a:extLst>
+                <a:ext uri="{FF2B5EF4-FFF2-40B4-BE49-F238E27FC236}">
+                  <a16:creationId xmlns="" xmlns:a16="http://schemas.microsoft.com/office/drawing/2014/main" id="{86C790C5-092C-46A0-BE5E-8BE15DE5A4F7}"/>
+                </a:ext>
+              </a:extLst>
+            </p:cNvPr>
+            <p:cNvSpPr/>
+            <p:nvPr/>
+          </p:nvSpPr>
+          <p:spPr>
+            <a:xfrm>
+              <a:off x="2838020" y="5115155"/>
+              <a:ext cx="1909485" cy="555656"/>
+            </a:xfrm>
+            <a:prstGeom prst="roundRect">
+              <a:avLst>
+                <a:gd name="adj" fmla="val 50000"/>
+              </a:avLst>
+            </a:prstGeom>
+            <a:solidFill>
+              <a:srgbClr val="71B84D"/>
+            </a:solidFill>
+            <a:ln>
+              <a:solidFill>
+                <a:srgbClr val="71B84D"/>
+              </a:solidFill>
+            </a:ln>
+          </p:spPr>
+          <p:style>
+            <a:lnRef idx="2">
+              <a:schemeClr val="accent1">
+                <a:shade val="50000"/>
+              </a:schemeClr>
+            </a:lnRef>
+            <a:fillRef idx="1">
+              <a:schemeClr val="accent1"/>
+            </a:fillRef>
+            <a:effectRef idx="0">
+              <a:schemeClr val="accent1"/>
+            </a:effectRef>
+            <a:fontRef idx="minor">
+              <a:schemeClr val="lt1"/>
+            </a:fontRef>
+          </p:style>
+          <p:txBody>
+            <a:bodyPr rtlCol="0" anchor="ctr"/>
+            <a:lstStyle/>
+            <a:p>
+              <a:pPr algn="ctr"/>
+              <a:r>
+                <a:rPr lang="en-US" sz="1400" b="1" dirty="0" err="1">
+                  <a:solidFill>
+                    <a:schemeClr val="bg1"/>
+                  </a:solidFill>
+                  <a:latin typeface="Source Sans Pro Semibold" charset="0"/>
+                  <a:ea typeface="Source Sans Pro Semibold" charset="0"/>
+                  <a:cs typeface="Source Sans Pro Semibold" charset="0"/>
+                </a:rPr>
+                <a:t>MicroEJ</a:t>
+              </a:r>
+              <a:r>
+                <a:rPr lang="en-US" sz="1400" b="1" dirty="0">
+                  <a:solidFill>
+                    <a:schemeClr val="bg1"/>
+                  </a:solidFill>
+                  <a:latin typeface="Source Sans Pro Semibold" charset="0"/>
+                  <a:ea typeface="Source Sans Pro Semibold" charset="0"/>
+                  <a:cs typeface="Source Sans Pro Semibold" charset="0"/>
+                </a:rPr>
+                <a:t> </a:t>
+              </a:r>
+              <a:br>
+                <a:rPr lang="en-US" sz="1400" b="1" dirty="0">
+                  <a:solidFill>
+                    <a:schemeClr val="bg1"/>
+                  </a:solidFill>
+                  <a:latin typeface="Source Sans Pro Semibold" charset="0"/>
+                  <a:ea typeface="Source Sans Pro Semibold" charset="0"/>
+                  <a:cs typeface="Source Sans Pro Semibold" charset="0"/>
+                </a:rPr>
+              </a:br>
+              <a:r>
+                <a:rPr lang="en-US" sz="1400" b="1" dirty="0">
+                  <a:solidFill>
+                    <a:schemeClr val="bg1"/>
+                  </a:solidFill>
+                  <a:latin typeface="Source Sans Pro Semibold" charset="0"/>
+                  <a:ea typeface="Source Sans Pro Semibold" charset="0"/>
+                  <a:cs typeface="Source Sans Pro Semibold" charset="0"/>
+                </a:rPr>
+                <a:t>Firmware</a:t>
+              </a:r>
+              <a:endParaRPr lang="en-US" sz="1400" b="1" dirty="0">
                 <a:solidFill>
                   <a:schemeClr val="bg1"/>
                 </a:solidFill>
                 <a:latin typeface="Source Sans Pro Semibold" charset="0"/>
                 <a:ea typeface="Source Sans Pro Semibold" charset="0"/>
-                <a:cs typeface="Source Sans Pro Light" charset="0"/>
-              </a:rPr>
-              <a:t>Foundation Libraries</a:t>
-            </a:r>
-          </a:p>
-        </p:txBody>
-      </p:sp>
+                <a:cs typeface="Source Sans Pro Semibold" charset="0"/>
+              </a:endParaRPr>
+            </a:p>
+          </p:txBody>
+        </p:sp>
+      </p:grpSp>
     </p:spTree>
     <p:extLst>
       <p:ext uri="{BB962C8B-B14F-4D97-AF65-F5344CB8AC3E}">

--- a/Tutorials/images/qa_resources-v3.pptx
+++ b/Tutorials/images/qa_resources-v3.pptx
@@ -137,9 +137,7 @@
 
 <file path=ppt/commentAuthors.xml><?xml version="1.0" encoding="utf-8"?>
 <p:cmAuthorLst xmlns:a="http://schemas.openxmlformats.org/drawingml/2006/main" xmlns:r="http://schemas.openxmlformats.org/officeDocument/2006/relationships" xmlns:p="http://schemas.openxmlformats.org/presentationml/2006/main">
-  <p:cmAuthor id="1" name="Jérôme Leroux" initials="JL" lastIdx="10" clrIdx="0">
-    <p:extLst/>
-  </p:cmAuthor>
+  <p:cmAuthor id="1" name="Jérôme Leroux" initials="JL" lastIdx="10" clrIdx="0"/>
   <p:cmAuthor id="2" name="Rémy Louedec" initials="" lastIdx="0" clrIdx="1"/>
 </p:cmAuthorLst>
 </file>
@@ -28052,7 +28050,7 @@
           <p:cNvPr id="14" name="Slide Number Placeholder 5">
             <a:extLst>
               <a:ext uri="{FF2B5EF4-FFF2-40B4-BE49-F238E27FC236}">
-                <a16:creationId xmlns="" xmlns:a16="http://schemas.microsoft.com/office/drawing/2014/main" id="{D6A5EA0A-9DA9-564F-8F7D-CF263DB84C39}"/>
+                <a16:creationId xmlns:a16="http://schemas.microsoft.com/office/drawing/2014/main" id="{D6A5EA0A-9DA9-564F-8F7D-CF263DB84C39}"/>
               </a:ext>
             </a:extLst>
           </p:cNvPr>
@@ -28220,7 +28218,7 @@
           <p:cNvPr id="21" name="Straight Connector 20">
             <a:extLst>
               <a:ext uri="{FF2B5EF4-FFF2-40B4-BE49-F238E27FC236}">
-                <a16:creationId xmlns="" xmlns:a16="http://schemas.microsoft.com/office/drawing/2014/main" id="{F4443C96-B82D-F449-A71B-02134B6BB207}"/>
+                <a16:creationId xmlns:a16="http://schemas.microsoft.com/office/drawing/2014/main" id="{F4443C96-B82D-F449-A71B-02134B6BB207}"/>
               </a:ext>
             </a:extLst>
           </p:cNvPr>
@@ -28886,7 +28884,7 @@
           <p:cNvPr id="14" name="Slide Number Placeholder 5">
             <a:extLst>
               <a:ext uri="{FF2B5EF4-FFF2-40B4-BE49-F238E27FC236}">
-                <a16:creationId xmlns="" xmlns:a16="http://schemas.microsoft.com/office/drawing/2014/main" id="{D6A5EA0A-9DA9-564F-8F7D-CF263DB84C39}"/>
+                <a16:creationId xmlns:a16="http://schemas.microsoft.com/office/drawing/2014/main" id="{D6A5EA0A-9DA9-564F-8F7D-CF263DB84C39}"/>
               </a:ext>
             </a:extLst>
           </p:cNvPr>
@@ -29054,7 +29052,7 @@
           <p:cNvPr id="21" name="Straight Connector 20">
             <a:extLst>
               <a:ext uri="{FF2B5EF4-FFF2-40B4-BE49-F238E27FC236}">
-                <a16:creationId xmlns="" xmlns:a16="http://schemas.microsoft.com/office/drawing/2014/main" id="{F4443C96-B82D-F449-A71B-02134B6BB207}"/>
+                <a16:creationId xmlns:a16="http://schemas.microsoft.com/office/drawing/2014/main" id="{F4443C96-B82D-F449-A71B-02134B6BB207}"/>
               </a:ext>
             </a:extLst>
           </p:cNvPr>
@@ -29140,7 +29138,7 @@
           <p:cNvPr id="6" name="Slide Number Placeholder 5">
             <a:extLst>
               <a:ext uri="{FF2B5EF4-FFF2-40B4-BE49-F238E27FC236}">
-                <a16:creationId xmlns="" xmlns:a16="http://schemas.microsoft.com/office/drawing/2014/main" id="{D6A5EA0A-9DA9-564F-8F7D-CF263DB84C39}"/>
+                <a16:creationId xmlns:a16="http://schemas.microsoft.com/office/drawing/2014/main" id="{D6A5EA0A-9DA9-564F-8F7D-CF263DB84C39}"/>
               </a:ext>
             </a:extLst>
           </p:cNvPr>
@@ -29308,7 +29306,7 @@
           <p:cNvPr id="8" name="Straight Connector 7">
             <a:extLst>
               <a:ext uri="{FF2B5EF4-FFF2-40B4-BE49-F238E27FC236}">
-                <a16:creationId xmlns="" xmlns:a16="http://schemas.microsoft.com/office/drawing/2014/main" id="{F4443C96-B82D-F449-A71B-02134B6BB207}"/>
+                <a16:creationId xmlns:a16="http://schemas.microsoft.com/office/drawing/2014/main" id="{F4443C96-B82D-F449-A71B-02134B6BB207}"/>
               </a:ext>
             </a:extLst>
           </p:cNvPr>
@@ -30142,7 +30140,7 @@
           <p:cNvPr id="14" name="Slide Number Placeholder 5">
             <a:extLst>
               <a:ext uri="{FF2B5EF4-FFF2-40B4-BE49-F238E27FC236}">
-                <a16:creationId xmlns="" xmlns:a16="http://schemas.microsoft.com/office/drawing/2014/main" id="{D6A5EA0A-9DA9-564F-8F7D-CF263DB84C39}"/>
+                <a16:creationId xmlns:a16="http://schemas.microsoft.com/office/drawing/2014/main" id="{D6A5EA0A-9DA9-564F-8F7D-CF263DB84C39}"/>
               </a:ext>
             </a:extLst>
           </p:cNvPr>
@@ -30310,7 +30308,7 @@
           <p:cNvPr id="21" name="Straight Connector 20">
             <a:extLst>
               <a:ext uri="{FF2B5EF4-FFF2-40B4-BE49-F238E27FC236}">
-                <a16:creationId xmlns="" xmlns:a16="http://schemas.microsoft.com/office/drawing/2014/main" id="{F4443C96-B82D-F449-A71B-02134B6BB207}"/>
+                <a16:creationId xmlns:a16="http://schemas.microsoft.com/office/drawing/2014/main" id="{F4443C96-B82D-F449-A71B-02134B6BB207}"/>
               </a:ext>
             </a:extLst>
           </p:cNvPr>
@@ -30396,7 +30394,7 @@
           <p:cNvPr id="6" name="Slide Number Placeholder 5">
             <a:extLst>
               <a:ext uri="{FF2B5EF4-FFF2-40B4-BE49-F238E27FC236}">
-                <a16:creationId xmlns="" xmlns:a16="http://schemas.microsoft.com/office/drawing/2014/main" id="{D6A5EA0A-9DA9-564F-8F7D-CF263DB84C39}"/>
+                <a16:creationId xmlns:a16="http://schemas.microsoft.com/office/drawing/2014/main" id="{D6A5EA0A-9DA9-564F-8F7D-CF263DB84C39}"/>
               </a:ext>
             </a:extLst>
           </p:cNvPr>
@@ -30564,7 +30562,7 @@
           <p:cNvPr id="8" name="Straight Connector 7">
             <a:extLst>
               <a:ext uri="{FF2B5EF4-FFF2-40B4-BE49-F238E27FC236}">
-                <a16:creationId xmlns="" xmlns:a16="http://schemas.microsoft.com/office/drawing/2014/main" id="{F4443C96-B82D-F449-A71B-02134B6BB207}"/>
+                <a16:creationId xmlns:a16="http://schemas.microsoft.com/office/drawing/2014/main" id="{F4443C96-B82D-F449-A71B-02134B6BB207}"/>
               </a:ext>
             </a:extLst>
           </p:cNvPr>
@@ -31398,7 +31396,7 @@
           <p:cNvPr id="14" name="Slide Number Placeholder 5">
             <a:extLst>
               <a:ext uri="{FF2B5EF4-FFF2-40B4-BE49-F238E27FC236}">
-                <a16:creationId xmlns="" xmlns:a16="http://schemas.microsoft.com/office/drawing/2014/main" id="{D6A5EA0A-9DA9-564F-8F7D-CF263DB84C39}"/>
+                <a16:creationId xmlns:a16="http://schemas.microsoft.com/office/drawing/2014/main" id="{D6A5EA0A-9DA9-564F-8F7D-CF263DB84C39}"/>
               </a:ext>
             </a:extLst>
           </p:cNvPr>
@@ -31566,7 +31564,7 @@
           <p:cNvPr id="21" name="Straight Connector 20">
             <a:extLst>
               <a:ext uri="{FF2B5EF4-FFF2-40B4-BE49-F238E27FC236}">
-                <a16:creationId xmlns="" xmlns:a16="http://schemas.microsoft.com/office/drawing/2014/main" id="{F4443C96-B82D-F449-A71B-02134B6BB207}"/>
+                <a16:creationId xmlns:a16="http://schemas.microsoft.com/office/drawing/2014/main" id="{F4443C96-B82D-F449-A71B-02134B6BB207}"/>
               </a:ext>
             </a:extLst>
           </p:cNvPr>
@@ -31652,7 +31650,7 @@
           <p:cNvPr id="6" name="Slide Number Placeholder 5">
             <a:extLst>
               <a:ext uri="{FF2B5EF4-FFF2-40B4-BE49-F238E27FC236}">
-                <a16:creationId xmlns="" xmlns:a16="http://schemas.microsoft.com/office/drawing/2014/main" id="{D6A5EA0A-9DA9-564F-8F7D-CF263DB84C39}"/>
+                <a16:creationId xmlns:a16="http://schemas.microsoft.com/office/drawing/2014/main" id="{D6A5EA0A-9DA9-564F-8F7D-CF263DB84C39}"/>
               </a:ext>
             </a:extLst>
           </p:cNvPr>
@@ -31820,7 +31818,7 @@
           <p:cNvPr id="8" name="Straight Connector 7">
             <a:extLst>
               <a:ext uri="{FF2B5EF4-FFF2-40B4-BE49-F238E27FC236}">
-                <a16:creationId xmlns="" xmlns:a16="http://schemas.microsoft.com/office/drawing/2014/main" id="{F4443C96-B82D-F449-A71B-02134B6BB207}"/>
+                <a16:creationId xmlns:a16="http://schemas.microsoft.com/office/drawing/2014/main" id="{F4443C96-B82D-F449-A71B-02134B6BB207}"/>
               </a:ext>
             </a:extLst>
           </p:cNvPr>
@@ -32663,7 +32661,7 @@
             <p:cNvPr id="231" name="Arrow: Down 230">
               <a:extLst>
                 <a:ext uri="{FF2B5EF4-FFF2-40B4-BE49-F238E27FC236}">
-                  <a16:creationId xmlns="" xmlns:a16="http://schemas.microsoft.com/office/drawing/2014/main" id="{DB507579-1962-449F-9F0D-04A94733A5A9}"/>
+                  <a16:creationId xmlns:a16="http://schemas.microsoft.com/office/drawing/2014/main" id="{DB507579-1962-449F-9F0D-04A94733A5A9}"/>
                 </a:ext>
               </a:extLst>
             </p:cNvPr>
@@ -32724,7 +32722,7 @@
             <p:cNvPr id="11" name="Rounded Rectangle 174">
               <a:extLst>
                 <a:ext uri="{FF2B5EF4-FFF2-40B4-BE49-F238E27FC236}">
-                  <a16:creationId xmlns="" xmlns:a16="http://schemas.microsoft.com/office/drawing/2014/main" id="{A4FC7A78-8ACF-40AB-8BEB-4556F31260DD}"/>
+                  <a16:creationId xmlns:a16="http://schemas.microsoft.com/office/drawing/2014/main" id="{A4FC7A78-8ACF-40AB-8BEB-4556F31260DD}"/>
                 </a:ext>
               </a:extLst>
             </p:cNvPr>
@@ -32794,7 +32792,7 @@
             <p:cNvPr id="81" name="Rounded Rectangle 174">
               <a:extLst>
                 <a:ext uri="{FF2B5EF4-FFF2-40B4-BE49-F238E27FC236}">
-                  <a16:creationId xmlns="" xmlns:a16="http://schemas.microsoft.com/office/drawing/2014/main" id="{FD5674D9-1DE4-4787-B6DC-AEA63B6921B5}"/>
+                  <a16:creationId xmlns:a16="http://schemas.microsoft.com/office/drawing/2014/main" id="{FD5674D9-1DE4-4787-B6DC-AEA63B6921B5}"/>
                 </a:ext>
               </a:extLst>
             </p:cNvPr>
@@ -32864,7 +32862,7 @@
             <p:cNvPr id="239" name="Rounded Rectangle 105">
               <a:extLst>
                 <a:ext uri="{FF2B5EF4-FFF2-40B4-BE49-F238E27FC236}">
-                  <a16:creationId xmlns="" xmlns:a16="http://schemas.microsoft.com/office/drawing/2014/main" id="{D94918E0-52E2-4098-B250-C307C5F05C31}"/>
+                  <a16:creationId xmlns:a16="http://schemas.microsoft.com/office/drawing/2014/main" id="{D94918E0-52E2-4098-B250-C307C5F05C31}"/>
                 </a:ext>
               </a:extLst>
             </p:cNvPr>
@@ -32924,7 +32922,7 @@
             <p:cNvPr id="108" name="Rounded Rectangle 62">
               <a:extLst>
                 <a:ext uri="{FF2B5EF4-FFF2-40B4-BE49-F238E27FC236}">
-                  <a16:creationId xmlns="" xmlns:a16="http://schemas.microsoft.com/office/drawing/2014/main" id="{594485E9-9FDD-42D9-A895-515379347D47}"/>
+                  <a16:creationId xmlns:a16="http://schemas.microsoft.com/office/drawing/2014/main" id="{594485E9-9FDD-42D9-A895-515379347D47}"/>
                 </a:ext>
               </a:extLst>
             </p:cNvPr>
@@ -32986,7 +32984,7 @@
             <p:cNvPr id="133" name="Rounded Rectangle 62">
               <a:extLst>
                 <a:ext uri="{FF2B5EF4-FFF2-40B4-BE49-F238E27FC236}">
-                  <a16:creationId xmlns="" xmlns:a16="http://schemas.microsoft.com/office/drawing/2014/main" id="{4DCEBE55-347C-41E0-BAE6-4579FE9D8A50}"/>
+                  <a16:creationId xmlns:a16="http://schemas.microsoft.com/office/drawing/2014/main" id="{4DCEBE55-347C-41E0-BAE6-4579FE9D8A50}"/>
                 </a:ext>
               </a:extLst>
             </p:cNvPr>
@@ -33046,7 +33044,7 @@
             <p:cNvPr id="112" name="Rounded Rectangle 62">
               <a:extLst>
                 <a:ext uri="{FF2B5EF4-FFF2-40B4-BE49-F238E27FC236}">
-                  <a16:creationId xmlns="" xmlns:a16="http://schemas.microsoft.com/office/drawing/2014/main" id="{532D9E35-28E9-4BFA-8137-0AE48A627B0F}"/>
+                  <a16:creationId xmlns:a16="http://schemas.microsoft.com/office/drawing/2014/main" id="{532D9E35-28E9-4BFA-8137-0AE48A627B0F}"/>
                 </a:ext>
               </a:extLst>
             </p:cNvPr>
@@ -33106,7 +33104,7 @@
             <p:cNvPr id="31" name="Picture 30">
               <a:extLst>
                 <a:ext uri="{FF2B5EF4-FFF2-40B4-BE49-F238E27FC236}">
-                  <a16:creationId xmlns="" xmlns:a16="http://schemas.microsoft.com/office/drawing/2014/main" id="{5F7DE197-6DCD-4FC2-90CC-649BF9CBE17B}"/>
+                  <a16:creationId xmlns:a16="http://schemas.microsoft.com/office/drawing/2014/main" id="{5F7DE197-6DCD-4FC2-90CC-649BF9CBE17B}"/>
                 </a:ext>
               </a:extLst>
             </p:cNvPr>
@@ -33142,7 +33140,7 @@
             <p:cNvPr id="49" name="Rounded Rectangle 105">
               <a:extLst>
                 <a:ext uri="{FF2B5EF4-FFF2-40B4-BE49-F238E27FC236}">
-                  <a16:creationId xmlns="" xmlns:a16="http://schemas.microsoft.com/office/drawing/2014/main" id="{4EE4CB66-D3BE-4DE8-813A-DFD683522CD1}"/>
+                  <a16:creationId xmlns:a16="http://schemas.microsoft.com/office/drawing/2014/main" id="{4EE4CB66-D3BE-4DE8-813A-DFD683522CD1}"/>
                 </a:ext>
               </a:extLst>
             </p:cNvPr>
@@ -33202,7 +33200,7 @@
             <p:cNvPr id="15" name="TextBox 14">
               <a:extLst>
                 <a:ext uri="{FF2B5EF4-FFF2-40B4-BE49-F238E27FC236}">
-                  <a16:creationId xmlns="" xmlns:a16="http://schemas.microsoft.com/office/drawing/2014/main" id="{AA020493-DFFC-4E55-A85B-129B71B8A63F}"/>
+                  <a16:creationId xmlns:a16="http://schemas.microsoft.com/office/drawing/2014/main" id="{AA020493-DFFC-4E55-A85B-129B71B8A63F}"/>
                 </a:ext>
               </a:extLst>
             </p:cNvPr>
@@ -33211,8 +33209,8 @@
           </p:nvSpPr>
           <p:spPr>
             <a:xfrm>
-              <a:off x="8063393" y="201911"/>
-              <a:ext cx="2075115" cy="318924"/>
+              <a:off x="7991367" y="201911"/>
+              <a:ext cx="2135615" cy="318924"/>
             </a:xfrm>
             <a:prstGeom prst="rect">
               <a:avLst/>
@@ -33231,7 +33229,7 @@
                 <a:buClrTx/>
               </a:pPr>
               <a:r>
-                <a:rPr lang="en-US" sz="1600" dirty="0">
+                <a:rPr lang="en-US" sz="1600">
                   <a:solidFill>
                     <a:schemeClr val="tx1">
                       <a:lumMod val="75000"/>
@@ -33241,46 +33239,7 @@
                   <a:ea typeface="Source Sans Pro Light" charset="0"/>
                   <a:cs typeface="Source Sans Pro Light" charset="0"/>
                 </a:rPr>
-                <a:t>         </a:t>
-              </a:r>
-              <a:r>
-                <a:rPr lang="en-US" sz="1600" dirty="0" err="1">
-                  <a:solidFill>
-                    <a:schemeClr val="tx1">
-                      <a:lumMod val="75000"/>
-                    </a:schemeClr>
-                  </a:solidFill>
-                  <a:latin typeface="Source Sans Pro Light" charset="0"/>
-                  <a:ea typeface="Source Sans Pro Light" charset="0"/>
-                  <a:cs typeface="Source Sans Pro Light" charset="0"/>
-                </a:rPr>
-                <a:t>MicroEJ</a:t>
-              </a:r>
-              <a:r>
-                <a:rPr lang="en-US" sz="1600" dirty="0">
-                  <a:solidFill>
-                    <a:schemeClr val="tx1">
-                      <a:lumMod val="75000"/>
-                    </a:schemeClr>
-                  </a:solidFill>
-                  <a:latin typeface="Source Sans Pro Light" charset="0"/>
-                  <a:ea typeface="Source Sans Pro Light" charset="0"/>
-                  <a:cs typeface="Source Sans Pro Light" charset="0"/>
-                </a:rPr>
-                <a:t> </a:t>
-              </a:r>
-              <a:r>
-                <a:rPr lang="en-US" sz="1600" dirty="0" smtClean="0">
-                  <a:solidFill>
-                    <a:schemeClr val="tx1">
-                      <a:lumMod val="75000"/>
-                    </a:schemeClr>
-                  </a:solidFill>
-                  <a:latin typeface="Source Sans Pro Light" charset="0"/>
-                  <a:ea typeface="Source Sans Pro Light" charset="0"/>
-                  <a:cs typeface="Source Sans Pro Light" charset="0"/>
-                </a:rPr>
-                <a:t>Resources</a:t>
+                <a:t>         MicroEJ Resources</a:t>
               </a:r>
               <a:endParaRPr lang="en-US" sz="1600" dirty="0">
                 <a:solidFill>
@@ -33300,7 +33259,7 @@
             <p:cNvPr id="19" name="Rounded Rectangle 114">
               <a:extLst>
                 <a:ext uri="{FF2B5EF4-FFF2-40B4-BE49-F238E27FC236}">
-                  <a16:creationId xmlns="" xmlns:a16="http://schemas.microsoft.com/office/drawing/2014/main" id="{1D36DEA3-C198-40A7-930F-6A604581A596}"/>
+                  <a16:creationId xmlns:a16="http://schemas.microsoft.com/office/drawing/2014/main" id="{1D36DEA3-C198-40A7-930F-6A604581A596}"/>
                 </a:ext>
               </a:extLst>
             </p:cNvPr>
@@ -33365,7 +33324,7 @@
             <p:cNvPr id="25" name="Rounded Rectangle 114">
               <a:extLst>
                 <a:ext uri="{FF2B5EF4-FFF2-40B4-BE49-F238E27FC236}">
-                  <a16:creationId xmlns="" xmlns:a16="http://schemas.microsoft.com/office/drawing/2014/main" id="{B65E21A1-B2EE-4D1F-9D6D-37123904C747}"/>
+                  <a16:creationId xmlns:a16="http://schemas.microsoft.com/office/drawing/2014/main" id="{B65E21A1-B2EE-4D1F-9D6D-37123904C747}"/>
                 </a:ext>
               </a:extLst>
             </p:cNvPr>
@@ -33452,7 +33411,7 @@
             <p:cNvPr id="29" name="Picture 28">
               <a:extLst>
                 <a:ext uri="{FF2B5EF4-FFF2-40B4-BE49-F238E27FC236}">
-                  <a16:creationId xmlns="" xmlns:a16="http://schemas.microsoft.com/office/drawing/2014/main" id="{D4737AF5-9142-4604-AD93-F7EFE7B3D9EF}"/>
+                  <a16:creationId xmlns:a16="http://schemas.microsoft.com/office/drawing/2014/main" id="{D4737AF5-9142-4604-AD93-F7EFE7B3D9EF}"/>
                 </a:ext>
               </a:extLst>
             </p:cNvPr>
@@ -33475,7 +33434,7 @@
           </p:blipFill>
           <p:spPr>
             <a:xfrm>
-              <a:off x="8083828" y="150840"/>
+              <a:off x="8040216" y="150840"/>
               <a:ext cx="402708" cy="402708"/>
             </a:xfrm>
             <a:prstGeom prst="rect">
@@ -33488,7 +33447,7 @@
             <p:cNvPr id="83" name="TextBox 82">
               <a:extLst>
                 <a:ext uri="{FF2B5EF4-FFF2-40B4-BE49-F238E27FC236}">
-                  <a16:creationId xmlns="" xmlns:a16="http://schemas.microsoft.com/office/drawing/2014/main" id="{3AB9F36E-0481-460D-A03A-69AF2060179C}"/>
+                  <a16:creationId xmlns:a16="http://schemas.microsoft.com/office/drawing/2014/main" id="{3AB9F36E-0481-460D-A03A-69AF2060179C}"/>
                 </a:ext>
               </a:extLst>
             </p:cNvPr>
@@ -33547,7 +33506,7 @@
             <p:cNvPr id="85" name="Rounded Rectangle 114">
               <a:extLst>
                 <a:ext uri="{FF2B5EF4-FFF2-40B4-BE49-F238E27FC236}">
-                  <a16:creationId xmlns="" xmlns:a16="http://schemas.microsoft.com/office/drawing/2014/main" id="{23B6A628-FCCC-4E65-8963-19973CA2E7D7}"/>
+                  <a16:creationId xmlns:a16="http://schemas.microsoft.com/office/drawing/2014/main" id="{23B6A628-FCCC-4E65-8963-19973CA2E7D7}"/>
                 </a:ext>
               </a:extLst>
             </p:cNvPr>
@@ -33612,7 +33571,7 @@
             <p:cNvPr id="87" name="Rounded Rectangle 114">
               <a:extLst>
                 <a:ext uri="{FF2B5EF4-FFF2-40B4-BE49-F238E27FC236}">
-                  <a16:creationId xmlns="" xmlns:a16="http://schemas.microsoft.com/office/drawing/2014/main" id="{AB1FDF19-F29D-4188-9A76-717A2E2D4076}"/>
+                  <a16:creationId xmlns:a16="http://schemas.microsoft.com/office/drawing/2014/main" id="{AB1FDF19-F29D-4188-9A76-717A2E2D4076}"/>
                 </a:ext>
               </a:extLst>
             </p:cNvPr>
@@ -33716,7 +33675,7 @@
             <p:cNvPr id="98" name="Picture 97">
               <a:extLst>
                 <a:ext uri="{FF2B5EF4-FFF2-40B4-BE49-F238E27FC236}">
-                  <a16:creationId xmlns="" xmlns:a16="http://schemas.microsoft.com/office/drawing/2014/main" id="{E1A84BC3-43DA-4112-9E5E-E0F64EF88667}"/>
+                  <a16:creationId xmlns:a16="http://schemas.microsoft.com/office/drawing/2014/main" id="{E1A84BC3-43DA-4112-9E5E-E0F64EF88667}"/>
                 </a:ext>
               </a:extLst>
             </p:cNvPr>
@@ -33752,7 +33711,7 @@
             <p:cNvPr id="117" name="TextBox 116">
               <a:extLst>
                 <a:ext uri="{FF2B5EF4-FFF2-40B4-BE49-F238E27FC236}">
-                  <a16:creationId xmlns="" xmlns:a16="http://schemas.microsoft.com/office/drawing/2014/main" id="{7919CBE3-81C7-4DD0-94ED-87CCA9F5D8E8}"/>
+                  <a16:creationId xmlns:a16="http://schemas.microsoft.com/office/drawing/2014/main" id="{7919CBE3-81C7-4DD0-94ED-87CCA9F5D8E8}"/>
                 </a:ext>
               </a:extLst>
             </p:cNvPr>
@@ -33794,7 +33753,7 @@
             <p:cNvPr id="119" name="TextBox 118">
               <a:extLst>
                 <a:ext uri="{FF2B5EF4-FFF2-40B4-BE49-F238E27FC236}">
-                  <a16:creationId xmlns="" xmlns:a16="http://schemas.microsoft.com/office/drawing/2014/main" id="{75380A88-4537-46CC-BEB6-83BD464DA85A}"/>
+                  <a16:creationId xmlns:a16="http://schemas.microsoft.com/office/drawing/2014/main" id="{75380A88-4537-46CC-BEB6-83BD464DA85A}"/>
                 </a:ext>
               </a:extLst>
             </p:cNvPr>
@@ -33841,7 +33800,7 @@
             <p:cNvPr id="121" name="Rounded Rectangle 114">
               <a:extLst>
                 <a:ext uri="{FF2B5EF4-FFF2-40B4-BE49-F238E27FC236}">
-                  <a16:creationId xmlns="" xmlns:a16="http://schemas.microsoft.com/office/drawing/2014/main" id="{C3BC971D-01A8-4300-B6EE-560EA7C7D394}"/>
+                  <a16:creationId xmlns:a16="http://schemas.microsoft.com/office/drawing/2014/main" id="{C3BC971D-01A8-4300-B6EE-560EA7C7D394}"/>
                 </a:ext>
               </a:extLst>
             </p:cNvPr>
@@ -33906,7 +33865,7 @@
             <p:cNvPr id="123" name="Rounded Rectangle 114">
               <a:extLst>
                 <a:ext uri="{FF2B5EF4-FFF2-40B4-BE49-F238E27FC236}">
-                  <a16:creationId xmlns="" xmlns:a16="http://schemas.microsoft.com/office/drawing/2014/main" id="{3C22549C-E7EC-4E20-8401-ADC527F14B89}"/>
+                  <a16:creationId xmlns:a16="http://schemas.microsoft.com/office/drawing/2014/main" id="{3C22549C-E7EC-4E20-8401-ADC527F14B89}"/>
                 </a:ext>
               </a:extLst>
             </p:cNvPr>
@@ -33971,7 +33930,7 @@
             <p:cNvPr id="125" name="Rounded Rectangle 114">
               <a:extLst>
                 <a:ext uri="{FF2B5EF4-FFF2-40B4-BE49-F238E27FC236}">
-                  <a16:creationId xmlns="" xmlns:a16="http://schemas.microsoft.com/office/drawing/2014/main" id="{4C068209-3EA3-428A-94F5-8C979958A54D}"/>
+                  <a16:creationId xmlns:a16="http://schemas.microsoft.com/office/drawing/2014/main" id="{4C068209-3EA3-428A-94F5-8C979958A54D}"/>
                 </a:ext>
               </a:extLst>
             </p:cNvPr>
@@ -34036,7 +33995,7 @@
             <p:cNvPr id="127" name="Rounded Rectangle 114">
               <a:extLst>
                 <a:ext uri="{FF2B5EF4-FFF2-40B4-BE49-F238E27FC236}">
-                  <a16:creationId xmlns="" xmlns:a16="http://schemas.microsoft.com/office/drawing/2014/main" id="{B2F17F48-047C-4B94-8A7C-566FCDAB4FFC}"/>
+                  <a16:creationId xmlns:a16="http://schemas.microsoft.com/office/drawing/2014/main" id="{B2F17F48-047C-4B94-8A7C-566FCDAB4FFC}"/>
                 </a:ext>
               </a:extLst>
             </p:cNvPr>
@@ -34112,7 +34071,7 @@
             <p:cNvPr id="129" name="Rounded Rectangle 114">
               <a:extLst>
                 <a:ext uri="{FF2B5EF4-FFF2-40B4-BE49-F238E27FC236}">
-                  <a16:creationId xmlns="" xmlns:a16="http://schemas.microsoft.com/office/drawing/2014/main" id="{86C790C5-092C-46A0-BE5E-8BE15DE5A4F7}"/>
+                  <a16:creationId xmlns:a16="http://schemas.microsoft.com/office/drawing/2014/main" id="{86C790C5-092C-46A0-BE5E-8BE15DE5A4F7}"/>
                 </a:ext>
               </a:extLst>
             </p:cNvPr>
@@ -34177,7 +34136,7 @@
             <p:cNvPr id="131" name="Rounded Rectangle 114">
               <a:extLst>
                 <a:ext uri="{FF2B5EF4-FFF2-40B4-BE49-F238E27FC236}">
-                  <a16:creationId xmlns="" xmlns:a16="http://schemas.microsoft.com/office/drawing/2014/main" id="{D4E6FA0B-3D4E-44B2-8289-D335B8ECC9AF}"/>
+                  <a16:creationId xmlns:a16="http://schemas.microsoft.com/office/drawing/2014/main" id="{D4E6FA0B-3D4E-44B2-8289-D335B8ECC9AF}"/>
                 </a:ext>
               </a:extLst>
             </p:cNvPr>
@@ -34242,7 +34201,7 @@
             <p:cNvPr id="135" name="TextBox 134">
               <a:extLst>
                 <a:ext uri="{FF2B5EF4-FFF2-40B4-BE49-F238E27FC236}">
-                  <a16:creationId xmlns="" xmlns:a16="http://schemas.microsoft.com/office/drawing/2014/main" id="{656FFD6D-3BF2-4097-AD2F-529C514C43FF}"/>
+                  <a16:creationId xmlns:a16="http://schemas.microsoft.com/office/drawing/2014/main" id="{656FFD6D-3BF2-4097-AD2F-529C514C43FF}"/>
                 </a:ext>
               </a:extLst>
             </p:cNvPr>
@@ -34295,7 +34254,7 @@
             <p:cNvPr id="137" name="Straight Arrow Connector 136">
               <a:extLst>
                 <a:ext uri="{FF2B5EF4-FFF2-40B4-BE49-F238E27FC236}">
-                  <a16:creationId xmlns="" xmlns:a16="http://schemas.microsoft.com/office/drawing/2014/main" id="{DD6E312E-41A2-4E7E-B762-4D3AC37044F7}"/>
+                  <a16:creationId xmlns:a16="http://schemas.microsoft.com/office/drawing/2014/main" id="{DD6E312E-41A2-4E7E-B762-4D3AC37044F7}"/>
                 </a:ext>
               </a:extLst>
             </p:cNvPr>
@@ -34340,7 +34299,7 @@
             <p:cNvPr id="139" name="Straight Arrow Connector 138">
               <a:extLst>
                 <a:ext uri="{FF2B5EF4-FFF2-40B4-BE49-F238E27FC236}">
-                  <a16:creationId xmlns="" xmlns:a16="http://schemas.microsoft.com/office/drawing/2014/main" id="{64ADD20C-B063-4A53-8F52-BE7CC7F8A8F9}"/>
+                  <a16:creationId xmlns:a16="http://schemas.microsoft.com/office/drawing/2014/main" id="{64ADD20C-B063-4A53-8F52-BE7CC7F8A8F9}"/>
                 </a:ext>
               </a:extLst>
             </p:cNvPr>
@@ -34386,7 +34345,7 @@
             <p:cNvPr id="150" name="Straight Arrow Connector 149">
               <a:extLst>
                 <a:ext uri="{FF2B5EF4-FFF2-40B4-BE49-F238E27FC236}">
-                  <a16:creationId xmlns="" xmlns:a16="http://schemas.microsoft.com/office/drawing/2014/main" id="{EEC1D79B-F7DD-4944-8B47-7221AC95BB2F}"/>
+                  <a16:creationId xmlns:a16="http://schemas.microsoft.com/office/drawing/2014/main" id="{EEC1D79B-F7DD-4944-8B47-7221AC95BB2F}"/>
                 </a:ext>
               </a:extLst>
             </p:cNvPr>
@@ -34427,7 +34386,7 @@
             <p:cNvPr id="169" name="TextBox 168">
               <a:extLst>
                 <a:ext uri="{FF2B5EF4-FFF2-40B4-BE49-F238E27FC236}">
-                  <a16:creationId xmlns="" xmlns:a16="http://schemas.microsoft.com/office/drawing/2014/main" id="{F3CCDCD2-9CAF-4075-9D88-CB832DFEBFA5}"/>
+                  <a16:creationId xmlns:a16="http://schemas.microsoft.com/office/drawing/2014/main" id="{F3CCDCD2-9CAF-4075-9D88-CB832DFEBFA5}"/>
                 </a:ext>
               </a:extLst>
             </p:cNvPr>
@@ -34470,35 +34429,7 @@
                   <a:ea typeface="Source Sans Pro Light" charset="0"/>
                   <a:cs typeface="Source Sans Pro Light" charset="0"/>
                 </a:rPr>
-                <a:t>Import </a:t>
-              </a:r>
-              <a:r>
-                <a:rPr lang="en-US" sz="1200" spc="0" dirty="0" smtClean="0">
-                  <a:ln>
-                    <a:noFill/>
-                  </a:ln>
-                  <a:solidFill>
-                    <a:srgbClr val="00AEC7"/>
-                  </a:solidFill>
-                  <a:latin typeface="Source Sans Pro Light" charset="0"/>
-                  <a:ea typeface="Source Sans Pro Light" charset="0"/>
-                  <a:cs typeface="Source Sans Pro Light" charset="0"/>
-                </a:rPr>
-                <a:t>platform in </a:t>
-              </a:r>
-              <a:r>
-                <a:rPr lang="en-US" sz="1200" spc="0" dirty="0">
-                  <a:ln>
-                    <a:noFill/>
-                  </a:ln>
-                  <a:solidFill>
-                    <a:srgbClr val="00AEC7"/>
-                  </a:solidFill>
-                  <a:latin typeface="Source Sans Pro Light" charset="0"/>
-                  <a:ea typeface="Source Sans Pro Light" charset="0"/>
-                  <a:cs typeface="Source Sans Pro Light" charset="0"/>
-                </a:rPr>
-                <a:t>workspace</a:t>
+                <a:t>Import platform in workspace</a:t>
               </a:r>
             </a:p>
           </p:txBody>
@@ -34508,7 +34439,7 @@
             <p:cNvPr id="173" name="TextBox 172">
               <a:extLst>
                 <a:ext uri="{FF2B5EF4-FFF2-40B4-BE49-F238E27FC236}">
-                  <a16:creationId xmlns="" xmlns:a16="http://schemas.microsoft.com/office/drawing/2014/main" id="{265E5B4D-30CC-42C2-8AC0-3586FA23FFAC}"/>
+                  <a16:creationId xmlns:a16="http://schemas.microsoft.com/office/drawing/2014/main" id="{265E5B4D-30CC-42C2-8AC0-3586FA23FFAC}"/>
                 </a:ext>
               </a:extLst>
             </p:cNvPr>
@@ -34568,21 +34499,7 @@
                   <a:ea typeface="Source Sans Pro Light" charset="0"/>
                   <a:cs typeface="Source Sans Pro Light" charset="0"/>
                 </a:rPr>
-                <a:t>Java </a:t>
-              </a:r>
-              <a:r>
-                <a:rPr lang="en-US" sz="1200" i="0" spc="0" smtClean="0">
-                  <a:ln>
-                    <a:noFill/>
-                  </a:ln>
-                  <a:solidFill>
-                    <a:srgbClr val="EE502E"/>
-                  </a:solidFill>
-                  <a:latin typeface="Source Sans Pro Light" charset="0"/>
-                  <a:ea typeface="Source Sans Pro Light" charset="0"/>
-                  <a:cs typeface="Source Sans Pro Light" charset="0"/>
-                </a:rPr>
-                <a:t>application in </a:t>
+                <a:t>Java application in </a:t>
               </a:r>
               <a:r>
                 <a:rPr lang="en-US" sz="1200" i="0" spc="0" dirty="0">
@@ -34606,7 +34523,7 @@
             <p:cNvPr id="175" name="TextBox 174">
               <a:extLst>
                 <a:ext uri="{FF2B5EF4-FFF2-40B4-BE49-F238E27FC236}">
-                  <a16:creationId xmlns="" xmlns:a16="http://schemas.microsoft.com/office/drawing/2014/main" id="{DFCE4E0F-0EBE-4B23-B724-9867E1476585}"/>
+                  <a16:creationId xmlns:a16="http://schemas.microsoft.com/office/drawing/2014/main" id="{DFCE4E0F-0EBE-4B23-B724-9867E1476585}"/>
                 </a:ext>
               </a:extLst>
             </p:cNvPr>
@@ -34681,7 +34598,7 @@
             <p:cNvPr id="177" name="TextBox 176">
               <a:extLst>
                 <a:ext uri="{FF2B5EF4-FFF2-40B4-BE49-F238E27FC236}">
-                  <a16:creationId xmlns="" xmlns:a16="http://schemas.microsoft.com/office/drawing/2014/main" id="{F1753A14-2EC3-4B43-9F13-78F208C94A82}"/>
+                  <a16:creationId xmlns:a16="http://schemas.microsoft.com/office/drawing/2014/main" id="{F1753A14-2EC3-4B43-9F13-78F208C94A82}"/>
                 </a:ext>
               </a:extLst>
             </p:cNvPr>
@@ -34734,7 +34651,7 @@
             <p:cNvPr id="179" name="TextBox 178">
               <a:extLst>
                 <a:ext uri="{FF2B5EF4-FFF2-40B4-BE49-F238E27FC236}">
-                  <a16:creationId xmlns="" xmlns:a16="http://schemas.microsoft.com/office/drawing/2014/main" id="{09F1F4F5-C1B4-47B3-B18F-076B70A4E0F2}"/>
+                  <a16:creationId xmlns:a16="http://schemas.microsoft.com/office/drawing/2014/main" id="{09F1F4F5-C1B4-47B3-B18F-076B70A4E0F2}"/>
                 </a:ext>
               </a:extLst>
             </p:cNvPr>
@@ -34836,7 +34753,7 @@
             <p:cNvPr id="216" name="Connector: Elbow 215">
               <a:extLst>
                 <a:ext uri="{FF2B5EF4-FFF2-40B4-BE49-F238E27FC236}">
-                  <a16:creationId xmlns="" xmlns:a16="http://schemas.microsoft.com/office/drawing/2014/main" id="{485E2FF2-B957-450D-9FFA-829105FF84A6}"/>
+                  <a16:creationId xmlns:a16="http://schemas.microsoft.com/office/drawing/2014/main" id="{485E2FF2-B957-450D-9FFA-829105FF84A6}"/>
                 </a:ext>
               </a:extLst>
             </p:cNvPr>
@@ -34880,7 +34797,7 @@
             <p:cNvPr id="234" name="Rectangle 233">
               <a:extLst>
                 <a:ext uri="{FF2B5EF4-FFF2-40B4-BE49-F238E27FC236}">
-                  <a16:creationId xmlns="" xmlns:a16="http://schemas.microsoft.com/office/drawing/2014/main" id="{92C3D1E1-9D9A-4743-B664-EA5ABF4B57AC}"/>
+                  <a16:creationId xmlns:a16="http://schemas.microsoft.com/office/drawing/2014/main" id="{92C3D1E1-9D9A-4743-B664-EA5ABF4B57AC}"/>
                 </a:ext>
               </a:extLst>
             </p:cNvPr>
@@ -34929,7 +34846,7 @@
             <p:cNvPr id="237" name="Rounded Rectangle 114">
               <a:extLst>
                 <a:ext uri="{FF2B5EF4-FFF2-40B4-BE49-F238E27FC236}">
-                  <a16:creationId xmlns="" xmlns:a16="http://schemas.microsoft.com/office/drawing/2014/main" id="{301EEBF6-0A4E-4662-9B5C-C1808601BF30}"/>
+                  <a16:creationId xmlns:a16="http://schemas.microsoft.com/office/drawing/2014/main" id="{301EEBF6-0A4E-4662-9B5C-C1808601BF30}"/>
                 </a:ext>
               </a:extLst>
             </p:cNvPr>
@@ -34994,7 +34911,7 @@
             <p:cNvPr id="68" name="TextBox 67">
               <a:extLst>
                 <a:ext uri="{FF2B5EF4-FFF2-40B4-BE49-F238E27FC236}">
-                  <a16:creationId xmlns="" xmlns:a16="http://schemas.microsoft.com/office/drawing/2014/main" id="{2E717F41-5B33-4E06-83D6-2B661FDACDC7}"/>
+                  <a16:creationId xmlns:a16="http://schemas.microsoft.com/office/drawing/2014/main" id="{2E717F41-5B33-4E06-83D6-2B661FDACDC7}"/>
                 </a:ext>
               </a:extLst>
             </p:cNvPr>
@@ -35078,7 +34995,7 @@
             <p:cNvPr id="82" name="Straight Arrow Connector 81">
               <a:extLst>
                 <a:ext uri="{FF2B5EF4-FFF2-40B4-BE49-F238E27FC236}">
-                  <a16:creationId xmlns="" xmlns:a16="http://schemas.microsoft.com/office/drawing/2014/main" id="{EEC1D79B-F7DD-4944-8B47-7221AC95BB2F}"/>
+                  <a16:creationId xmlns:a16="http://schemas.microsoft.com/office/drawing/2014/main" id="{EEC1D79B-F7DD-4944-8B47-7221AC95BB2F}"/>
                 </a:ext>
               </a:extLst>
             </p:cNvPr>
@@ -35119,7 +35036,7 @@
             <p:cNvPr id="86" name="Connector: Elbow 215">
               <a:extLst>
                 <a:ext uri="{FF2B5EF4-FFF2-40B4-BE49-F238E27FC236}">
-                  <a16:creationId xmlns="" xmlns:a16="http://schemas.microsoft.com/office/drawing/2014/main" id="{485E2FF2-B957-450D-9FFA-829105FF84A6}"/>
+                  <a16:creationId xmlns:a16="http://schemas.microsoft.com/office/drawing/2014/main" id="{485E2FF2-B957-450D-9FFA-829105FF84A6}"/>
                 </a:ext>
               </a:extLst>
             </p:cNvPr>
@@ -35162,7 +35079,7 @@
             <p:cNvPr id="104" name="Rounded Rectangle 114">
               <a:extLst>
                 <a:ext uri="{FF2B5EF4-FFF2-40B4-BE49-F238E27FC236}">
-                  <a16:creationId xmlns="" xmlns:a16="http://schemas.microsoft.com/office/drawing/2014/main" id="{86C790C5-092C-46A0-BE5E-8BE15DE5A4F7}"/>
+                  <a16:creationId xmlns:a16="http://schemas.microsoft.com/office/drawing/2014/main" id="{86C790C5-092C-46A0-BE5E-8BE15DE5A4F7}"/>
                 </a:ext>
               </a:extLst>
             </p:cNvPr>
@@ -35252,14 +35169,6 @@
                 </a:rPr>
                 <a:t>Firmware</a:t>
               </a:r>
-              <a:endParaRPr lang="en-US" sz="1400" b="1" dirty="0">
-                <a:solidFill>
-                  <a:schemeClr val="bg1"/>
-                </a:solidFill>
-                <a:latin typeface="Source Sans Pro Semibold" charset="0"/>
-                <a:ea typeface="Source Sans Pro Semibold" charset="0"/>
-                <a:cs typeface="Source Sans Pro Semibold" charset="0"/>
-              </a:endParaRPr>
             </a:p>
           </p:txBody>
         </p:sp>

--- a/Tutorials/images/qa_resources-v3.pptx
+++ b/Tutorials/images/qa_resources-v3.pptx
@@ -234,7 +234,7 @@
               <a:rPr lang="fr-FR" smtClean="0">
                 <a:latin typeface="Calibri Regular" charset="0"/>
               </a:rPr>
-              <a:t>29/09/2020</a:t>
+              <a:t>05/10/2020</a:t>
             </a:fld>
             <a:endParaRPr lang="en-US" dirty="0">
               <a:latin typeface="Calibri Regular" charset="0"/>
@@ -422,7 +422,7 @@
           <a:p>
             <a:fld id="{D125E8DA-58CB-F841-A404-E11EC1E2C988}" type="datetime1">
               <a:rPr lang="fr-FR" smtClean="0"/>
-              <a:t>29/09/2020</a:t>
+              <a:t>05/10/2020</a:t>
             </a:fld>
             <a:endParaRPr lang="en-US" dirty="0"/>
           </a:p>
@@ -4495,7 +4495,7 @@
           <a:p>
             <a:fld id="{198ED07F-DFCB-4ABE-A311-845A3D30E5DB}" type="datetime7">
               <a:rPr lang="en-US" smtClean="0"/>
-              <a:t>Sep-20</a:t>
+              <a:t>Oct-20</a:t>
             </a:fld>
             <a:endParaRPr lang="en-US" dirty="0"/>
           </a:p>
@@ -34630,6 +34630,20 @@
                 </a:spcAft>
               </a:pPr>
               <a:r>
+                <a:rPr lang="en-US" sz="1200" spc="0">
+                  <a:ln>
+                    <a:noFill/>
+                  </a:ln>
+                  <a:solidFill>
+                    <a:srgbClr val="EE502E"/>
+                  </a:solidFill>
+                  <a:latin typeface="Source Sans Pro Light" charset="0"/>
+                  <a:ea typeface="Source Sans Pro Light" charset="0"/>
+                  <a:cs typeface="Source Sans Pro Light" charset="0"/>
+                </a:rPr>
+                <a:t>Update Module </a:t>
+              </a:r>
+              <a:r>
                 <a:rPr lang="en-US" sz="1200" spc="0" dirty="0">
                   <a:ln>
                     <a:noFill/>
@@ -34641,7 +34655,7 @@
                   <a:ea typeface="Source Sans Pro Light" charset="0"/>
                   <a:cs typeface="Source Sans Pro Light" charset="0"/>
                 </a:rPr>
-                <a:t>Update Ivy Settings</a:t>
+                <a:t>Settings</a:t>
               </a:r>
             </a:p>
           </p:txBody>
